--- a/Later/Java_Later/API/5/What are Webservices.pptx
+++ b/Later/Java_Later/API/5/What are Webservices.pptx
@@ -5,14 +5,15 @@
     <p:sldMasterId id="2147483672" r:id="rId1"/>
   </p:sldMasterIdLst>
   <p:notesMasterIdLst>
-    <p:notesMasterId r:id="rId7"/>
+    <p:notesMasterId r:id="rId8"/>
   </p:notesMasterIdLst>
   <p:sldIdLst>
-    <p:sldId id="462" r:id="rId2"/>
-    <p:sldId id="471" r:id="rId3"/>
-    <p:sldId id="472" r:id="rId4"/>
-    <p:sldId id="473" r:id="rId5"/>
-    <p:sldId id="470" r:id="rId6"/>
+    <p:sldId id="474" r:id="rId2"/>
+    <p:sldId id="462" r:id="rId3"/>
+    <p:sldId id="475" r:id="rId4"/>
+    <p:sldId id="471" r:id="rId5"/>
+    <p:sldId id="476" r:id="rId6"/>
+    <p:sldId id="477" r:id="rId7"/>
   </p:sldIdLst>
   <p:sldSz cx="9144000" cy="5029200"/>
   <p:notesSz cx="6858000" cy="9144000"/>
@@ -111,7 +112,3670 @@
       </a:defRPr>
     </a:lvl9pPr>
   </p:defaultTextStyle>
+  <p:extLst>
+    <p:ext uri="{EFAFB233-063F-42B5-8137-9DF3F51BA10A}">
+      <p15:sldGuideLst xmlns:p15="http://schemas.microsoft.com/office/powerpoint/2012/main">
+        <p15:guide id="1" orient="horz" pos="1585">
+          <p15:clr>
+            <a:srgbClr val="A4A3A4"/>
+          </p15:clr>
+        </p15:guide>
+        <p15:guide id="2" pos="2880">
+          <p15:clr>
+            <a:srgbClr val="A4A3A4"/>
+          </p15:clr>
+        </p15:guide>
+      </p15:sldGuideLst>
+    </p:ext>
+    <p:ext uri="{2D200454-40CA-4A62-9FC3-DE9A4176ACB9}">
+      <p15:notesGuideLst xmlns:p15="http://schemas.microsoft.com/office/powerpoint/2012/main">
+        <p15:guide id="1" orient="horz" pos="2880">
+          <p15:clr>
+            <a:srgbClr val="A4A3A4"/>
+          </p15:clr>
+        </p15:guide>
+        <p15:guide id="2" pos="2160">
+          <p15:clr>
+            <a:srgbClr val="A4A3A4"/>
+          </p15:clr>
+        </p15:guide>
+      </p15:notesGuideLst>
+    </p:ext>
+  </p:extLst>
 </p:presentation>
+</file>
+
+<file path=ppt/diagrams/colors1.xml><?xml version="1.0" encoding="utf-8"?>
+<dgm:colorsDef xmlns:dgm="http://schemas.openxmlformats.org/drawingml/2006/diagram" xmlns:a="http://schemas.openxmlformats.org/drawingml/2006/main" uniqueId="urn:microsoft.com/office/officeart/2005/8/colors/colorful5">
+  <dgm:title val=""/>
+  <dgm:desc val=""/>
+  <dgm:catLst>
+    <dgm:cat type="colorful" pri="10500"/>
+  </dgm:catLst>
+  <dgm:styleLbl name="node0">
+    <dgm:fillClrLst meth="repeat">
+      <a:schemeClr val="accent4"/>
+    </dgm:fillClrLst>
+    <dgm:linClrLst meth="repeat">
+      <a:schemeClr val="lt1"/>
+    </dgm:linClrLst>
+    <dgm:effectClrLst/>
+    <dgm:txLinClrLst/>
+    <dgm:txFillClrLst/>
+    <dgm:txEffectClrLst/>
+  </dgm:styleLbl>
+  <dgm:styleLbl name="node1">
+    <dgm:fillClrLst>
+      <a:schemeClr val="accent5"/>
+      <a:schemeClr val="accent6"/>
+    </dgm:fillClrLst>
+    <dgm:linClrLst meth="repeat">
+      <a:schemeClr val="lt1"/>
+    </dgm:linClrLst>
+    <dgm:effectClrLst/>
+    <dgm:txLinClrLst/>
+    <dgm:txFillClrLst/>
+    <dgm:txEffectClrLst/>
+  </dgm:styleLbl>
+  <dgm:styleLbl name="alignNode1">
+    <dgm:fillClrLst>
+      <a:schemeClr val="accent5"/>
+      <a:schemeClr val="accent6"/>
+    </dgm:fillClrLst>
+    <dgm:linClrLst>
+      <a:schemeClr val="accent5"/>
+      <a:schemeClr val="accent6"/>
+    </dgm:linClrLst>
+    <dgm:effectClrLst/>
+    <dgm:txLinClrLst/>
+    <dgm:txFillClrLst/>
+    <dgm:txEffectClrLst/>
+  </dgm:styleLbl>
+  <dgm:styleLbl name="lnNode1">
+    <dgm:fillClrLst>
+      <a:schemeClr val="accent5"/>
+      <a:schemeClr val="accent6"/>
+    </dgm:fillClrLst>
+    <dgm:linClrLst meth="repeat">
+      <a:schemeClr val="lt1"/>
+    </dgm:linClrLst>
+    <dgm:effectClrLst/>
+    <dgm:txLinClrLst/>
+    <dgm:txFillClrLst/>
+    <dgm:txEffectClrLst/>
+  </dgm:styleLbl>
+  <dgm:styleLbl name="vennNode1">
+    <dgm:fillClrLst>
+      <a:schemeClr val="accent5">
+        <a:alpha val="50000"/>
+      </a:schemeClr>
+      <a:schemeClr val="accent6">
+        <a:alpha val="50000"/>
+      </a:schemeClr>
+    </dgm:fillClrLst>
+    <dgm:linClrLst meth="repeat">
+      <a:schemeClr val="lt1"/>
+    </dgm:linClrLst>
+    <dgm:effectClrLst/>
+    <dgm:txLinClrLst/>
+    <dgm:txFillClrLst/>
+    <dgm:txEffectClrLst/>
+  </dgm:styleLbl>
+  <dgm:styleLbl name="node2">
+    <dgm:fillClrLst>
+      <a:schemeClr val="accent6"/>
+    </dgm:fillClrLst>
+    <dgm:linClrLst meth="repeat">
+      <a:schemeClr val="lt1"/>
+    </dgm:linClrLst>
+    <dgm:effectClrLst/>
+    <dgm:txLinClrLst/>
+    <dgm:txFillClrLst/>
+    <dgm:txEffectClrLst/>
+  </dgm:styleLbl>
+  <dgm:styleLbl name="node3">
+    <dgm:fillClrLst>
+      <a:schemeClr val="accent1"/>
+    </dgm:fillClrLst>
+    <dgm:linClrLst meth="repeat">
+      <a:schemeClr val="lt1"/>
+    </dgm:linClrLst>
+    <dgm:effectClrLst/>
+    <dgm:txLinClrLst/>
+    <dgm:txFillClrLst/>
+    <dgm:txEffectClrLst/>
+  </dgm:styleLbl>
+  <dgm:styleLbl name="node4">
+    <dgm:fillClrLst>
+      <a:schemeClr val="accent2"/>
+    </dgm:fillClrLst>
+    <dgm:linClrLst meth="repeat">
+      <a:schemeClr val="lt1"/>
+    </dgm:linClrLst>
+    <dgm:effectClrLst/>
+    <dgm:txLinClrLst/>
+    <dgm:txFillClrLst/>
+    <dgm:txEffectClrLst/>
+  </dgm:styleLbl>
+  <dgm:styleLbl name="fgImgPlace1">
+    <dgm:fillClrLst>
+      <a:schemeClr val="accent5">
+        <a:tint val="50000"/>
+      </a:schemeClr>
+      <a:schemeClr val="accent6">
+        <a:tint val="50000"/>
+      </a:schemeClr>
+    </dgm:fillClrLst>
+    <dgm:linClrLst meth="repeat">
+      <a:schemeClr val="lt1"/>
+    </dgm:linClrLst>
+    <dgm:effectClrLst/>
+    <dgm:txLinClrLst/>
+    <dgm:txFillClrLst meth="repeat">
+      <a:schemeClr val="lt1"/>
+    </dgm:txFillClrLst>
+    <dgm:txEffectClrLst/>
+  </dgm:styleLbl>
+  <dgm:styleLbl name="alignImgPlace1">
+    <dgm:fillClrLst>
+      <a:schemeClr val="accent5">
+        <a:tint val="50000"/>
+      </a:schemeClr>
+      <a:schemeClr val="accent6">
+        <a:tint val="20000"/>
+      </a:schemeClr>
+    </dgm:fillClrLst>
+    <dgm:linClrLst meth="repeat">
+      <a:schemeClr val="lt1"/>
+    </dgm:linClrLst>
+    <dgm:effectClrLst/>
+    <dgm:txLinClrLst/>
+    <dgm:txFillClrLst meth="repeat">
+      <a:schemeClr val="lt1"/>
+    </dgm:txFillClrLst>
+    <dgm:txEffectClrLst/>
+  </dgm:styleLbl>
+  <dgm:styleLbl name="bgImgPlace1">
+    <dgm:fillClrLst>
+      <a:schemeClr val="accent5">
+        <a:tint val="50000"/>
+      </a:schemeClr>
+      <a:schemeClr val="accent6">
+        <a:tint val="20000"/>
+      </a:schemeClr>
+    </dgm:fillClrLst>
+    <dgm:linClrLst meth="repeat">
+      <a:schemeClr val="lt1"/>
+    </dgm:linClrLst>
+    <dgm:effectClrLst/>
+    <dgm:txLinClrLst/>
+    <dgm:txFillClrLst meth="repeat">
+      <a:schemeClr val="lt1"/>
+    </dgm:txFillClrLst>
+    <dgm:txEffectClrLst/>
+  </dgm:styleLbl>
+  <dgm:styleLbl name="sibTrans2D1">
+    <dgm:fillClrLst>
+      <a:schemeClr val="accent5"/>
+      <a:schemeClr val="accent6"/>
+    </dgm:fillClrLst>
+    <dgm:linClrLst meth="repeat">
+      <a:schemeClr val="lt1"/>
+    </dgm:linClrLst>
+    <dgm:effectClrLst/>
+    <dgm:txLinClrLst/>
+    <dgm:txFillClrLst/>
+    <dgm:txEffectClrLst/>
+  </dgm:styleLbl>
+  <dgm:styleLbl name="fgSibTrans2D1">
+    <dgm:fillClrLst>
+      <a:schemeClr val="accent5"/>
+      <a:schemeClr val="accent6"/>
+    </dgm:fillClrLst>
+    <dgm:linClrLst meth="repeat">
+      <a:schemeClr val="lt1"/>
+    </dgm:linClrLst>
+    <dgm:effectClrLst/>
+    <dgm:txLinClrLst/>
+    <dgm:txFillClrLst meth="repeat">
+      <a:schemeClr val="lt1"/>
+    </dgm:txFillClrLst>
+    <dgm:txEffectClrLst/>
+  </dgm:styleLbl>
+  <dgm:styleLbl name="bgSibTrans2D1">
+    <dgm:fillClrLst>
+      <a:schemeClr val="accent5"/>
+      <a:schemeClr val="accent6"/>
+    </dgm:fillClrLst>
+    <dgm:linClrLst meth="repeat">
+      <a:schemeClr val="lt1"/>
+    </dgm:linClrLst>
+    <dgm:effectClrLst/>
+    <dgm:txLinClrLst/>
+    <dgm:txFillClrLst meth="repeat">
+      <a:schemeClr val="lt1"/>
+    </dgm:txFillClrLst>
+    <dgm:txEffectClrLst/>
+  </dgm:styleLbl>
+  <dgm:styleLbl name="sibTrans1D1">
+    <dgm:fillClrLst/>
+    <dgm:linClrLst>
+      <a:schemeClr val="accent5"/>
+      <a:schemeClr val="accent6"/>
+    </dgm:linClrLst>
+    <dgm:effectClrLst/>
+    <dgm:txLinClrLst/>
+    <dgm:txFillClrLst meth="repeat">
+      <a:schemeClr val="tx1"/>
+    </dgm:txFillClrLst>
+    <dgm:txEffectClrLst/>
+  </dgm:styleLbl>
+  <dgm:styleLbl name="callout">
+    <dgm:fillClrLst meth="repeat">
+      <a:schemeClr val="accent5"/>
+    </dgm:fillClrLst>
+    <dgm:linClrLst meth="repeat">
+      <a:schemeClr val="accent5">
+        <a:tint val="50000"/>
+      </a:schemeClr>
+    </dgm:linClrLst>
+    <dgm:effectClrLst/>
+    <dgm:txLinClrLst/>
+    <dgm:txFillClrLst meth="repeat">
+      <a:schemeClr val="tx1"/>
+    </dgm:txFillClrLst>
+    <dgm:txEffectClrLst/>
+  </dgm:styleLbl>
+  <dgm:styleLbl name="asst0">
+    <dgm:fillClrLst meth="repeat">
+      <a:schemeClr val="accent5"/>
+    </dgm:fillClrLst>
+    <dgm:linClrLst meth="repeat">
+      <a:schemeClr val="lt1">
+        <a:shade val="80000"/>
+      </a:schemeClr>
+    </dgm:linClrLst>
+    <dgm:effectClrLst/>
+    <dgm:txLinClrLst/>
+    <dgm:txFillClrLst/>
+    <dgm:txEffectClrLst/>
+  </dgm:styleLbl>
+  <dgm:styleLbl name="asst1">
+    <dgm:fillClrLst meth="repeat">
+      <a:schemeClr val="accent6"/>
+    </dgm:fillClrLst>
+    <dgm:linClrLst meth="repeat">
+      <a:schemeClr val="lt1">
+        <a:shade val="80000"/>
+      </a:schemeClr>
+    </dgm:linClrLst>
+    <dgm:effectClrLst/>
+    <dgm:txLinClrLst/>
+    <dgm:txFillClrLst/>
+    <dgm:txEffectClrLst/>
+  </dgm:styleLbl>
+  <dgm:styleLbl name="asst2">
+    <dgm:fillClrLst>
+      <a:schemeClr val="accent1"/>
+    </dgm:fillClrLst>
+    <dgm:linClrLst meth="repeat">
+      <a:schemeClr val="lt1"/>
+    </dgm:linClrLst>
+    <dgm:effectClrLst/>
+    <dgm:txLinClrLst/>
+    <dgm:txFillClrLst/>
+    <dgm:txEffectClrLst/>
+  </dgm:styleLbl>
+  <dgm:styleLbl name="asst3">
+    <dgm:fillClrLst>
+      <a:schemeClr val="accent2"/>
+    </dgm:fillClrLst>
+    <dgm:linClrLst meth="repeat">
+      <a:schemeClr val="lt1"/>
+    </dgm:linClrLst>
+    <dgm:effectClrLst/>
+    <dgm:txLinClrLst/>
+    <dgm:txFillClrLst/>
+    <dgm:txEffectClrLst/>
+  </dgm:styleLbl>
+  <dgm:styleLbl name="asst4">
+    <dgm:fillClrLst>
+      <a:schemeClr val="accent3"/>
+    </dgm:fillClrLst>
+    <dgm:linClrLst meth="repeat">
+      <a:schemeClr val="lt1"/>
+    </dgm:linClrLst>
+    <dgm:effectClrLst/>
+    <dgm:txLinClrLst/>
+    <dgm:txFillClrLst/>
+    <dgm:txEffectClrLst/>
+  </dgm:styleLbl>
+  <dgm:styleLbl name="parChTrans2D1">
+    <dgm:fillClrLst meth="repeat">
+      <a:schemeClr val="accent5"/>
+    </dgm:fillClrLst>
+    <dgm:linClrLst meth="repeat">
+      <a:schemeClr val="lt1"/>
+    </dgm:linClrLst>
+    <dgm:effectClrLst/>
+    <dgm:txLinClrLst/>
+    <dgm:txFillClrLst meth="repeat">
+      <a:schemeClr val="lt1"/>
+    </dgm:txFillClrLst>
+    <dgm:txEffectClrLst/>
+  </dgm:styleLbl>
+  <dgm:styleLbl name="parChTrans2D2">
+    <dgm:fillClrLst meth="repeat">
+      <a:schemeClr val="accent6"/>
+    </dgm:fillClrLst>
+    <dgm:linClrLst meth="repeat">
+      <a:schemeClr val="lt1"/>
+    </dgm:linClrLst>
+    <dgm:effectClrLst/>
+    <dgm:txLinClrLst/>
+    <dgm:txFillClrLst/>
+    <dgm:txEffectClrLst/>
+  </dgm:styleLbl>
+  <dgm:styleLbl name="parChTrans2D3">
+    <dgm:fillClrLst meth="repeat">
+      <a:schemeClr val="accent6"/>
+    </dgm:fillClrLst>
+    <dgm:linClrLst meth="repeat">
+      <a:schemeClr val="lt1"/>
+    </dgm:linClrLst>
+    <dgm:effectClrLst/>
+    <dgm:txLinClrLst/>
+    <dgm:txFillClrLst/>
+    <dgm:txEffectClrLst/>
+  </dgm:styleLbl>
+  <dgm:styleLbl name="parChTrans2D4">
+    <dgm:fillClrLst meth="repeat">
+      <a:schemeClr val="accent1"/>
+    </dgm:fillClrLst>
+    <dgm:linClrLst meth="repeat">
+      <a:schemeClr val="lt1"/>
+    </dgm:linClrLst>
+    <dgm:effectClrLst/>
+    <dgm:txLinClrLst/>
+    <dgm:txFillClrLst meth="repeat">
+      <a:schemeClr val="lt1"/>
+    </dgm:txFillClrLst>
+    <dgm:txEffectClrLst/>
+  </dgm:styleLbl>
+  <dgm:styleLbl name="parChTrans1D1">
+    <dgm:fillClrLst meth="repeat">
+      <a:schemeClr val="accent5"/>
+    </dgm:fillClrLst>
+    <dgm:linClrLst meth="repeat">
+      <a:schemeClr val="accent5"/>
+    </dgm:linClrLst>
+    <dgm:effectClrLst/>
+    <dgm:txLinClrLst/>
+    <dgm:txFillClrLst meth="repeat">
+      <a:schemeClr val="tx1"/>
+    </dgm:txFillClrLst>
+    <dgm:txEffectClrLst/>
+  </dgm:styleLbl>
+  <dgm:styleLbl name="parChTrans1D2">
+    <dgm:fillClrLst meth="repeat">
+      <a:schemeClr val="accent6">
+        <a:tint val="90000"/>
+      </a:schemeClr>
+    </dgm:fillClrLst>
+    <dgm:linClrLst meth="repeat">
+      <a:schemeClr val="accent6"/>
+    </dgm:linClrLst>
+    <dgm:effectClrLst/>
+    <dgm:txLinClrLst/>
+    <dgm:txFillClrLst meth="repeat">
+      <a:schemeClr val="tx1"/>
+    </dgm:txFillClrLst>
+    <dgm:txEffectClrLst/>
+  </dgm:styleLbl>
+  <dgm:styleLbl name="parChTrans1D3">
+    <dgm:fillClrLst meth="repeat">
+      <a:schemeClr val="accent6">
+        <a:tint val="70000"/>
+      </a:schemeClr>
+    </dgm:fillClrLst>
+    <dgm:linClrLst meth="repeat">
+      <a:schemeClr val="accent1"/>
+    </dgm:linClrLst>
+    <dgm:effectClrLst/>
+    <dgm:txLinClrLst/>
+    <dgm:txFillClrLst meth="repeat">
+      <a:schemeClr val="tx1"/>
+    </dgm:txFillClrLst>
+    <dgm:txEffectClrLst/>
+  </dgm:styleLbl>
+  <dgm:styleLbl name="parChTrans1D4">
+    <dgm:fillClrLst meth="repeat">
+      <a:schemeClr val="accent6">
+        <a:tint val="50000"/>
+      </a:schemeClr>
+    </dgm:fillClrLst>
+    <dgm:linClrLst meth="repeat">
+      <a:schemeClr val="accent2"/>
+    </dgm:linClrLst>
+    <dgm:effectClrLst/>
+    <dgm:txLinClrLst/>
+    <dgm:txFillClrLst meth="repeat">
+      <a:schemeClr val="tx1"/>
+    </dgm:txFillClrLst>
+    <dgm:txEffectClrLst/>
+  </dgm:styleLbl>
+  <dgm:styleLbl name="fgAcc1">
+    <dgm:fillClrLst meth="repeat">
+      <a:schemeClr val="lt1">
+        <a:alpha val="90000"/>
+      </a:schemeClr>
+    </dgm:fillClrLst>
+    <dgm:linClrLst>
+      <a:schemeClr val="accent5"/>
+      <a:schemeClr val="accent6"/>
+    </dgm:linClrLst>
+    <dgm:effectClrLst/>
+    <dgm:txLinClrLst/>
+    <dgm:txFillClrLst meth="repeat">
+      <a:schemeClr val="dk1"/>
+    </dgm:txFillClrLst>
+    <dgm:txEffectClrLst/>
+  </dgm:styleLbl>
+  <dgm:styleLbl name="conFgAcc1">
+    <dgm:fillClrLst meth="repeat">
+      <a:schemeClr val="lt1">
+        <a:alpha val="90000"/>
+      </a:schemeClr>
+    </dgm:fillClrLst>
+    <dgm:linClrLst>
+      <a:schemeClr val="accent5"/>
+      <a:schemeClr val="accent6"/>
+    </dgm:linClrLst>
+    <dgm:effectClrLst/>
+    <dgm:txLinClrLst/>
+    <dgm:txFillClrLst meth="repeat">
+      <a:schemeClr val="dk1"/>
+    </dgm:txFillClrLst>
+    <dgm:txEffectClrLst/>
+  </dgm:styleLbl>
+  <dgm:styleLbl name="alignAcc1">
+    <dgm:fillClrLst meth="repeat">
+      <a:schemeClr val="lt1">
+        <a:alpha val="90000"/>
+      </a:schemeClr>
+    </dgm:fillClrLst>
+    <dgm:linClrLst>
+      <a:schemeClr val="accent5"/>
+      <a:schemeClr val="accent6"/>
+    </dgm:linClrLst>
+    <dgm:effectClrLst/>
+    <dgm:txLinClrLst/>
+    <dgm:txFillClrLst meth="repeat">
+      <a:schemeClr val="dk1"/>
+    </dgm:txFillClrLst>
+    <dgm:txEffectClrLst/>
+  </dgm:styleLbl>
+  <dgm:styleLbl name="trAlignAcc1">
+    <dgm:fillClrLst meth="repeat">
+      <a:schemeClr val="lt1">
+        <a:alpha val="40000"/>
+      </a:schemeClr>
+    </dgm:fillClrLst>
+    <dgm:linClrLst meth="repeat">
+      <a:schemeClr val="accent5"/>
+    </dgm:linClrLst>
+    <dgm:effectClrLst/>
+    <dgm:txLinClrLst/>
+    <dgm:txFillClrLst meth="repeat">
+      <a:schemeClr val="dk1"/>
+    </dgm:txFillClrLst>
+    <dgm:txEffectClrLst/>
+  </dgm:styleLbl>
+  <dgm:styleLbl name="bgAcc1">
+    <dgm:fillClrLst meth="repeat">
+      <a:schemeClr val="lt1">
+        <a:alpha val="90000"/>
+      </a:schemeClr>
+    </dgm:fillClrLst>
+    <dgm:linClrLst>
+      <a:schemeClr val="accent5"/>
+      <a:schemeClr val="accent6"/>
+    </dgm:linClrLst>
+    <dgm:effectClrLst/>
+    <dgm:txLinClrLst/>
+    <dgm:txFillClrLst meth="repeat">
+      <a:schemeClr val="dk1"/>
+    </dgm:txFillClrLst>
+    <dgm:txEffectClrLst/>
+  </dgm:styleLbl>
+  <dgm:styleLbl name="solidFgAcc1">
+    <dgm:fillClrLst meth="repeat">
+      <a:schemeClr val="lt1"/>
+    </dgm:fillClrLst>
+    <dgm:linClrLst>
+      <a:schemeClr val="accent5"/>
+      <a:schemeClr val="accent6"/>
+    </dgm:linClrLst>
+    <dgm:effectClrLst/>
+    <dgm:txLinClrLst/>
+    <dgm:txFillClrLst meth="repeat">
+      <a:schemeClr val="dk1"/>
+    </dgm:txFillClrLst>
+    <dgm:txEffectClrLst/>
+  </dgm:styleLbl>
+  <dgm:styleLbl name="solidAlignAcc1">
+    <dgm:fillClrLst meth="repeat">
+      <a:schemeClr val="lt1"/>
+    </dgm:fillClrLst>
+    <dgm:linClrLst>
+      <a:schemeClr val="accent5"/>
+      <a:schemeClr val="accent6"/>
+    </dgm:linClrLst>
+    <dgm:effectClrLst/>
+    <dgm:txLinClrLst/>
+    <dgm:txFillClrLst meth="repeat">
+      <a:schemeClr val="dk1"/>
+    </dgm:txFillClrLst>
+    <dgm:txEffectClrLst/>
+  </dgm:styleLbl>
+  <dgm:styleLbl name="solidBgAcc1">
+    <dgm:fillClrLst meth="repeat">
+      <a:schemeClr val="lt1"/>
+    </dgm:fillClrLst>
+    <dgm:linClrLst>
+      <a:schemeClr val="accent5"/>
+      <a:schemeClr val="accent6"/>
+    </dgm:linClrLst>
+    <dgm:effectClrLst/>
+    <dgm:txLinClrLst/>
+    <dgm:txFillClrLst meth="repeat">
+      <a:schemeClr val="dk1"/>
+    </dgm:txFillClrLst>
+    <dgm:txEffectClrLst/>
+  </dgm:styleLbl>
+  <dgm:styleLbl name="fgAccFollowNode1">
+    <dgm:fillClrLst>
+      <a:schemeClr val="accent5">
+        <a:tint val="40000"/>
+        <a:alpha val="90000"/>
+      </a:schemeClr>
+      <a:schemeClr val="accent6">
+        <a:tint val="40000"/>
+        <a:alpha val="90000"/>
+      </a:schemeClr>
+    </dgm:fillClrLst>
+    <dgm:linClrLst>
+      <a:schemeClr val="accent5">
+        <a:tint val="40000"/>
+        <a:alpha val="90000"/>
+      </a:schemeClr>
+      <a:schemeClr val="accent5">
+        <a:tint val="40000"/>
+        <a:alpha val="90000"/>
+      </a:schemeClr>
+    </dgm:linClrLst>
+    <dgm:effectClrLst/>
+    <dgm:txLinClrLst/>
+    <dgm:txFillClrLst meth="repeat">
+      <a:schemeClr val="dk1"/>
+    </dgm:txFillClrLst>
+    <dgm:txEffectClrLst/>
+  </dgm:styleLbl>
+  <dgm:styleLbl name="alignAccFollowNode1">
+    <dgm:fillClrLst>
+      <a:schemeClr val="accent5">
+        <a:tint val="40000"/>
+        <a:alpha val="90000"/>
+      </a:schemeClr>
+      <a:schemeClr val="accent6">
+        <a:tint val="40000"/>
+        <a:alpha val="90000"/>
+      </a:schemeClr>
+    </dgm:fillClrLst>
+    <dgm:linClrLst>
+      <a:schemeClr val="accent5">
+        <a:tint val="40000"/>
+        <a:alpha val="90000"/>
+      </a:schemeClr>
+      <a:schemeClr val="accent6">
+        <a:tint val="40000"/>
+        <a:alpha val="90000"/>
+      </a:schemeClr>
+    </dgm:linClrLst>
+    <dgm:effectClrLst/>
+    <dgm:txLinClrLst/>
+    <dgm:txFillClrLst meth="repeat">
+      <a:schemeClr val="dk1"/>
+    </dgm:txFillClrLst>
+    <dgm:txEffectClrLst/>
+  </dgm:styleLbl>
+  <dgm:styleLbl name="bgAccFollowNode1">
+    <dgm:fillClrLst>
+      <a:schemeClr val="accent5">
+        <a:tint val="40000"/>
+        <a:alpha val="90000"/>
+      </a:schemeClr>
+      <a:schemeClr val="accent6">
+        <a:tint val="40000"/>
+        <a:alpha val="90000"/>
+      </a:schemeClr>
+    </dgm:fillClrLst>
+    <dgm:linClrLst>
+      <a:schemeClr val="accent5">
+        <a:tint val="40000"/>
+        <a:alpha val="90000"/>
+      </a:schemeClr>
+      <a:schemeClr val="accent6">
+        <a:tint val="40000"/>
+        <a:alpha val="90000"/>
+      </a:schemeClr>
+    </dgm:linClrLst>
+    <dgm:effectClrLst/>
+    <dgm:txLinClrLst/>
+    <dgm:txFillClrLst meth="repeat">
+      <a:schemeClr val="dk1"/>
+    </dgm:txFillClrLst>
+    <dgm:txEffectClrLst/>
+  </dgm:styleLbl>
+  <dgm:styleLbl name="fgAcc0">
+    <dgm:fillClrLst meth="repeat">
+      <a:schemeClr val="lt1">
+        <a:alpha val="90000"/>
+      </a:schemeClr>
+    </dgm:fillClrLst>
+    <dgm:linClrLst>
+      <a:schemeClr val="accent4"/>
+    </dgm:linClrLst>
+    <dgm:effectClrLst/>
+    <dgm:txLinClrLst/>
+    <dgm:txFillClrLst meth="repeat">
+      <a:schemeClr val="dk1"/>
+    </dgm:txFillClrLst>
+    <dgm:txEffectClrLst/>
+  </dgm:styleLbl>
+  <dgm:styleLbl name="fgAcc2">
+    <dgm:fillClrLst meth="repeat">
+      <a:schemeClr val="lt1">
+        <a:alpha val="90000"/>
+      </a:schemeClr>
+    </dgm:fillClrLst>
+    <dgm:linClrLst>
+      <a:schemeClr val="accent6"/>
+    </dgm:linClrLst>
+    <dgm:effectClrLst/>
+    <dgm:txLinClrLst/>
+    <dgm:txFillClrLst meth="repeat">
+      <a:schemeClr val="dk1"/>
+    </dgm:txFillClrLst>
+    <dgm:txEffectClrLst/>
+  </dgm:styleLbl>
+  <dgm:styleLbl name="fgAcc3">
+    <dgm:fillClrLst meth="repeat">
+      <a:schemeClr val="lt1">
+        <a:alpha val="90000"/>
+      </a:schemeClr>
+    </dgm:fillClrLst>
+    <dgm:linClrLst>
+      <a:schemeClr val="accent1"/>
+    </dgm:linClrLst>
+    <dgm:effectClrLst/>
+    <dgm:txLinClrLst/>
+    <dgm:txFillClrLst meth="repeat">
+      <a:schemeClr val="dk1"/>
+    </dgm:txFillClrLst>
+    <dgm:txEffectClrLst/>
+  </dgm:styleLbl>
+  <dgm:styleLbl name="fgAcc4">
+    <dgm:fillClrLst meth="repeat">
+      <a:schemeClr val="lt1">
+        <a:alpha val="90000"/>
+      </a:schemeClr>
+    </dgm:fillClrLst>
+    <dgm:linClrLst>
+      <a:schemeClr val="accent2"/>
+    </dgm:linClrLst>
+    <dgm:effectClrLst/>
+    <dgm:txLinClrLst/>
+    <dgm:txFillClrLst meth="repeat">
+      <a:schemeClr val="dk1"/>
+    </dgm:txFillClrLst>
+    <dgm:txEffectClrLst/>
+  </dgm:styleLbl>
+  <dgm:styleLbl name="bgShp">
+    <dgm:fillClrLst meth="repeat">
+      <a:schemeClr val="accent5">
+        <a:tint val="40000"/>
+      </a:schemeClr>
+    </dgm:fillClrLst>
+    <dgm:linClrLst meth="repeat">
+      <a:schemeClr val="dk1"/>
+    </dgm:linClrLst>
+    <dgm:effectClrLst/>
+    <dgm:txLinClrLst/>
+    <dgm:txFillClrLst meth="repeat">
+      <a:schemeClr val="dk1"/>
+    </dgm:txFillClrLst>
+    <dgm:txEffectClrLst/>
+  </dgm:styleLbl>
+  <dgm:styleLbl name="dkBgShp">
+    <dgm:fillClrLst meth="repeat">
+      <a:schemeClr val="accent5">
+        <a:shade val="90000"/>
+      </a:schemeClr>
+    </dgm:fillClrLst>
+    <dgm:linClrLst meth="repeat">
+      <a:schemeClr val="dk1"/>
+    </dgm:linClrLst>
+    <dgm:effectClrLst/>
+    <dgm:txLinClrLst/>
+    <dgm:txFillClrLst meth="repeat">
+      <a:schemeClr val="lt1"/>
+    </dgm:txFillClrLst>
+    <dgm:txEffectClrLst/>
+  </dgm:styleLbl>
+  <dgm:styleLbl name="trBgShp">
+    <dgm:fillClrLst meth="repeat">
+      <a:schemeClr val="accent5">
+        <a:tint val="50000"/>
+        <a:alpha val="40000"/>
+      </a:schemeClr>
+    </dgm:fillClrLst>
+    <dgm:linClrLst meth="repeat">
+      <a:schemeClr val="accent5"/>
+    </dgm:linClrLst>
+    <dgm:effectClrLst/>
+    <dgm:txLinClrLst/>
+    <dgm:txFillClrLst meth="repeat">
+      <a:schemeClr val="lt1"/>
+    </dgm:txFillClrLst>
+    <dgm:txEffectClrLst/>
+  </dgm:styleLbl>
+  <dgm:styleLbl name="fgShp">
+    <dgm:fillClrLst meth="repeat">
+      <a:schemeClr val="accent5">
+        <a:tint val="40000"/>
+      </a:schemeClr>
+    </dgm:fillClrLst>
+    <dgm:linClrLst meth="repeat">
+      <a:schemeClr val="lt1"/>
+    </dgm:linClrLst>
+    <dgm:effectClrLst/>
+    <dgm:txLinClrLst/>
+    <dgm:txFillClrLst meth="repeat">
+      <a:schemeClr val="dk1"/>
+    </dgm:txFillClrLst>
+    <dgm:txEffectClrLst/>
+  </dgm:styleLbl>
+  <dgm:styleLbl name="revTx">
+    <dgm:fillClrLst meth="repeat">
+      <a:schemeClr val="lt1">
+        <a:alpha val="0"/>
+      </a:schemeClr>
+    </dgm:fillClrLst>
+    <dgm:linClrLst meth="repeat">
+      <a:schemeClr val="dk1">
+        <a:alpha val="0"/>
+      </a:schemeClr>
+    </dgm:linClrLst>
+    <dgm:effectClrLst/>
+    <dgm:txLinClrLst/>
+    <dgm:txFillClrLst meth="repeat">
+      <a:schemeClr val="tx1"/>
+    </dgm:txFillClrLst>
+    <dgm:txEffectClrLst/>
+  </dgm:styleLbl>
+</dgm:colorsDef>
+</file>
+
+<file path=ppt/diagrams/data1.xml><?xml version="1.0" encoding="utf-8"?>
+<dgm:dataModel xmlns:dgm="http://schemas.openxmlformats.org/drawingml/2006/diagram" xmlns:a="http://schemas.openxmlformats.org/drawingml/2006/main">
+  <dgm:ptLst>
+    <dgm:pt modelId="{E7F1CB17-CDA5-47A6-B908-5306C142A9CB}" type="doc">
+      <dgm:prSet loTypeId="urn:microsoft.com/office/officeart/2005/8/layout/orgChart1" loCatId="hierarchy" qsTypeId="urn:microsoft.com/office/officeart/2005/8/quickstyle/simple1" qsCatId="simple" csTypeId="urn:microsoft.com/office/officeart/2005/8/colors/colorful5" csCatId="colorful" phldr="1"/>
+      <dgm:spPr/>
+      <dgm:t>
+        <a:bodyPr/>
+        <a:lstStyle/>
+        <a:p>
+          <a:endParaRPr lang="en-US"/>
+        </a:p>
+      </dgm:t>
+    </dgm:pt>
+    <dgm:pt modelId="{4F381965-E50E-4082-8235-CC8B9B967166}">
+      <dgm:prSet phldrT="[Text]" custT="1"/>
+      <dgm:spPr/>
+      <dgm:t>
+        <a:bodyPr/>
+        <a:lstStyle/>
+        <a:p>
+          <a:r>
+            <a:rPr lang="en-US" sz="1600" b="0" i="0" dirty="0" smtClean="0"/>
+            <a:t>Web Services</a:t>
+          </a:r>
+          <a:endParaRPr lang="en-US" sz="1600" dirty="0"/>
+        </a:p>
+      </dgm:t>
+    </dgm:pt>
+    <dgm:pt modelId="{D6E87F59-7DD9-4D0F-93ED-C7FE2F290349}" type="parTrans" cxnId="{732EEB9A-E495-4830-AAF5-AF473AB8F2E8}">
+      <dgm:prSet/>
+      <dgm:spPr/>
+      <dgm:t>
+        <a:bodyPr/>
+        <a:lstStyle/>
+        <a:p>
+          <a:endParaRPr lang="en-US"/>
+        </a:p>
+      </dgm:t>
+    </dgm:pt>
+    <dgm:pt modelId="{D2BDA921-C585-45A2-AE12-724822399075}" type="sibTrans" cxnId="{732EEB9A-E495-4830-AAF5-AF473AB8F2E8}">
+      <dgm:prSet/>
+      <dgm:spPr/>
+      <dgm:t>
+        <a:bodyPr/>
+        <a:lstStyle/>
+        <a:p>
+          <a:endParaRPr lang="en-US"/>
+        </a:p>
+      </dgm:t>
+    </dgm:pt>
+    <dgm:pt modelId="{23CFEEDD-7E1B-429A-8227-734464504F69}">
+      <dgm:prSet phldrT="[Text]" custT="1"/>
+      <dgm:spPr/>
+      <dgm:t>
+        <a:bodyPr/>
+        <a:lstStyle/>
+        <a:p>
+          <a:r>
+            <a:rPr lang="en-US" sz="1600" b="0" i="0" dirty="0" smtClean="0"/>
+            <a:t>SOAP web services</a:t>
+          </a:r>
+          <a:endParaRPr lang="en-US" sz="1600" dirty="0"/>
+        </a:p>
+      </dgm:t>
+    </dgm:pt>
+    <dgm:pt modelId="{366D5A25-E58D-4F0D-9258-ECDED6834171}" type="parTrans" cxnId="{A79342DF-1086-4916-97A4-55F54D78709E}">
+      <dgm:prSet/>
+      <dgm:spPr/>
+      <dgm:t>
+        <a:bodyPr/>
+        <a:lstStyle/>
+        <a:p>
+          <a:endParaRPr lang="en-US"/>
+        </a:p>
+      </dgm:t>
+    </dgm:pt>
+    <dgm:pt modelId="{826E6F19-020E-406C-84A6-0949F40431FC}" type="sibTrans" cxnId="{A79342DF-1086-4916-97A4-55F54D78709E}">
+      <dgm:prSet/>
+      <dgm:spPr/>
+      <dgm:t>
+        <a:bodyPr/>
+        <a:lstStyle/>
+        <a:p>
+          <a:endParaRPr lang="en-US"/>
+        </a:p>
+      </dgm:t>
+    </dgm:pt>
+    <dgm:pt modelId="{6C4BA86A-2270-43C0-8DAF-2E105DB70A18}">
+      <dgm:prSet phldrT="[Text]" custT="1"/>
+      <dgm:spPr/>
+      <dgm:t>
+        <a:bodyPr/>
+        <a:lstStyle/>
+        <a:p>
+          <a:r>
+            <a:rPr lang="en-US" sz="1600" b="0" i="0" dirty="0" smtClean="0"/>
+            <a:t>RESTful web services</a:t>
+          </a:r>
+          <a:endParaRPr lang="en-US" sz="1600" dirty="0"/>
+        </a:p>
+      </dgm:t>
+    </dgm:pt>
+    <dgm:pt modelId="{0BB3DE69-84D5-43A3-8623-BA0F2AEB419E}" type="parTrans" cxnId="{21E1F09B-5009-4566-B2C2-1D2DA13908FA}">
+      <dgm:prSet/>
+      <dgm:spPr/>
+      <dgm:t>
+        <a:bodyPr/>
+        <a:lstStyle/>
+        <a:p>
+          <a:endParaRPr lang="en-US"/>
+        </a:p>
+      </dgm:t>
+    </dgm:pt>
+    <dgm:pt modelId="{0C22320A-DED9-49CE-A3D7-48E608320F7D}" type="sibTrans" cxnId="{21E1F09B-5009-4566-B2C2-1D2DA13908FA}">
+      <dgm:prSet/>
+      <dgm:spPr/>
+      <dgm:t>
+        <a:bodyPr/>
+        <a:lstStyle/>
+        <a:p>
+          <a:endParaRPr lang="en-US"/>
+        </a:p>
+      </dgm:t>
+    </dgm:pt>
+    <dgm:pt modelId="{2A5D4E2A-D4CA-4462-90BA-A85E74544909}" type="pres">
+      <dgm:prSet presAssocID="{E7F1CB17-CDA5-47A6-B908-5306C142A9CB}" presName="hierChild1" presStyleCnt="0">
+        <dgm:presLayoutVars>
+          <dgm:orgChart val="1"/>
+          <dgm:chPref val="1"/>
+          <dgm:dir/>
+          <dgm:animOne val="branch"/>
+          <dgm:animLvl val="lvl"/>
+          <dgm:resizeHandles/>
+        </dgm:presLayoutVars>
+      </dgm:prSet>
+      <dgm:spPr/>
+    </dgm:pt>
+    <dgm:pt modelId="{697ACAC5-96B2-4BA0-B2D7-872735116F94}" type="pres">
+      <dgm:prSet presAssocID="{4F381965-E50E-4082-8235-CC8B9B967166}" presName="hierRoot1" presStyleCnt="0">
+        <dgm:presLayoutVars>
+          <dgm:hierBranch val="init"/>
+        </dgm:presLayoutVars>
+      </dgm:prSet>
+      <dgm:spPr/>
+    </dgm:pt>
+    <dgm:pt modelId="{919A21D3-7A92-47CE-AA78-31F58581E858}" type="pres">
+      <dgm:prSet presAssocID="{4F381965-E50E-4082-8235-CC8B9B967166}" presName="rootComposite1" presStyleCnt="0"/>
+      <dgm:spPr/>
+    </dgm:pt>
+    <dgm:pt modelId="{D4B9312E-D119-44EA-AFEC-D68441706B6B}" type="pres">
+      <dgm:prSet presAssocID="{4F381965-E50E-4082-8235-CC8B9B967166}" presName="rootText1" presStyleLbl="node0" presStyleIdx="0" presStyleCnt="1">
+        <dgm:presLayoutVars>
+          <dgm:chPref val="3"/>
+        </dgm:presLayoutVars>
+      </dgm:prSet>
+      <dgm:spPr/>
+      <dgm:t>
+        <a:bodyPr/>
+        <a:lstStyle/>
+        <a:p>
+          <a:endParaRPr lang="en-US"/>
+        </a:p>
+      </dgm:t>
+    </dgm:pt>
+    <dgm:pt modelId="{13442AEA-283A-4295-998C-A489E618E0FD}" type="pres">
+      <dgm:prSet presAssocID="{4F381965-E50E-4082-8235-CC8B9B967166}" presName="rootConnector1" presStyleLbl="node1" presStyleIdx="0" presStyleCnt="0"/>
+      <dgm:spPr/>
+    </dgm:pt>
+    <dgm:pt modelId="{6EA80757-82E3-4DA6-B28F-0BC03B71603B}" type="pres">
+      <dgm:prSet presAssocID="{4F381965-E50E-4082-8235-CC8B9B967166}" presName="hierChild2" presStyleCnt="0"/>
+      <dgm:spPr/>
+    </dgm:pt>
+    <dgm:pt modelId="{E5818BE4-67BD-4BC5-B883-0CFB392EBB81}" type="pres">
+      <dgm:prSet presAssocID="{366D5A25-E58D-4F0D-9258-ECDED6834171}" presName="Name37" presStyleLbl="parChTrans1D2" presStyleIdx="0" presStyleCnt="2"/>
+      <dgm:spPr/>
+    </dgm:pt>
+    <dgm:pt modelId="{3DC5F3CD-D98E-4082-B3FE-E78E02070D32}" type="pres">
+      <dgm:prSet presAssocID="{23CFEEDD-7E1B-429A-8227-734464504F69}" presName="hierRoot2" presStyleCnt="0">
+        <dgm:presLayoutVars>
+          <dgm:hierBranch val="init"/>
+        </dgm:presLayoutVars>
+      </dgm:prSet>
+      <dgm:spPr/>
+    </dgm:pt>
+    <dgm:pt modelId="{0A75122B-CE4A-4343-941B-1F8906635259}" type="pres">
+      <dgm:prSet presAssocID="{23CFEEDD-7E1B-429A-8227-734464504F69}" presName="rootComposite" presStyleCnt="0"/>
+      <dgm:spPr/>
+    </dgm:pt>
+    <dgm:pt modelId="{23688902-9BF9-4BFB-A234-9006D345745B}" type="pres">
+      <dgm:prSet presAssocID="{23CFEEDD-7E1B-429A-8227-734464504F69}" presName="rootText" presStyleLbl="node2" presStyleIdx="0" presStyleCnt="2">
+        <dgm:presLayoutVars>
+          <dgm:chPref val="3"/>
+        </dgm:presLayoutVars>
+      </dgm:prSet>
+      <dgm:spPr/>
+      <dgm:t>
+        <a:bodyPr/>
+        <a:lstStyle/>
+        <a:p>
+          <a:endParaRPr lang="en-US"/>
+        </a:p>
+      </dgm:t>
+    </dgm:pt>
+    <dgm:pt modelId="{AB968914-42D8-4FE2-A466-A66CC3633C4C}" type="pres">
+      <dgm:prSet presAssocID="{23CFEEDD-7E1B-429A-8227-734464504F69}" presName="rootConnector" presStyleLbl="node2" presStyleIdx="0" presStyleCnt="2"/>
+      <dgm:spPr/>
+    </dgm:pt>
+    <dgm:pt modelId="{B6DA5DD6-883F-48BA-B6E8-72D3BCBBD1E4}" type="pres">
+      <dgm:prSet presAssocID="{23CFEEDD-7E1B-429A-8227-734464504F69}" presName="hierChild4" presStyleCnt="0"/>
+      <dgm:spPr/>
+    </dgm:pt>
+    <dgm:pt modelId="{624DC7A6-E2C6-4F22-ACE8-23758840B31C}" type="pres">
+      <dgm:prSet presAssocID="{23CFEEDD-7E1B-429A-8227-734464504F69}" presName="hierChild5" presStyleCnt="0"/>
+      <dgm:spPr/>
+    </dgm:pt>
+    <dgm:pt modelId="{DEF03BD5-FE44-43D2-97EF-CCF7D626D19B}" type="pres">
+      <dgm:prSet presAssocID="{0BB3DE69-84D5-43A3-8623-BA0F2AEB419E}" presName="Name37" presStyleLbl="parChTrans1D2" presStyleIdx="1" presStyleCnt="2"/>
+      <dgm:spPr/>
+    </dgm:pt>
+    <dgm:pt modelId="{49D7B429-15FB-4EDD-AE30-BE445A06C3CD}" type="pres">
+      <dgm:prSet presAssocID="{6C4BA86A-2270-43C0-8DAF-2E105DB70A18}" presName="hierRoot2" presStyleCnt="0">
+        <dgm:presLayoutVars>
+          <dgm:hierBranch val="init"/>
+        </dgm:presLayoutVars>
+      </dgm:prSet>
+      <dgm:spPr/>
+    </dgm:pt>
+    <dgm:pt modelId="{BC04E2BC-C629-420B-8D94-1DC524C3FC51}" type="pres">
+      <dgm:prSet presAssocID="{6C4BA86A-2270-43C0-8DAF-2E105DB70A18}" presName="rootComposite" presStyleCnt="0"/>
+      <dgm:spPr/>
+    </dgm:pt>
+    <dgm:pt modelId="{5FA566A5-26CB-4217-BF01-2A907C14735C}" type="pres">
+      <dgm:prSet presAssocID="{6C4BA86A-2270-43C0-8DAF-2E105DB70A18}" presName="rootText" presStyleLbl="node2" presStyleIdx="1" presStyleCnt="2">
+        <dgm:presLayoutVars>
+          <dgm:chPref val="3"/>
+        </dgm:presLayoutVars>
+      </dgm:prSet>
+      <dgm:spPr/>
+      <dgm:t>
+        <a:bodyPr/>
+        <a:lstStyle/>
+        <a:p>
+          <a:endParaRPr lang="en-US"/>
+        </a:p>
+      </dgm:t>
+    </dgm:pt>
+    <dgm:pt modelId="{2E45742C-BFA1-4E62-BABB-3273060443EB}" type="pres">
+      <dgm:prSet presAssocID="{6C4BA86A-2270-43C0-8DAF-2E105DB70A18}" presName="rootConnector" presStyleLbl="node2" presStyleIdx="1" presStyleCnt="2"/>
+      <dgm:spPr/>
+    </dgm:pt>
+    <dgm:pt modelId="{DEAE0D64-FF4A-4AF1-82B9-A22F25B86A56}" type="pres">
+      <dgm:prSet presAssocID="{6C4BA86A-2270-43C0-8DAF-2E105DB70A18}" presName="hierChild4" presStyleCnt="0"/>
+      <dgm:spPr/>
+    </dgm:pt>
+    <dgm:pt modelId="{9E90DEBB-29BC-408A-B8BF-F781D47ED37F}" type="pres">
+      <dgm:prSet presAssocID="{6C4BA86A-2270-43C0-8DAF-2E105DB70A18}" presName="hierChild5" presStyleCnt="0"/>
+      <dgm:spPr/>
+    </dgm:pt>
+    <dgm:pt modelId="{423F8D57-77FC-4EF0-91A5-819532CB76D8}" type="pres">
+      <dgm:prSet presAssocID="{4F381965-E50E-4082-8235-CC8B9B967166}" presName="hierChild3" presStyleCnt="0"/>
+      <dgm:spPr/>
+    </dgm:pt>
+  </dgm:ptLst>
+  <dgm:cxnLst>
+    <dgm:cxn modelId="{21E1F09B-5009-4566-B2C2-1D2DA13908FA}" srcId="{4F381965-E50E-4082-8235-CC8B9B967166}" destId="{6C4BA86A-2270-43C0-8DAF-2E105DB70A18}" srcOrd="1" destOrd="0" parTransId="{0BB3DE69-84D5-43A3-8623-BA0F2AEB419E}" sibTransId="{0C22320A-DED9-49CE-A3D7-48E608320F7D}"/>
+    <dgm:cxn modelId="{45A064EE-B167-404E-9A31-2F07E6EC97B8}" type="presOf" srcId="{4F381965-E50E-4082-8235-CC8B9B967166}" destId="{13442AEA-283A-4295-998C-A489E618E0FD}" srcOrd="1" destOrd="0" presId="urn:microsoft.com/office/officeart/2005/8/layout/orgChart1"/>
+    <dgm:cxn modelId="{7846F542-2222-48CD-B18C-C712526AC5A9}" type="presOf" srcId="{366D5A25-E58D-4F0D-9258-ECDED6834171}" destId="{E5818BE4-67BD-4BC5-B883-0CFB392EBB81}" srcOrd="0" destOrd="0" presId="urn:microsoft.com/office/officeart/2005/8/layout/orgChart1"/>
+    <dgm:cxn modelId="{7EC31714-A268-43FE-B52D-9538318570DC}" type="presOf" srcId="{6C4BA86A-2270-43C0-8DAF-2E105DB70A18}" destId="{5FA566A5-26CB-4217-BF01-2A907C14735C}" srcOrd="0" destOrd="0" presId="urn:microsoft.com/office/officeart/2005/8/layout/orgChart1"/>
+    <dgm:cxn modelId="{D99B9298-FFEA-496B-8F1F-431DB2085D55}" type="presOf" srcId="{4F381965-E50E-4082-8235-CC8B9B967166}" destId="{D4B9312E-D119-44EA-AFEC-D68441706B6B}" srcOrd="0" destOrd="0" presId="urn:microsoft.com/office/officeart/2005/8/layout/orgChart1"/>
+    <dgm:cxn modelId="{732EEB9A-E495-4830-AAF5-AF473AB8F2E8}" srcId="{E7F1CB17-CDA5-47A6-B908-5306C142A9CB}" destId="{4F381965-E50E-4082-8235-CC8B9B967166}" srcOrd="0" destOrd="0" parTransId="{D6E87F59-7DD9-4D0F-93ED-C7FE2F290349}" sibTransId="{D2BDA921-C585-45A2-AE12-724822399075}"/>
+    <dgm:cxn modelId="{B3C03BAF-62AF-42F3-BA60-E99EBD991950}" type="presOf" srcId="{23CFEEDD-7E1B-429A-8227-734464504F69}" destId="{23688902-9BF9-4BFB-A234-9006D345745B}" srcOrd="0" destOrd="0" presId="urn:microsoft.com/office/officeart/2005/8/layout/orgChart1"/>
+    <dgm:cxn modelId="{E582C26D-D621-417E-9526-56688334B3F0}" type="presOf" srcId="{E7F1CB17-CDA5-47A6-B908-5306C142A9CB}" destId="{2A5D4E2A-D4CA-4462-90BA-A85E74544909}" srcOrd="0" destOrd="0" presId="urn:microsoft.com/office/officeart/2005/8/layout/orgChart1"/>
+    <dgm:cxn modelId="{A79342DF-1086-4916-97A4-55F54D78709E}" srcId="{4F381965-E50E-4082-8235-CC8B9B967166}" destId="{23CFEEDD-7E1B-429A-8227-734464504F69}" srcOrd="0" destOrd="0" parTransId="{366D5A25-E58D-4F0D-9258-ECDED6834171}" sibTransId="{826E6F19-020E-406C-84A6-0949F40431FC}"/>
+    <dgm:cxn modelId="{E0CBE219-7ECF-41B3-92F0-34208F884CE2}" type="presOf" srcId="{23CFEEDD-7E1B-429A-8227-734464504F69}" destId="{AB968914-42D8-4FE2-A466-A66CC3633C4C}" srcOrd="1" destOrd="0" presId="urn:microsoft.com/office/officeart/2005/8/layout/orgChart1"/>
+    <dgm:cxn modelId="{6E5E9771-4A8F-4237-909A-5022DBD645B3}" type="presOf" srcId="{0BB3DE69-84D5-43A3-8623-BA0F2AEB419E}" destId="{DEF03BD5-FE44-43D2-97EF-CCF7D626D19B}" srcOrd="0" destOrd="0" presId="urn:microsoft.com/office/officeart/2005/8/layout/orgChart1"/>
+    <dgm:cxn modelId="{35992465-A4A4-40A4-8BC6-1DF65AC129CF}" type="presOf" srcId="{6C4BA86A-2270-43C0-8DAF-2E105DB70A18}" destId="{2E45742C-BFA1-4E62-BABB-3273060443EB}" srcOrd="1" destOrd="0" presId="urn:microsoft.com/office/officeart/2005/8/layout/orgChart1"/>
+    <dgm:cxn modelId="{B53B0EB2-4C76-41BE-9AC0-1AD3221F2C9A}" type="presParOf" srcId="{2A5D4E2A-D4CA-4462-90BA-A85E74544909}" destId="{697ACAC5-96B2-4BA0-B2D7-872735116F94}" srcOrd="0" destOrd="0" presId="urn:microsoft.com/office/officeart/2005/8/layout/orgChart1"/>
+    <dgm:cxn modelId="{E9BF6E36-42F7-4198-BC00-EF377EC9514A}" type="presParOf" srcId="{697ACAC5-96B2-4BA0-B2D7-872735116F94}" destId="{919A21D3-7A92-47CE-AA78-31F58581E858}" srcOrd="0" destOrd="0" presId="urn:microsoft.com/office/officeart/2005/8/layout/orgChart1"/>
+    <dgm:cxn modelId="{5ECC1420-5490-4CAF-840B-B1522C91E684}" type="presParOf" srcId="{919A21D3-7A92-47CE-AA78-31F58581E858}" destId="{D4B9312E-D119-44EA-AFEC-D68441706B6B}" srcOrd="0" destOrd="0" presId="urn:microsoft.com/office/officeart/2005/8/layout/orgChart1"/>
+    <dgm:cxn modelId="{D1B87274-6025-4095-B2CF-29516058D989}" type="presParOf" srcId="{919A21D3-7A92-47CE-AA78-31F58581E858}" destId="{13442AEA-283A-4295-998C-A489E618E0FD}" srcOrd="1" destOrd="0" presId="urn:microsoft.com/office/officeart/2005/8/layout/orgChart1"/>
+    <dgm:cxn modelId="{A0D8478C-75EF-478A-B304-9E997D03A5F4}" type="presParOf" srcId="{697ACAC5-96B2-4BA0-B2D7-872735116F94}" destId="{6EA80757-82E3-4DA6-B28F-0BC03B71603B}" srcOrd="1" destOrd="0" presId="urn:microsoft.com/office/officeart/2005/8/layout/orgChart1"/>
+    <dgm:cxn modelId="{DB1C2A69-CB52-4A2B-A65E-E42D25D3C134}" type="presParOf" srcId="{6EA80757-82E3-4DA6-B28F-0BC03B71603B}" destId="{E5818BE4-67BD-4BC5-B883-0CFB392EBB81}" srcOrd="0" destOrd="0" presId="urn:microsoft.com/office/officeart/2005/8/layout/orgChart1"/>
+    <dgm:cxn modelId="{0AE44B83-9754-4A3E-8A3C-2CF929BCD840}" type="presParOf" srcId="{6EA80757-82E3-4DA6-B28F-0BC03B71603B}" destId="{3DC5F3CD-D98E-4082-B3FE-E78E02070D32}" srcOrd="1" destOrd="0" presId="urn:microsoft.com/office/officeart/2005/8/layout/orgChart1"/>
+    <dgm:cxn modelId="{F033142B-5AD0-4157-8EBE-F9C6CDA2F09D}" type="presParOf" srcId="{3DC5F3CD-D98E-4082-B3FE-E78E02070D32}" destId="{0A75122B-CE4A-4343-941B-1F8906635259}" srcOrd="0" destOrd="0" presId="urn:microsoft.com/office/officeart/2005/8/layout/orgChart1"/>
+    <dgm:cxn modelId="{2EDB1691-0830-422F-9EB9-C9B1631E5599}" type="presParOf" srcId="{0A75122B-CE4A-4343-941B-1F8906635259}" destId="{23688902-9BF9-4BFB-A234-9006D345745B}" srcOrd="0" destOrd="0" presId="urn:microsoft.com/office/officeart/2005/8/layout/orgChart1"/>
+    <dgm:cxn modelId="{F45C1C7D-A6F7-4E22-9399-71D01ABD69F5}" type="presParOf" srcId="{0A75122B-CE4A-4343-941B-1F8906635259}" destId="{AB968914-42D8-4FE2-A466-A66CC3633C4C}" srcOrd="1" destOrd="0" presId="urn:microsoft.com/office/officeart/2005/8/layout/orgChart1"/>
+    <dgm:cxn modelId="{F4212476-3299-4D89-AF86-3103C88738BA}" type="presParOf" srcId="{3DC5F3CD-D98E-4082-B3FE-E78E02070D32}" destId="{B6DA5DD6-883F-48BA-B6E8-72D3BCBBD1E4}" srcOrd="1" destOrd="0" presId="urn:microsoft.com/office/officeart/2005/8/layout/orgChart1"/>
+    <dgm:cxn modelId="{FFDD5639-8AFD-4FC6-99EF-D9FCDA8084F1}" type="presParOf" srcId="{3DC5F3CD-D98E-4082-B3FE-E78E02070D32}" destId="{624DC7A6-E2C6-4F22-ACE8-23758840B31C}" srcOrd="2" destOrd="0" presId="urn:microsoft.com/office/officeart/2005/8/layout/orgChart1"/>
+    <dgm:cxn modelId="{81EDF43F-D8C9-456C-98F4-635B01FFC438}" type="presParOf" srcId="{6EA80757-82E3-4DA6-B28F-0BC03B71603B}" destId="{DEF03BD5-FE44-43D2-97EF-CCF7D626D19B}" srcOrd="2" destOrd="0" presId="urn:microsoft.com/office/officeart/2005/8/layout/orgChart1"/>
+    <dgm:cxn modelId="{A6FEF443-046F-481E-B9BA-602C19FEFDE8}" type="presParOf" srcId="{6EA80757-82E3-4DA6-B28F-0BC03B71603B}" destId="{49D7B429-15FB-4EDD-AE30-BE445A06C3CD}" srcOrd="3" destOrd="0" presId="urn:microsoft.com/office/officeart/2005/8/layout/orgChart1"/>
+    <dgm:cxn modelId="{38B486C6-F123-42CE-9F4F-3944AA0C07F6}" type="presParOf" srcId="{49D7B429-15FB-4EDD-AE30-BE445A06C3CD}" destId="{BC04E2BC-C629-420B-8D94-1DC524C3FC51}" srcOrd="0" destOrd="0" presId="urn:microsoft.com/office/officeart/2005/8/layout/orgChart1"/>
+    <dgm:cxn modelId="{F8F91B91-FDEE-454F-BBF8-918D0C1E636D}" type="presParOf" srcId="{BC04E2BC-C629-420B-8D94-1DC524C3FC51}" destId="{5FA566A5-26CB-4217-BF01-2A907C14735C}" srcOrd="0" destOrd="0" presId="urn:microsoft.com/office/officeart/2005/8/layout/orgChart1"/>
+    <dgm:cxn modelId="{23A7F42F-45E8-46FE-92B7-1AC3CA1813B2}" type="presParOf" srcId="{BC04E2BC-C629-420B-8D94-1DC524C3FC51}" destId="{2E45742C-BFA1-4E62-BABB-3273060443EB}" srcOrd="1" destOrd="0" presId="urn:microsoft.com/office/officeart/2005/8/layout/orgChart1"/>
+    <dgm:cxn modelId="{F575FBB9-D80D-4556-8D5F-CE8C3E062437}" type="presParOf" srcId="{49D7B429-15FB-4EDD-AE30-BE445A06C3CD}" destId="{DEAE0D64-FF4A-4AF1-82B9-A22F25B86A56}" srcOrd="1" destOrd="0" presId="urn:microsoft.com/office/officeart/2005/8/layout/orgChart1"/>
+    <dgm:cxn modelId="{4EBF6248-8FF9-4CC9-A5E4-69043DB0DDCA}" type="presParOf" srcId="{49D7B429-15FB-4EDD-AE30-BE445A06C3CD}" destId="{9E90DEBB-29BC-408A-B8BF-F781D47ED37F}" srcOrd="2" destOrd="0" presId="urn:microsoft.com/office/officeart/2005/8/layout/orgChart1"/>
+    <dgm:cxn modelId="{A5B8C5EE-5813-4658-B2AB-6A13CA18045F}" type="presParOf" srcId="{697ACAC5-96B2-4BA0-B2D7-872735116F94}" destId="{423F8D57-77FC-4EF0-91A5-819532CB76D8}" srcOrd="2" destOrd="0" presId="urn:microsoft.com/office/officeart/2005/8/layout/orgChart1"/>
+  </dgm:cxnLst>
+  <dgm:bg/>
+  <dgm:whole/>
+  <dgm:extLst>
+    <a:ext uri="http://schemas.microsoft.com/office/drawing/2008/diagram">
+      <dsp:dataModelExt xmlns:dsp="http://schemas.microsoft.com/office/drawing/2008/diagram" relId="rId7" minVer="http://schemas.openxmlformats.org/drawingml/2006/diagram"/>
+    </a:ext>
+  </dgm:extLst>
+</dgm:dataModel>
+</file>
+
+<file path=ppt/diagrams/drawing1.xml><?xml version="1.0" encoding="utf-8"?>
+<dsp:drawing xmlns:dgm="http://schemas.openxmlformats.org/drawingml/2006/diagram" xmlns:dsp="http://schemas.microsoft.com/office/drawing/2008/diagram" xmlns:a="http://schemas.openxmlformats.org/drawingml/2006/main">
+  <dsp:spTree>
+    <dsp:nvGrpSpPr>
+      <dsp:cNvPr id="0" name=""/>
+      <dsp:cNvGrpSpPr/>
+    </dsp:nvGrpSpPr>
+    <dsp:grpSpPr/>
+    <dsp:sp modelId="{DEF03BD5-FE44-43D2-97EF-CCF7D626D19B}">
+      <dsp:nvSpPr>
+        <dsp:cNvPr id="0" name=""/>
+        <dsp:cNvSpPr/>
+      </dsp:nvSpPr>
+      <dsp:spPr>
+        <a:xfrm>
+          <a:off x="1600200" y="864018"/>
+          <a:ext cx="875705" cy="303963"/>
+        </a:xfrm>
+        <a:custGeom>
+          <a:avLst/>
+          <a:gdLst/>
+          <a:ahLst/>
+          <a:cxnLst/>
+          <a:rect l="0" t="0" r="0" b="0"/>
+          <a:pathLst>
+            <a:path>
+              <a:moveTo>
+                <a:pt x="0" y="0"/>
+              </a:moveTo>
+              <a:lnTo>
+                <a:pt x="0" y="151981"/>
+              </a:lnTo>
+              <a:lnTo>
+                <a:pt x="875705" y="151981"/>
+              </a:lnTo>
+              <a:lnTo>
+                <a:pt x="875705" y="303963"/>
+              </a:lnTo>
+            </a:path>
+          </a:pathLst>
+        </a:custGeom>
+        <a:noFill/>
+        <a:ln w="25400" cap="flat" cmpd="sng" algn="ctr">
+          <a:solidFill>
+            <a:schemeClr val="accent6">
+              <a:hueOff val="0"/>
+              <a:satOff val="0"/>
+              <a:lumOff val="0"/>
+              <a:alphaOff val="0"/>
+            </a:schemeClr>
+          </a:solidFill>
+          <a:prstDash val="solid"/>
+        </a:ln>
+        <a:effectLst/>
+      </dsp:spPr>
+      <dsp:style>
+        <a:lnRef idx="2">
+          <a:scrgbClr r="0" g="0" b="0"/>
+        </a:lnRef>
+        <a:fillRef idx="0">
+          <a:scrgbClr r="0" g="0" b="0"/>
+        </a:fillRef>
+        <a:effectRef idx="0">
+          <a:scrgbClr r="0" g="0" b="0"/>
+        </a:effectRef>
+        <a:fontRef idx="minor"/>
+      </dsp:style>
+    </dsp:sp>
+    <dsp:sp modelId="{E5818BE4-67BD-4BC5-B883-0CFB392EBB81}">
+      <dsp:nvSpPr>
+        <dsp:cNvPr id="0" name=""/>
+        <dsp:cNvSpPr/>
+      </dsp:nvSpPr>
+      <dsp:spPr>
+        <a:xfrm>
+          <a:off x="724494" y="864018"/>
+          <a:ext cx="875705" cy="303963"/>
+        </a:xfrm>
+        <a:custGeom>
+          <a:avLst/>
+          <a:gdLst/>
+          <a:ahLst/>
+          <a:cxnLst/>
+          <a:rect l="0" t="0" r="0" b="0"/>
+          <a:pathLst>
+            <a:path>
+              <a:moveTo>
+                <a:pt x="875705" y="0"/>
+              </a:moveTo>
+              <a:lnTo>
+                <a:pt x="875705" y="151981"/>
+              </a:lnTo>
+              <a:lnTo>
+                <a:pt x="0" y="151981"/>
+              </a:lnTo>
+              <a:lnTo>
+                <a:pt x="0" y="303963"/>
+              </a:lnTo>
+            </a:path>
+          </a:pathLst>
+        </a:custGeom>
+        <a:noFill/>
+        <a:ln w="25400" cap="flat" cmpd="sng" algn="ctr">
+          <a:solidFill>
+            <a:schemeClr val="accent6">
+              <a:hueOff val="0"/>
+              <a:satOff val="0"/>
+              <a:lumOff val="0"/>
+              <a:alphaOff val="0"/>
+            </a:schemeClr>
+          </a:solidFill>
+          <a:prstDash val="solid"/>
+        </a:ln>
+        <a:effectLst/>
+      </dsp:spPr>
+      <dsp:style>
+        <a:lnRef idx="2">
+          <a:scrgbClr r="0" g="0" b="0"/>
+        </a:lnRef>
+        <a:fillRef idx="0">
+          <a:scrgbClr r="0" g="0" b="0"/>
+        </a:fillRef>
+        <a:effectRef idx="0">
+          <a:scrgbClr r="0" g="0" b="0"/>
+        </a:effectRef>
+        <a:fontRef idx="minor"/>
+      </dsp:style>
+    </dsp:sp>
+    <dsp:sp modelId="{D4B9312E-D119-44EA-AFEC-D68441706B6B}">
+      <dsp:nvSpPr>
+        <dsp:cNvPr id="0" name=""/>
+        <dsp:cNvSpPr/>
+      </dsp:nvSpPr>
+      <dsp:spPr>
+        <a:xfrm>
+          <a:off x="876476" y="140294"/>
+          <a:ext cx="1447446" cy="723723"/>
+        </a:xfrm>
+        <a:prstGeom prst="rect">
+          <a:avLst/>
+        </a:prstGeom>
+        <a:solidFill>
+          <a:schemeClr val="accent4">
+            <a:hueOff val="0"/>
+            <a:satOff val="0"/>
+            <a:lumOff val="0"/>
+            <a:alphaOff val="0"/>
+          </a:schemeClr>
+        </a:solidFill>
+        <a:ln w="25400" cap="flat" cmpd="sng" algn="ctr">
+          <a:solidFill>
+            <a:schemeClr val="lt1">
+              <a:hueOff val="0"/>
+              <a:satOff val="0"/>
+              <a:lumOff val="0"/>
+              <a:alphaOff val="0"/>
+            </a:schemeClr>
+          </a:solidFill>
+          <a:prstDash val="solid"/>
+        </a:ln>
+        <a:effectLst/>
+      </dsp:spPr>
+      <dsp:style>
+        <a:lnRef idx="2">
+          <a:scrgbClr r="0" g="0" b="0"/>
+        </a:lnRef>
+        <a:fillRef idx="1">
+          <a:scrgbClr r="0" g="0" b="0"/>
+        </a:fillRef>
+        <a:effectRef idx="0">
+          <a:scrgbClr r="0" g="0" b="0"/>
+        </a:effectRef>
+        <a:fontRef idx="minor">
+          <a:schemeClr val="lt1"/>
+        </a:fontRef>
+      </dsp:style>
+      <dsp:txBody>
+        <a:bodyPr spcFirstLastPara="0" vert="horz" wrap="square" lIns="10160" tIns="10160" rIns="10160" bIns="10160" numCol="1" spcCol="1270" anchor="ctr" anchorCtr="0">
+          <a:noAutofit/>
+        </a:bodyPr>
+        <a:lstStyle/>
+        <a:p>
+          <a:pPr lvl="0" algn="ctr" defTabSz="711200">
+            <a:lnSpc>
+              <a:spcPct val="90000"/>
+            </a:lnSpc>
+            <a:spcBef>
+              <a:spcPct val="0"/>
+            </a:spcBef>
+            <a:spcAft>
+              <a:spcPct val="35000"/>
+            </a:spcAft>
+          </a:pPr>
+          <a:r>
+            <a:rPr lang="en-US" sz="1600" b="0" i="0" kern="1200" dirty="0" smtClean="0"/>
+            <a:t>Web Services</a:t>
+          </a:r>
+          <a:endParaRPr lang="en-US" sz="1600" kern="1200" dirty="0"/>
+        </a:p>
+      </dsp:txBody>
+      <dsp:txXfrm>
+        <a:off x="876476" y="140294"/>
+        <a:ext cx="1447446" cy="723723"/>
+      </dsp:txXfrm>
+    </dsp:sp>
+    <dsp:sp modelId="{23688902-9BF9-4BFB-A234-9006D345745B}">
+      <dsp:nvSpPr>
+        <dsp:cNvPr id="0" name=""/>
+        <dsp:cNvSpPr/>
+      </dsp:nvSpPr>
+      <dsp:spPr>
+        <a:xfrm>
+          <a:off x="771" y="1167981"/>
+          <a:ext cx="1447446" cy="723723"/>
+        </a:xfrm>
+        <a:prstGeom prst="rect">
+          <a:avLst/>
+        </a:prstGeom>
+        <a:solidFill>
+          <a:schemeClr val="accent6">
+            <a:hueOff val="0"/>
+            <a:satOff val="0"/>
+            <a:lumOff val="0"/>
+            <a:alphaOff val="0"/>
+          </a:schemeClr>
+        </a:solidFill>
+        <a:ln w="25400" cap="flat" cmpd="sng" algn="ctr">
+          <a:solidFill>
+            <a:schemeClr val="lt1">
+              <a:hueOff val="0"/>
+              <a:satOff val="0"/>
+              <a:lumOff val="0"/>
+              <a:alphaOff val="0"/>
+            </a:schemeClr>
+          </a:solidFill>
+          <a:prstDash val="solid"/>
+        </a:ln>
+        <a:effectLst/>
+      </dsp:spPr>
+      <dsp:style>
+        <a:lnRef idx="2">
+          <a:scrgbClr r="0" g="0" b="0"/>
+        </a:lnRef>
+        <a:fillRef idx="1">
+          <a:scrgbClr r="0" g="0" b="0"/>
+        </a:fillRef>
+        <a:effectRef idx="0">
+          <a:scrgbClr r="0" g="0" b="0"/>
+        </a:effectRef>
+        <a:fontRef idx="minor">
+          <a:schemeClr val="lt1"/>
+        </a:fontRef>
+      </dsp:style>
+      <dsp:txBody>
+        <a:bodyPr spcFirstLastPara="0" vert="horz" wrap="square" lIns="10160" tIns="10160" rIns="10160" bIns="10160" numCol="1" spcCol="1270" anchor="ctr" anchorCtr="0">
+          <a:noAutofit/>
+        </a:bodyPr>
+        <a:lstStyle/>
+        <a:p>
+          <a:pPr lvl="0" algn="ctr" defTabSz="711200">
+            <a:lnSpc>
+              <a:spcPct val="90000"/>
+            </a:lnSpc>
+            <a:spcBef>
+              <a:spcPct val="0"/>
+            </a:spcBef>
+            <a:spcAft>
+              <a:spcPct val="35000"/>
+            </a:spcAft>
+          </a:pPr>
+          <a:r>
+            <a:rPr lang="en-US" sz="1600" b="0" i="0" kern="1200" dirty="0" smtClean="0"/>
+            <a:t>SOAP web services</a:t>
+          </a:r>
+          <a:endParaRPr lang="en-US" sz="1600" kern="1200" dirty="0"/>
+        </a:p>
+      </dsp:txBody>
+      <dsp:txXfrm>
+        <a:off x="771" y="1167981"/>
+        <a:ext cx="1447446" cy="723723"/>
+      </dsp:txXfrm>
+    </dsp:sp>
+    <dsp:sp modelId="{5FA566A5-26CB-4217-BF01-2A907C14735C}">
+      <dsp:nvSpPr>
+        <dsp:cNvPr id="0" name=""/>
+        <dsp:cNvSpPr/>
+      </dsp:nvSpPr>
+      <dsp:spPr>
+        <a:xfrm>
+          <a:off x="1752181" y="1167981"/>
+          <a:ext cx="1447446" cy="723723"/>
+        </a:xfrm>
+        <a:prstGeom prst="rect">
+          <a:avLst/>
+        </a:prstGeom>
+        <a:solidFill>
+          <a:schemeClr val="accent6">
+            <a:hueOff val="0"/>
+            <a:satOff val="0"/>
+            <a:lumOff val="0"/>
+            <a:alphaOff val="0"/>
+          </a:schemeClr>
+        </a:solidFill>
+        <a:ln w="25400" cap="flat" cmpd="sng" algn="ctr">
+          <a:solidFill>
+            <a:schemeClr val="lt1">
+              <a:hueOff val="0"/>
+              <a:satOff val="0"/>
+              <a:lumOff val="0"/>
+              <a:alphaOff val="0"/>
+            </a:schemeClr>
+          </a:solidFill>
+          <a:prstDash val="solid"/>
+        </a:ln>
+        <a:effectLst/>
+      </dsp:spPr>
+      <dsp:style>
+        <a:lnRef idx="2">
+          <a:scrgbClr r="0" g="0" b="0"/>
+        </a:lnRef>
+        <a:fillRef idx="1">
+          <a:scrgbClr r="0" g="0" b="0"/>
+        </a:fillRef>
+        <a:effectRef idx="0">
+          <a:scrgbClr r="0" g="0" b="0"/>
+        </a:effectRef>
+        <a:fontRef idx="minor">
+          <a:schemeClr val="lt1"/>
+        </a:fontRef>
+      </dsp:style>
+      <dsp:txBody>
+        <a:bodyPr spcFirstLastPara="0" vert="horz" wrap="square" lIns="10160" tIns="10160" rIns="10160" bIns="10160" numCol="1" spcCol="1270" anchor="ctr" anchorCtr="0">
+          <a:noAutofit/>
+        </a:bodyPr>
+        <a:lstStyle/>
+        <a:p>
+          <a:pPr lvl="0" algn="ctr" defTabSz="711200">
+            <a:lnSpc>
+              <a:spcPct val="90000"/>
+            </a:lnSpc>
+            <a:spcBef>
+              <a:spcPct val="0"/>
+            </a:spcBef>
+            <a:spcAft>
+              <a:spcPct val="35000"/>
+            </a:spcAft>
+          </a:pPr>
+          <a:r>
+            <a:rPr lang="en-US" sz="1600" b="0" i="0" kern="1200" dirty="0" smtClean="0"/>
+            <a:t>RESTful web services</a:t>
+          </a:r>
+          <a:endParaRPr lang="en-US" sz="1600" kern="1200" dirty="0"/>
+        </a:p>
+      </dsp:txBody>
+      <dsp:txXfrm>
+        <a:off x="1752181" y="1167981"/>
+        <a:ext cx="1447446" cy="723723"/>
+      </dsp:txXfrm>
+    </dsp:sp>
+  </dsp:spTree>
+</dsp:drawing>
+</file>
+
+<file path=ppt/diagrams/layout1.xml><?xml version="1.0" encoding="utf-8"?>
+<dgm:layoutDef xmlns:dgm="http://schemas.openxmlformats.org/drawingml/2006/diagram" xmlns:a="http://schemas.openxmlformats.org/drawingml/2006/main" uniqueId="urn:microsoft.com/office/officeart/2005/8/layout/orgChart1">
+  <dgm:title val=""/>
+  <dgm:desc val=""/>
+  <dgm:catLst>
+    <dgm:cat type="hierarchy" pri="1000"/>
+    <dgm:cat type="convert" pri="6000"/>
+  </dgm:catLst>
+  <dgm:sampData>
+    <dgm:dataModel>
+      <dgm:ptLst>
+        <dgm:pt modelId="0" type="doc"/>
+        <dgm:pt modelId="1">
+          <dgm:prSet phldr="1"/>
+        </dgm:pt>
+        <dgm:pt modelId="2" type="asst">
+          <dgm:prSet phldr="1"/>
+        </dgm:pt>
+        <dgm:pt modelId="3">
+          <dgm:prSet phldr="1"/>
+        </dgm:pt>
+        <dgm:pt modelId="4">
+          <dgm:prSet phldr="1"/>
+        </dgm:pt>
+        <dgm:pt modelId="5">
+          <dgm:prSet phldr="1"/>
+        </dgm:pt>
+      </dgm:ptLst>
+      <dgm:cxnLst>
+        <dgm:cxn modelId="5" srcId="0" destId="1" srcOrd="0" destOrd="0"/>
+        <dgm:cxn modelId="6" srcId="1" destId="2" srcOrd="0" destOrd="0"/>
+        <dgm:cxn modelId="7" srcId="1" destId="3" srcOrd="1" destOrd="0"/>
+        <dgm:cxn modelId="8" srcId="1" destId="4" srcOrd="2" destOrd="0"/>
+        <dgm:cxn modelId="9" srcId="1" destId="5" srcOrd="3" destOrd="0"/>
+      </dgm:cxnLst>
+      <dgm:bg/>
+      <dgm:whole/>
+    </dgm:dataModel>
+  </dgm:sampData>
+  <dgm:styleData>
+    <dgm:dataModel>
+      <dgm:ptLst>
+        <dgm:pt modelId="0" type="doc"/>
+        <dgm:pt modelId="1"/>
+        <dgm:pt modelId="12"/>
+        <dgm:pt modelId="13"/>
+      </dgm:ptLst>
+      <dgm:cxnLst>
+        <dgm:cxn modelId="2" srcId="0" destId="1" srcOrd="0" destOrd="0"/>
+        <dgm:cxn modelId="16" srcId="1" destId="12" srcOrd="1" destOrd="0"/>
+        <dgm:cxn modelId="17" srcId="1" destId="13" srcOrd="2" destOrd="0"/>
+      </dgm:cxnLst>
+      <dgm:bg/>
+      <dgm:whole/>
+    </dgm:dataModel>
+  </dgm:styleData>
+  <dgm:clrData>
+    <dgm:dataModel>
+      <dgm:ptLst>
+        <dgm:pt modelId="0" type="doc"/>
+        <dgm:pt modelId="1"/>
+        <dgm:pt modelId="11" type="asst"/>
+        <dgm:pt modelId="12"/>
+        <dgm:pt modelId="13"/>
+        <dgm:pt modelId="14"/>
+      </dgm:ptLst>
+      <dgm:cxnLst>
+        <dgm:cxn modelId="2" srcId="0" destId="1" srcOrd="0" destOrd="0"/>
+        <dgm:cxn modelId="15" srcId="1" destId="11" srcOrd="0" destOrd="0"/>
+        <dgm:cxn modelId="16" srcId="1" destId="12" srcOrd="1" destOrd="0"/>
+        <dgm:cxn modelId="17" srcId="1" destId="13" srcOrd="2" destOrd="0"/>
+        <dgm:cxn modelId="18" srcId="1" destId="14" srcOrd="2" destOrd="0"/>
+      </dgm:cxnLst>
+      <dgm:bg/>
+      <dgm:whole/>
+    </dgm:dataModel>
+  </dgm:clrData>
+  <dgm:layoutNode name="hierChild1">
+    <dgm:varLst>
+      <dgm:orgChart val="1"/>
+      <dgm:chPref val="1"/>
+      <dgm:dir/>
+      <dgm:animOne val="branch"/>
+      <dgm:animLvl val="lvl"/>
+      <dgm:resizeHandles/>
+    </dgm:varLst>
+    <dgm:choose name="Name0">
+      <dgm:if name="Name1" func="var" arg="dir" op="equ" val="norm">
+        <dgm:alg type="hierChild">
+          <dgm:param type="linDir" val="fromL"/>
+        </dgm:alg>
+      </dgm:if>
+      <dgm:else name="Name2">
+        <dgm:alg type="hierChild">
+          <dgm:param type="linDir" val="fromR"/>
+        </dgm:alg>
+      </dgm:else>
+    </dgm:choose>
+    <dgm:shape xmlns:r="http://schemas.openxmlformats.org/officeDocument/2006/relationships" r:blip="">
+      <dgm:adjLst/>
+    </dgm:shape>
+    <dgm:presOf/>
+    <dgm:constrLst>
+      <dgm:constr type="w" for="des" forName="rootComposite1" refType="w" fact="10"/>
+      <dgm:constr type="h" for="des" forName="rootComposite1" refType="w" refFor="des" refForName="rootComposite1" fact="0.5"/>
+      <dgm:constr type="w" for="des" forName="rootComposite" refType="w" fact="10"/>
+      <dgm:constr type="h" for="des" forName="rootComposite" refType="w" refFor="des" refForName="rootComposite1" fact="0.5"/>
+      <dgm:constr type="w" for="des" forName="rootComposite3" refType="w" fact="10"/>
+      <dgm:constr type="h" for="des" forName="rootComposite3" refType="w" refFor="des" refForName="rootComposite1" fact="0.5"/>
+      <dgm:constr type="primFontSz" for="des" ptType="node" op="equ"/>
+      <dgm:constr type="sp" for="des" op="equ"/>
+      <dgm:constr type="sp" for="des" forName="hierRoot1" refType="w" refFor="des" refForName="rootComposite1" fact="0.21"/>
+      <dgm:constr type="sp" for="des" forName="hierRoot2" refType="sp" refFor="des" refForName="hierRoot1"/>
+      <dgm:constr type="sp" for="des" forName="hierRoot3" refType="sp" refFor="des" refForName="hierRoot1"/>
+      <dgm:constr type="sibSp" refType="w" refFor="des" refForName="rootComposite1" fact="0.21"/>
+      <dgm:constr type="sibSp" for="des" forName="hierChild2" refType="sibSp"/>
+      <dgm:constr type="sibSp" for="des" forName="hierChild3" refType="sibSp"/>
+      <dgm:constr type="sibSp" for="des" forName="hierChild4" refType="sibSp"/>
+      <dgm:constr type="sibSp" for="des" forName="hierChild5" refType="sibSp"/>
+      <dgm:constr type="sibSp" for="des" forName="hierChild6" refType="sibSp"/>
+      <dgm:constr type="sibSp" for="des" forName="hierChild7" refType="sibSp"/>
+      <dgm:constr type="secSibSp" refType="w" refFor="des" refForName="rootComposite1" fact="0.21"/>
+      <dgm:constr type="secSibSp" for="des" forName="hierChild2" refType="secSibSp"/>
+      <dgm:constr type="secSibSp" for="des" forName="hierChild3" refType="secSibSp"/>
+      <dgm:constr type="secSibSp" for="des" forName="hierChild4" refType="secSibSp"/>
+      <dgm:constr type="secSibSp" for="des" forName="hierChild5" refType="secSibSp"/>
+      <dgm:constr type="secSibSp" for="des" forName="hierChild6" refType="secSibSp"/>
+      <dgm:constr type="secSibSp" for="des" forName="hierChild7" refType="secSibSp"/>
+    </dgm:constrLst>
+    <dgm:ruleLst/>
+    <dgm:forEach name="Name3" axis="ch">
+      <dgm:forEach name="Name4" axis="self" ptType="node">
+        <dgm:layoutNode name="hierRoot1">
+          <dgm:varLst>
+            <dgm:hierBranch val="init"/>
+          </dgm:varLst>
+          <dgm:choose name="Name5">
+            <dgm:if name="Name6" func="var" arg="hierBranch" op="equ" val="l">
+              <dgm:choose name="Name7">
+                <dgm:if name="Name8" axis="ch" ptType="asst" func="cnt" op="gte" val="1">
+                  <dgm:alg type="hierRoot">
+                    <dgm:param type="hierAlign" val="tR"/>
+                  </dgm:alg>
+                  <dgm:constrLst>
+                    <dgm:constr type="alignOff" val="0.65"/>
+                  </dgm:constrLst>
+                </dgm:if>
+                <dgm:else name="Name9">
+                  <dgm:alg type="hierRoot">
+                    <dgm:param type="hierAlign" val="tR"/>
+                  </dgm:alg>
+                  <dgm:constrLst>
+                    <dgm:constr type="alignOff" val="0.25"/>
+                  </dgm:constrLst>
+                </dgm:else>
+              </dgm:choose>
+            </dgm:if>
+            <dgm:if name="Name10" func="var" arg="hierBranch" op="equ" val="r">
+              <dgm:choose name="Name11">
+                <dgm:if name="Name12" axis="ch" ptType="asst" func="cnt" op="gte" val="1">
+                  <dgm:alg type="hierRoot">
+                    <dgm:param type="hierAlign" val="tL"/>
+                  </dgm:alg>
+                  <dgm:constrLst>
+                    <dgm:constr type="alignOff" val="0.65"/>
+                  </dgm:constrLst>
+                </dgm:if>
+                <dgm:else name="Name13">
+                  <dgm:alg type="hierRoot">
+                    <dgm:param type="hierAlign" val="tL"/>
+                  </dgm:alg>
+                  <dgm:constrLst>
+                    <dgm:constr type="alignOff" val="0.25"/>
+                  </dgm:constrLst>
+                </dgm:else>
+              </dgm:choose>
+            </dgm:if>
+            <dgm:if name="Name14" func="var" arg="hierBranch" op="equ" val="hang">
+              <dgm:alg type="hierRoot"/>
+              <dgm:constrLst>
+                <dgm:constr type="alignOff" val="0.65"/>
+              </dgm:constrLst>
+            </dgm:if>
+            <dgm:else name="Name15">
+              <dgm:alg type="hierRoot"/>
+              <dgm:constrLst>
+                <dgm:constr type="alignOff"/>
+                <dgm:constr type="bendDist" for="des" ptType="parTrans" refType="sp" fact="0.5"/>
+              </dgm:constrLst>
+            </dgm:else>
+          </dgm:choose>
+          <dgm:shape xmlns:r="http://schemas.openxmlformats.org/officeDocument/2006/relationships" r:blip="">
+            <dgm:adjLst/>
+          </dgm:shape>
+          <dgm:presOf/>
+          <dgm:ruleLst/>
+          <dgm:layoutNode name="rootComposite1">
+            <dgm:alg type="composite"/>
+            <dgm:shape xmlns:r="http://schemas.openxmlformats.org/officeDocument/2006/relationships" r:blip="">
+              <dgm:adjLst/>
+            </dgm:shape>
+            <dgm:presOf axis="self" ptType="node" cnt="1"/>
+            <dgm:choose name="Name16">
+              <dgm:if name="Name17" func="var" arg="hierBranch" op="equ" val="init">
+                <dgm:constrLst>
+                  <dgm:constr type="l" for="ch" forName="rootText1"/>
+                  <dgm:constr type="t" for="ch" forName="rootText1"/>
+                  <dgm:constr type="w" for="ch" forName="rootText1" refType="w"/>
+                  <dgm:constr type="h" for="ch" forName="rootText1" refType="h"/>
+                  <dgm:constr type="l" for="ch" forName="rootConnector1"/>
+                  <dgm:constr type="t" for="ch" forName="rootConnector1"/>
+                  <dgm:constr type="w" for="ch" forName="rootConnector1" refType="w" refFor="ch" refForName="rootText1" fact="0.2"/>
+                  <dgm:constr type="h" for="ch" forName="rootConnector1" refType="h" refFor="ch" refForName="rootText1"/>
+                </dgm:constrLst>
+              </dgm:if>
+              <dgm:if name="Name18" func="var" arg="hierBranch" op="equ" val="l">
+                <dgm:constrLst>
+                  <dgm:constr type="l" for="ch" forName="rootText1"/>
+                  <dgm:constr type="t" for="ch" forName="rootText1"/>
+                  <dgm:constr type="w" for="ch" forName="rootText1" refType="w"/>
+                  <dgm:constr type="h" for="ch" forName="rootText1" refType="h"/>
+                  <dgm:constr type="r" for="ch" forName="rootConnector1" refType="w"/>
+                  <dgm:constr type="t" for="ch" forName="rootConnector1"/>
+                  <dgm:constr type="w" for="ch" forName="rootConnector1" refType="w" refFor="ch" refForName="rootText1" fact="0.2"/>
+                  <dgm:constr type="h" for="ch" forName="rootConnector1" refType="h" refFor="ch" refForName="rootText1"/>
+                </dgm:constrLst>
+              </dgm:if>
+              <dgm:if name="Name19" func="var" arg="hierBranch" op="equ" val="r">
+                <dgm:constrLst>
+                  <dgm:constr type="l" for="ch" forName="rootText1"/>
+                  <dgm:constr type="t" for="ch" forName="rootText1"/>
+                  <dgm:constr type="w" for="ch" forName="rootText1" refType="w"/>
+                  <dgm:constr type="h" for="ch" forName="rootText1" refType="h"/>
+                  <dgm:constr type="l" for="ch" forName="rootConnector1"/>
+                  <dgm:constr type="t" for="ch" forName="rootConnector1"/>
+                  <dgm:constr type="w" for="ch" forName="rootConnector1" refType="w" refFor="ch" refForName="rootText1" fact="0.2"/>
+                  <dgm:constr type="h" for="ch" forName="rootConnector1" refType="h" refFor="ch" refForName="rootText1"/>
+                </dgm:constrLst>
+              </dgm:if>
+              <dgm:else name="Name20">
+                <dgm:constrLst>
+                  <dgm:constr type="l" for="ch" forName="rootText1"/>
+                  <dgm:constr type="t" for="ch" forName="rootText1"/>
+                  <dgm:constr type="w" for="ch" forName="rootText1" refType="w"/>
+                  <dgm:constr type="h" for="ch" forName="rootText1" refType="h"/>
+                  <dgm:constr type="r" for="ch" forName="rootConnector1" refType="w"/>
+                  <dgm:constr type="t" for="ch" forName="rootConnector1"/>
+                  <dgm:constr type="w" for="ch" forName="rootConnector1" refType="w" refFor="ch" refForName="rootText1" fact="0.2"/>
+                  <dgm:constr type="h" for="ch" forName="rootConnector1" refType="h" refFor="ch" refForName="rootText1"/>
+                </dgm:constrLst>
+              </dgm:else>
+            </dgm:choose>
+            <dgm:ruleLst/>
+            <dgm:layoutNode name="rootText1" styleLbl="node0">
+              <dgm:varLst>
+                <dgm:chPref val="3"/>
+              </dgm:varLst>
+              <dgm:alg type="tx"/>
+              <dgm:shape xmlns:r="http://schemas.openxmlformats.org/officeDocument/2006/relationships" type="rect" r:blip="">
+                <dgm:adjLst/>
+              </dgm:shape>
+              <dgm:presOf axis="self" ptType="node" cnt="1"/>
+              <dgm:constrLst>
+                <dgm:constr type="primFontSz" val="65"/>
+                <dgm:constr type="lMarg" refType="primFontSz" fact="0.05"/>
+                <dgm:constr type="rMarg" refType="primFontSz" fact="0.05"/>
+                <dgm:constr type="tMarg" refType="primFontSz" fact="0.05"/>
+                <dgm:constr type="bMarg" refType="primFontSz" fact="0.05"/>
+              </dgm:constrLst>
+              <dgm:ruleLst>
+                <dgm:rule type="primFontSz" val="5" fact="NaN" max="NaN"/>
+              </dgm:ruleLst>
+            </dgm:layoutNode>
+            <dgm:layoutNode name="rootConnector1" moveWith="rootText1">
+              <dgm:alg type="sp"/>
+              <dgm:shape xmlns:r="http://schemas.openxmlformats.org/officeDocument/2006/relationships" type="rect" r:blip="" hideGeom="1">
+                <dgm:adjLst/>
+              </dgm:shape>
+              <dgm:presOf axis="self" ptType="node" cnt="1"/>
+              <dgm:constrLst/>
+              <dgm:ruleLst/>
+            </dgm:layoutNode>
+          </dgm:layoutNode>
+          <dgm:layoutNode name="hierChild2">
+            <dgm:choose name="Name21">
+              <dgm:if name="Name22" func="var" arg="hierBranch" op="equ" val="l">
+                <dgm:alg type="hierChild">
+                  <dgm:param type="chAlign" val="r"/>
+                  <dgm:param type="linDir" val="fromT"/>
+                </dgm:alg>
+              </dgm:if>
+              <dgm:if name="Name23" func="var" arg="hierBranch" op="equ" val="r">
+                <dgm:alg type="hierChild">
+                  <dgm:param type="chAlign" val="l"/>
+                  <dgm:param type="linDir" val="fromT"/>
+                </dgm:alg>
+              </dgm:if>
+              <dgm:if name="Name24" func="var" arg="hierBranch" op="equ" val="hang">
+                <dgm:choose name="Name25">
+                  <dgm:if name="Name26" func="var" arg="dir" op="equ" val="norm">
+                    <dgm:alg type="hierChild">
+                      <dgm:param type="chAlign" val="l"/>
+                      <dgm:param type="linDir" val="fromL"/>
+                      <dgm:param type="secChAlign" val="t"/>
+                      <dgm:param type="secLinDir" val="fromT"/>
+                    </dgm:alg>
+                  </dgm:if>
+                  <dgm:else name="Name27">
+                    <dgm:alg type="hierChild">
+                      <dgm:param type="chAlign" val="l"/>
+                      <dgm:param type="linDir" val="fromR"/>
+                      <dgm:param type="secChAlign" val="t"/>
+                      <dgm:param type="secLinDir" val="fromT"/>
+                    </dgm:alg>
+                  </dgm:else>
+                </dgm:choose>
+              </dgm:if>
+              <dgm:else name="Name28">
+                <dgm:choose name="Name29">
+                  <dgm:if name="Name30" func="var" arg="dir" op="equ" val="norm">
+                    <dgm:alg type="hierChild"/>
+                  </dgm:if>
+                  <dgm:else name="Name31">
+                    <dgm:alg type="hierChild">
+                      <dgm:param type="linDir" val="fromR"/>
+                    </dgm:alg>
+                  </dgm:else>
+                </dgm:choose>
+              </dgm:else>
+            </dgm:choose>
+            <dgm:shape xmlns:r="http://schemas.openxmlformats.org/officeDocument/2006/relationships" r:blip="">
+              <dgm:adjLst/>
+            </dgm:shape>
+            <dgm:presOf/>
+            <dgm:constrLst/>
+            <dgm:ruleLst/>
+            <dgm:forEach name="rep2a" axis="ch" ptType="nonAsst">
+              <dgm:forEach name="Name32" axis="precedSib" ptType="parTrans" st="-1" cnt="1">
+                <dgm:choose name="Name33">
+                  <dgm:if name="Name34" func="var" arg="hierBranch" op="equ" val="std">
+                    <dgm:layoutNode name="Name35">
+                      <dgm:alg type="conn">
+                        <dgm:param type="connRout" val="bend"/>
+                        <dgm:param type="dim" val="1D"/>
+                        <dgm:param type="endSty" val="noArr"/>
+                        <dgm:param type="begPts" val="bCtr"/>
+                        <dgm:param type="endPts" val="tCtr"/>
+                        <dgm:param type="bendPt" val="end"/>
+                      </dgm:alg>
+                      <dgm:shape xmlns:r="http://schemas.openxmlformats.org/officeDocument/2006/relationships" type="conn" r:blip="" zOrderOff="-99999">
+                        <dgm:adjLst/>
+                      </dgm:shape>
+                      <dgm:presOf axis="self"/>
+                      <dgm:constrLst>
+                        <dgm:constr type="begPad"/>
+                        <dgm:constr type="endPad"/>
+                      </dgm:constrLst>
+                      <dgm:ruleLst/>
+                    </dgm:layoutNode>
+                  </dgm:if>
+                  <dgm:if name="Name36" func="var" arg="hierBranch" op="equ" val="init">
+                    <dgm:layoutNode name="Name37">
+                      <dgm:choose name="Name38">
+                        <dgm:if name="Name39" axis="self" func="depth" op="lte" val="2">
+                          <dgm:alg type="conn">
+                            <dgm:param type="connRout" val="bend"/>
+                            <dgm:param type="dim" val="1D"/>
+                            <dgm:param type="endSty" val="noArr"/>
+                            <dgm:param type="begPts" val="bCtr"/>
+                            <dgm:param type="endPts" val="tCtr"/>
+                            <dgm:param type="bendPt" val="end"/>
+                          </dgm:alg>
+                        </dgm:if>
+                        <dgm:else name="Name40">
+                          <dgm:choose name="Name41">
+                            <dgm:if name="Name42" axis="par des" func="maxDepth" op="lte" val="1">
+                              <dgm:choose name="Name43">
+                                <dgm:if name="Name44" axis="par ch" ptType="node asst" func="cnt" op="gte" val="1">
+                                  <dgm:alg type="conn">
+                                    <dgm:param type="connRout" val="bend"/>
+                                    <dgm:param type="dim" val="1D"/>
+                                    <dgm:param type="endSty" val="noArr"/>
+                                    <dgm:param type="begPts" val="bCtr"/>
+                                    <dgm:param type="endPts" val="midL midR"/>
+                                  </dgm:alg>
+                                </dgm:if>
+                                <dgm:else name="Name45">
+                                  <dgm:alg type="conn">
+                                    <dgm:param type="connRout" val="bend"/>
+                                    <dgm:param type="dim" val="1D"/>
+                                    <dgm:param type="endSty" val="noArr"/>
+                                    <dgm:param type="begPts" val="bCtr"/>
+                                    <dgm:param type="endPts" val="midL midR"/>
+                                    <dgm:param type="srcNode" val="rootConnector"/>
+                                  </dgm:alg>
+                                </dgm:else>
+                              </dgm:choose>
+                            </dgm:if>
+                            <dgm:else name="Name46">
+                              <dgm:alg type="conn">
+                                <dgm:param type="connRout" val="bend"/>
+                                <dgm:param type="dim" val="1D"/>
+                                <dgm:param type="endSty" val="noArr"/>
+                                <dgm:param type="begPts" val="bCtr"/>
+                                <dgm:param type="endPts" val="tCtr"/>
+                                <dgm:param type="bendPt" val="end"/>
+                              </dgm:alg>
+                            </dgm:else>
+                          </dgm:choose>
+                        </dgm:else>
+                      </dgm:choose>
+                      <dgm:shape xmlns:r="http://schemas.openxmlformats.org/officeDocument/2006/relationships" type="conn" r:blip="" zOrderOff="-99999">
+                        <dgm:adjLst/>
+                      </dgm:shape>
+                      <dgm:presOf axis="self"/>
+                      <dgm:constrLst>
+                        <dgm:constr type="begPad"/>
+                        <dgm:constr type="endPad"/>
+                      </dgm:constrLst>
+                      <dgm:ruleLst/>
+                    </dgm:layoutNode>
+                  </dgm:if>
+                  <dgm:if name="Name47" func="var" arg="hierBranch" op="equ" val="hang">
+                    <dgm:layoutNode name="Name48">
+                      <dgm:alg type="conn">
+                        <dgm:param type="connRout" val="bend"/>
+                        <dgm:param type="dim" val="1D"/>
+                        <dgm:param type="endSty" val="noArr"/>
+                        <dgm:param type="begPts" val="bCtr"/>
+                        <dgm:param type="endPts" val="midL midR"/>
+                      </dgm:alg>
+                      <dgm:shape xmlns:r="http://schemas.openxmlformats.org/officeDocument/2006/relationships" type="conn" r:blip="" zOrderOff="-99999">
+                        <dgm:adjLst/>
+                      </dgm:shape>
+                      <dgm:presOf axis="self"/>
+                      <dgm:constrLst>
+                        <dgm:constr type="begPad"/>
+                        <dgm:constr type="endPad"/>
+                      </dgm:constrLst>
+                      <dgm:ruleLst/>
+                    </dgm:layoutNode>
+                  </dgm:if>
+                  <dgm:else name="Name49">
+                    <dgm:layoutNode name="Name50">
+                      <dgm:choose name="Name51">
+                        <dgm:if name="Name52" axis="self" func="depth" op="lte" val="2">
+                          <dgm:choose name="Name53">
+                            <dgm:if name="Name54" axis="par ch" ptType="node asst" func="cnt" op="gte" val="1">
+                              <dgm:alg type="conn">
+                                <dgm:param type="connRout" val="bend"/>
+                                <dgm:param type="dim" val="1D"/>
+                                <dgm:param type="endSty" val="noArr"/>
+                                <dgm:param type="begPts" val="bCtr"/>
+                                <dgm:param type="endPts" val="midL midR"/>
+                              </dgm:alg>
+                            </dgm:if>
+                            <dgm:else name="Name55">
+                              <dgm:alg type="conn">
+                                <dgm:param type="connRout" val="bend"/>
+                                <dgm:param type="dim" val="1D"/>
+                                <dgm:param type="endSty" val="noArr"/>
+                                <dgm:param type="begPts" val="bCtr"/>
+                                <dgm:param type="endPts" val="midL midR"/>
+                                <dgm:param type="srcNode" val="rootConnector1"/>
+                              </dgm:alg>
+                            </dgm:else>
+                          </dgm:choose>
+                        </dgm:if>
+                        <dgm:else name="Name56">
+                          <dgm:choose name="Name57">
+                            <dgm:if name="Name58" axis="par ch" ptType="node asst" func="cnt" op="gte" val="1">
+                              <dgm:alg type="conn">
+                                <dgm:param type="connRout" val="bend"/>
+                                <dgm:param type="dim" val="1D"/>
+                                <dgm:param type="endSty" val="noArr"/>
+                                <dgm:param type="begPts" val="bCtr"/>
+                                <dgm:param type="endPts" val="midL midR"/>
+                              </dgm:alg>
+                            </dgm:if>
+                            <dgm:else name="Name59">
+                              <dgm:alg type="conn">
+                                <dgm:param type="connRout" val="bend"/>
+                                <dgm:param type="dim" val="1D"/>
+                                <dgm:param type="endSty" val="noArr"/>
+                                <dgm:param type="begPts" val="bCtr"/>
+                                <dgm:param type="endPts" val="midL midR"/>
+                                <dgm:param type="srcNode" val="rootConnector"/>
+                              </dgm:alg>
+                            </dgm:else>
+                          </dgm:choose>
+                        </dgm:else>
+                      </dgm:choose>
+                      <dgm:shape xmlns:r="http://schemas.openxmlformats.org/officeDocument/2006/relationships" type="conn" r:blip="" zOrderOff="-99999">
+                        <dgm:adjLst/>
+                      </dgm:shape>
+                      <dgm:presOf axis="self"/>
+                      <dgm:constrLst>
+                        <dgm:constr type="begPad"/>
+                        <dgm:constr type="endPad"/>
+                      </dgm:constrLst>
+                      <dgm:ruleLst/>
+                    </dgm:layoutNode>
+                  </dgm:else>
+                </dgm:choose>
+              </dgm:forEach>
+              <dgm:layoutNode name="hierRoot2">
+                <dgm:varLst>
+                  <dgm:hierBranch val="init"/>
+                </dgm:varLst>
+                <dgm:choose name="Name60">
+                  <dgm:if name="Name61" func="var" arg="hierBranch" op="equ" val="l">
+                    <dgm:choose name="Name62">
+                      <dgm:if name="Name63" axis="ch" ptType="asst" func="cnt" op="gte" val="1">
+                        <dgm:alg type="hierRoot">
+                          <dgm:param type="hierAlign" val="tR"/>
+                        </dgm:alg>
+                        <dgm:shape xmlns:r="http://schemas.openxmlformats.org/officeDocument/2006/relationships" r:blip="">
+                          <dgm:adjLst/>
+                        </dgm:shape>
+                        <dgm:presOf/>
+                        <dgm:constrLst>
+                          <dgm:constr type="alignOff" val="0.65"/>
+                        </dgm:constrLst>
+                      </dgm:if>
+                      <dgm:else name="Name64">
+                        <dgm:alg type="hierRoot">
+                          <dgm:param type="hierAlign" val="tR"/>
+                        </dgm:alg>
+                        <dgm:shape xmlns:r="http://schemas.openxmlformats.org/officeDocument/2006/relationships" r:blip="">
+                          <dgm:adjLst/>
+                        </dgm:shape>
+                        <dgm:presOf/>
+                        <dgm:constrLst>
+                          <dgm:constr type="alignOff" val="0.25"/>
+                        </dgm:constrLst>
+                      </dgm:else>
+                    </dgm:choose>
+                  </dgm:if>
+                  <dgm:if name="Name65" func="var" arg="hierBranch" op="equ" val="r">
+                    <dgm:choose name="Name66">
+                      <dgm:if name="Name67" axis="ch" ptType="asst" func="cnt" op="gte" val="1">
+                        <dgm:alg type="hierRoot">
+                          <dgm:param type="hierAlign" val="tL"/>
+                        </dgm:alg>
+                        <dgm:shape xmlns:r="http://schemas.openxmlformats.org/officeDocument/2006/relationships" r:blip="">
+                          <dgm:adjLst/>
+                        </dgm:shape>
+                        <dgm:presOf/>
+                        <dgm:constrLst>
+                          <dgm:constr type="alignOff" val="0.65"/>
+                        </dgm:constrLst>
+                      </dgm:if>
+                      <dgm:else name="Name68">
+                        <dgm:alg type="hierRoot">
+                          <dgm:param type="hierAlign" val="tL"/>
+                        </dgm:alg>
+                        <dgm:shape xmlns:r="http://schemas.openxmlformats.org/officeDocument/2006/relationships" r:blip="">
+                          <dgm:adjLst/>
+                        </dgm:shape>
+                        <dgm:presOf/>
+                        <dgm:constrLst>
+                          <dgm:constr type="alignOff" val="0.25"/>
+                        </dgm:constrLst>
+                      </dgm:else>
+                    </dgm:choose>
+                  </dgm:if>
+                  <dgm:if name="Name69" func="var" arg="hierBranch" op="equ" val="std">
+                    <dgm:alg type="hierRoot"/>
+                    <dgm:shape xmlns:r="http://schemas.openxmlformats.org/officeDocument/2006/relationships" r:blip="">
+                      <dgm:adjLst/>
+                    </dgm:shape>
+                    <dgm:presOf/>
+                    <dgm:constrLst>
+                      <dgm:constr type="alignOff"/>
+                      <dgm:constr type="bendDist" for="des" ptType="parTrans" refType="sp" fact="0.5"/>
+                    </dgm:constrLst>
+                  </dgm:if>
+                  <dgm:if name="Name70" func="var" arg="hierBranch" op="equ" val="init">
+                    <dgm:choose name="Name71">
+                      <dgm:if name="Name72" axis="des" func="maxDepth" op="lte" val="1">
+                        <dgm:choose name="Name73">
+                          <dgm:if name="Name74" axis="ch" ptType="asst" func="cnt" op="gte" val="1">
+                            <dgm:alg type="hierRoot">
+                              <dgm:param type="hierAlign" val="tL"/>
+                            </dgm:alg>
+                            <dgm:shape xmlns:r="http://schemas.openxmlformats.org/officeDocument/2006/relationships" r:blip="">
+                              <dgm:adjLst/>
+                            </dgm:shape>
+                            <dgm:presOf/>
+                            <dgm:constrLst>
+                              <dgm:constr type="alignOff" val="0.65"/>
+                            </dgm:constrLst>
+                          </dgm:if>
+                          <dgm:else name="Name75">
+                            <dgm:alg type="hierRoot">
+                              <dgm:param type="hierAlign" val="tL"/>
+                            </dgm:alg>
+                            <dgm:shape xmlns:r="http://schemas.openxmlformats.org/officeDocument/2006/relationships" r:blip="">
+                              <dgm:adjLst/>
+                            </dgm:shape>
+                            <dgm:presOf/>
+                            <dgm:constrLst>
+                              <dgm:constr type="alignOff" val="0.25"/>
+                            </dgm:constrLst>
+                          </dgm:else>
+                        </dgm:choose>
+                      </dgm:if>
+                      <dgm:else name="Name76">
+                        <dgm:alg type="hierRoot"/>
+                        <dgm:shape xmlns:r="http://schemas.openxmlformats.org/officeDocument/2006/relationships" r:blip="">
+                          <dgm:adjLst/>
+                        </dgm:shape>
+                        <dgm:presOf/>
+                        <dgm:constrLst>
+                          <dgm:constr type="alignOff"/>
+                          <dgm:constr type="bendDist" for="des" ptType="parTrans" refType="sp" fact="0.5"/>
+                        </dgm:constrLst>
+                      </dgm:else>
+                    </dgm:choose>
+                  </dgm:if>
+                  <dgm:else name="Name77">
+                    <dgm:alg type="hierRoot"/>
+                    <dgm:shape xmlns:r="http://schemas.openxmlformats.org/officeDocument/2006/relationships" r:blip="">
+                      <dgm:adjLst/>
+                    </dgm:shape>
+                    <dgm:presOf/>
+                    <dgm:constrLst>
+                      <dgm:constr type="alignOff" val="0.65"/>
+                    </dgm:constrLst>
+                  </dgm:else>
+                </dgm:choose>
+                <dgm:ruleLst/>
+                <dgm:layoutNode name="rootComposite">
+                  <dgm:alg type="composite"/>
+                  <dgm:shape xmlns:r="http://schemas.openxmlformats.org/officeDocument/2006/relationships" r:blip="">
+                    <dgm:adjLst/>
+                  </dgm:shape>
+                  <dgm:presOf axis="self" ptType="node" cnt="1"/>
+                  <dgm:choose name="Name78">
+                    <dgm:if name="Name79" func="var" arg="hierBranch" op="equ" val="init">
+                      <dgm:constrLst>
+                        <dgm:constr type="l" for="ch" forName="rootText"/>
+                        <dgm:constr type="t" for="ch" forName="rootText"/>
+                        <dgm:constr type="w" for="ch" forName="rootText" refType="w"/>
+                        <dgm:constr type="h" for="ch" forName="rootText" refType="h"/>
+                        <dgm:constr type="l" for="ch" forName="rootConnector"/>
+                        <dgm:constr type="t" for="ch" forName="rootConnector"/>
+                        <dgm:constr type="w" for="ch" forName="rootConnector" refType="w" refFor="ch" refForName="rootText" fact="0.2"/>
+                        <dgm:constr type="h" for="ch" forName="rootConnector" refType="h" refFor="ch" refForName="rootText"/>
+                      </dgm:constrLst>
+                    </dgm:if>
+                    <dgm:if name="Name80" func="var" arg="hierBranch" op="equ" val="l">
+                      <dgm:constrLst>
+                        <dgm:constr type="l" for="ch" forName="rootText"/>
+                        <dgm:constr type="t" for="ch" forName="rootText"/>
+                        <dgm:constr type="w" for="ch" forName="rootText" refType="w"/>
+                        <dgm:constr type="h" for="ch" forName="rootText" refType="h"/>
+                        <dgm:constr type="r" for="ch" forName="rootConnector" refType="w"/>
+                        <dgm:constr type="t" for="ch" forName="rootConnector"/>
+                        <dgm:constr type="w" for="ch" forName="rootConnector" refType="w" refFor="ch" refForName="rootText" fact="0.2"/>
+                        <dgm:constr type="h" for="ch" forName="rootConnector" refType="h" refFor="ch" refForName="rootText"/>
+                      </dgm:constrLst>
+                    </dgm:if>
+                    <dgm:if name="Name81" func="var" arg="hierBranch" op="equ" val="r">
+                      <dgm:constrLst>
+                        <dgm:constr type="l" for="ch" forName="rootText"/>
+                        <dgm:constr type="t" for="ch" forName="rootText"/>
+                        <dgm:constr type="w" for="ch" forName="rootText" refType="w"/>
+                        <dgm:constr type="h" for="ch" forName="rootText" refType="h"/>
+                        <dgm:constr type="l" for="ch" forName="rootConnector"/>
+                        <dgm:constr type="t" for="ch" forName="rootConnector"/>
+                        <dgm:constr type="w" for="ch" forName="rootConnector" refType="w" refFor="ch" refForName="rootText" fact="0.2"/>
+                        <dgm:constr type="h" for="ch" forName="rootConnector" refType="h" refFor="ch" refForName="rootText"/>
+                      </dgm:constrLst>
+                    </dgm:if>
+                    <dgm:else name="Name82">
+                      <dgm:constrLst>
+                        <dgm:constr type="l" for="ch" forName="rootText"/>
+                        <dgm:constr type="t" for="ch" forName="rootText"/>
+                        <dgm:constr type="w" for="ch" forName="rootText" refType="w"/>
+                        <dgm:constr type="h" for="ch" forName="rootText" refType="h"/>
+                        <dgm:constr type="r" for="ch" forName="rootConnector" refType="w"/>
+                        <dgm:constr type="t" for="ch" forName="rootConnector"/>
+                        <dgm:constr type="w" for="ch" forName="rootConnector" refType="w" refFor="ch" refForName="rootText" fact="0.2"/>
+                        <dgm:constr type="h" for="ch" forName="rootConnector" refType="h" refFor="ch" refForName="rootText"/>
+                      </dgm:constrLst>
+                    </dgm:else>
+                  </dgm:choose>
+                  <dgm:ruleLst/>
+                  <dgm:layoutNode name="rootText">
+                    <dgm:varLst>
+                      <dgm:chPref val="3"/>
+                    </dgm:varLst>
+                    <dgm:alg type="tx"/>
+                    <dgm:shape xmlns:r="http://schemas.openxmlformats.org/officeDocument/2006/relationships" type="rect" r:blip="">
+                      <dgm:adjLst/>
+                    </dgm:shape>
+                    <dgm:presOf axis="self" ptType="node" cnt="1"/>
+                    <dgm:constrLst>
+                      <dgm:constr type="primFontSz" val="65"/>
+                      <dgm:constr type="lMarg" refType="primFontSz" fact="0.05"/>
+                      <dgm:constr type="rMarg" refType="primFontSz" fact="0.05"/>
+                      <dgm:constr type="tMarg" refType="primFontSz" fact="0.05"/>
+                      <dgm:constr type="bMarg" refType="primFontSz" fact="0.05"/>
+                    </dgm:constrLst>
+                    <dgm:ruleLst>
+                      <dgm:rule type="primFontSz" val="5" fact="NaN" max="NaN"/>
+                    </dgm:ruleLst>
+                  </dgm:layoutNode>
+                  <dgm:layoutNode name="rootConnector" moveWith="rootText">
+                    <dgm:alg type="sp"/>
+                    <dgm:shape xmlns:r="http://schemas.openxmlformats.org/officeDocument/2006/relationships" type="rect" r:blip="" hideGeom="1">
+                      <dgm:adjLst/>
+                    </dgm:shape>
+                    <dgm:presOf axis="self" ptType="node" cnt="1"/>
+                    <dgm:constrLst/>
+                    <dgm:ruleLst/>
+                  </dgm:layoutNode>
+                </dgm:layoutNode>
+                <dgm:layoutNode name="hierChild4">
+                  <dgm:choose name="Name83">
+                    <dgm:if name="Name84" func="var" arg="hierBranch" op="equ" val="l">
+                      <dgm:alg type="hierChild">
+                        <dgm:param type="chAlign" val="r"/>
+                        <dgm:param type="linDir" val="fromT"/>
+                      </dgm:alg>
+                    </dgm:if>
+                    <dgm:if name="Name85" func="var" arg="hierBranch" op="equ" val="r">
+                      <dgm:alg type="hierChild">
+                        <dgm:param type="chAlign" val="l"/>
+                        <dgm:param type="linDir" val="fromT"/>
+                      </dgm:alg>
+                    </dgm:if>
+                    <dgm:if name="Name86" func="var" arg="hierBranch" op="equ" val="hang">
+                      <dgm:choose name="Name87">
+                        <dgm:if name="Name88" func="var" arg="dir" op="equ" val="norm">
+                          <dgm:alg type="hierChild">
+                            <dgm:param type="chAlign" val="l"/>
+                            <dgm:param type="linDir" val="fromL"/>
+                            <dgm:param type="secChAlign" val="t"/>
+                            <dgm:param type="secLinDir" val="fromT"/>
+                          </dgm:alg>
+                        </dgm:if>
+                        <dgm:else name="Name89">
+                          <dgm:alg type="hierChild">
+                            <dgm:param type="chAlign" val="l"/>
+                            <dgm:param type="linDir" val="fromR"/>
+                            <dgm:param type="secChAlign" val="t"/>
+                            <dgm:param type="secLinDir" val="fromT"/>
+                          </dgm:alg>
+                        </dgm:else>
+                      </dgm:choose>
+                    </dgm:if>
+                    <dgm:if name="Name90" func="var" arg="hierBranch" op="equ" val="std">
+                      <dgm:choose name="Name91">
+                        <dgm:if name="Name92" func="var" arg="dir" op="equ" val="norm">
+                          <dgm:alg type="hierChild"/>
+                        </dgm:if>
+                        <dgm:else name="Name93">
+                          <dgm:alg type="hierChild">
+                            <dgm:param type="linDir" val="fromR"/>
+                          </dgm:alg>
+                        </dgm:else>
+                      </dgm:choose>
+                    </dgm:if>
+                    <dgm:if name="Name94" func="var" arg="hierBranch" op="equ" val="init">
+                      <dgm:choose name="Name95">
+                        <dgm:if name="Name96" axis="des" func="maxDepth" op="lte" val="1">
+                          <dgm:alg type="hierChild">
+                            <dgm:param type="chAlign" val="l"/>
+                            <dgm:param type="linDir" val="fromT"/>
+                          </dgm:alg>
+                        </dgm:if>
+                        <dgm:else name="Name97">
+                          <dgm:choose name="Name98">
+                            <dgm:if name="Name99" func="var" arg="dir" op="equ" val="norm">
+                              <dgm:alg type="hierChild"/>
+                            </dgm:if>
+                            <dgm:else name="Name100">
+                              <dgm:alg type="hierChild">
+                                <dgm:param type="linDir" val="fromR"/>
+                              </dgm:alg>
+                            </dgm:else>
+                          </dgm:choose>
+                        </dgm:else>
+                      </dgm:choose>
+                    </dgm:if>
+                    <dgm:else name="Name101"/>
+                  </dgm:choose>
+                  <dgm:shape xmlns:r="http://schemas.openxmlformats.org/officeDocument/2006/relationships" r:blip="">
+                    <dgm:adjLst/>
+                  </dgm:shape>
+                  <dgm:presOf/>
+                  <dgm:constrLst/>
+                  <dgm:ruleLst/>
+                  <dgm:forEach name="Name102" ref="rep2a"/>
+                </dgm:layoutNode>
+                <dgm:layoutNode name="hierChild5">
+                  <dgm:choose name="Name103">
+                    <dgm:if name="Name104" func="var" arg="dir" op="equ" val="norm">
+                      <dgm:alg type="hierChild">
+                        <dgm:param type="chAlign" val="l"/>
+                        <dgm:param type="linDir" val="fromL"/>
+                        <dgm:param type="secChAlign" val="t"/>
+                        <dgm:param type="secLinDir" val="fromT"/>
+                      </dgm:alg>
+                    </dgm:if>
+                    <dgm:else name="Name105">
+                      <dgm:alg type="hierChild">
+                        <dgm:param type="chAlign" val="l"/>
+                        <dgm:param type="linDir" val="fromR"/>
+                        <dgm:param type="secChAlign" val="t"/>
+                        <dgm:param type="secLinDir" val="fromT"/>
+                      </dgm:alg>
+                    </dgm:else>
+                  </dgm:choose>
+                  <dgm:shape xmlns:r="http://schemas.openxmlformats.org/officeDocument/2006/relationships" r:blip="">
+                    <dgm:adjLst/>
+                  </dgm:shape>
+                  <dgm:presOf/>
+                  <dgm:constrLst/>
+                  <dgm:ruleLst/>
+                  <dgm:forEach name="Name106" ref="rep2b"/>
+                </dgm:layoutNode>
+              </dgm:layoutNode>
+            </dgm:forEach>
+          </dgm:layoutNode>
+          <dgm:layoutNode name="hierChild3">
+            <dgm:choose name="Name107">
+              <dgm:if name="Name108" func="var" arg="dir" op="equ" val="norm">
+                <dgm:alg type="hierChild">
+                  <dgm:param type="chAlign" val="l"/>
+                  <dgm:param type="linDir" val="fromL"/>
+                  <dgm:param type="secChAlign" val="t"/>
+                  <dgm:param type="secLinDir" val="fromT"/>
+                </dgm:alg>
+              </dgm:if>
+              <dgm:else name="Name109">
+                <dgm:alg type="hierChild">
+                  <dgm:param type="chAlign" val="l"/>
+                  <dgm:param type="linDir" val="fromR"/>
+                  <dgm:param type="secChAlign" val="t"/>
+                  <dgm:param type="secLinDir" val="fromT"/>
+                </dgm:alg>
+              </dgm:else>
+            </dgm:choose>
+            <dgm:shape xmlns:r="http://schemas.openxmlformats.org/officeDocument/2006/relationships" r:blip="">
+              <dgm:adjLst/>
+            </dgm:shape>
+            <dgm:presOf/>
+            <dgm:constrLst/>
+            <dgm:ruleLst/>
+            <dgm:forEach name="rep2b" axis="ch" ptType="asst">
+              <dgm:forEach name="Name110" axis="precedSib" ptType="parTrans" st="-1" cnt="1">
+                <dgm:layoutNode name="Name111">
+                  <dgm:alg type="conn">
+                    <dgm:param type="connRout" val="bend"/>
+                    <dgm:param type="dim" val="1D"/>
+                    <dgm:param type="endSty" val="noArr"/>
+                    <dgm:param type="begPts" val="bCtr"/>
+                    <dgm:param type="endPts" val="midL midR"/>
+                  </dgm:alg>
+                  <dgm:shape xmlns:r="http://schemas.openxmlformats.org/officeDocument/2006/relationships" type="conn" r:blip="" zOrderOff="-99999">
+                    <dgm:adjLst/>
+                  </dgm:shape>
+                  <dgm:presOf axis="self"/>
+                  <dgm:constrLst>
+                    <dgm:constr type="begPad"/>
+                    <dgm:constr type="endPad"/>
+                  </dgm:constrLst>
+                  <dgm:ruleLst/>
+                </dgm:layoutNode>
+              </dgm:forEach>
+              <dgm:layoutNode name="hierRoot3">
+                <dgm:varLst>
+                  <dgm:hierBranch val="init"/>
+                </dgm:varLst>
+                <dgm:choose name="Name112">
+                  <dgm:if name="Name113" func="var" arg="hierBranch" op="equ" val="l">
+                    <dgm:alg type="hierRoot">
+                      <dgm:param type="hierAlign" val="tR"/>
+                    </dgm:alg>
+                    <dgm:shape xmlns:r="http://schemas.openxmlformats.org/officeDocument/2006/relationships" r:blip="">
+                      <dgm:adjLst/>
+                    </dgm:shape>
+                    <dgm:presOf/>
+                    <dgm:constrLst>
+                      <dgm:constr type="alignOff" val="0.65"/>
+                    </dgm:constrLst>
+                  </dgm:if>
+                  <dgm:if name="Name114" func="var" arg="hierBranch" op="equ" val="r">
+                    <dgm:alg type="hierRoot">
+                      <dgm:param type="hierAlign" val="tL"/>
+                    </dgm:alg>
+                    <dgm:shape xmlns:r="http://schemas.openxmlformats.org/officeDocument/2006/relationships" r:blip="">
+                      <dgm:adjLst/>
+                    </dgm:shape>
+                    <dgm:presOf/>
+                    <dgm:constrLst>
+                      <dgm:constr type="alignOff" val="0.65"/>
+                    </dgm:constrLst>
+                  </dgm:if>
+                  <dgm:if name="Name115" func="var" arg="hierBranch" op="equ" val="hang">
+                    <dgm:alg type="hierRoot"/>
+                    <dgm:shape xmlns:r="http://schemas.openxmlformats.org/officeDocument/2006/relationships" r:blip="">
+                      <dgm:adjLst/>
+                    </dgm:shape>
+                    <dgm:presOf/>
+                    <dgm:constrLst>
+                      <dgm:constr type="alignOff" val="0.65"/>
+                    </dgm:constrLst>
+                  </dgm:if>
+                  <dgm:if name="Name116" func="var" arg="hierBranch" op="equ" val="std">
+                    <dgm:alg type="hierRoot"/>
+                    <dgm:shape xmlns:r="http://schemas.openxmlformats.org/officeDocument/2006/relationships" r:blip="">
+                      <dgm:adjLst/>
+                    </dgm:shape>
+                    <dgm:presOf/>
+                    <dgm:constrLst>
+                      <dgm:constr type="alignOff"/>
+                      <dgm:constr type="bendDist" for="des" ptType="parTrans" refType="sp" fact="0.5"/>
+                    </dgm:constrLst>
+                  </dgm:if>
+                  <dgm:if name="Name117" func="var" arg="hierBranch" op="equ" val="init">
+                    <dgm:choose name="Name118">
+                      <dgm:if name="Name119" axis="des" func="maxDepth" op="lte" val="1">
+                        <dgm:alg type="hierRoot">
+                          <dgm:param type="hierAlign" val="tL"/>
+                        </dgm:alg>
+                        <dgm:shape xmlns:r="http://schemas.openxmlformats.org/officeDocument/2006/relationships" r:blip="">
+                          <dgm:adjLst/>
+                        </dgm:shape>
+                        <dgm:presOf/>
+                        <dgm:constrLst>
+                          <dgm:constr type="alignOff" val="0.65"/>
+                        </dgm:constrLst>
+                      </dgm:if>
+                      <dgm:else name="Name120">
+                        <dgm:alg type="hierRoot"/>
+                        <dgm:shape xmlns:r="http://schemas.openxmlformats.org/officeDocument/2006/relationships" r:blip="">
+                          <dgm:adjLst/>
+                        </dgm:shape>
+                        <dgm:presOf/>
+                        <dgm:constrLst>
+                          <dgm:constr type="alignOff"/>
+                          <dgm:constr type="bendDist" for="des" ptType="parTrans" refType="sp" fact="0.5"/>
+                        </dgm:constrLst>
+                      </dgm:else>
+                    </dgm:choose>
+                  </dgm:if>
+                  <dgm:else name="Name121"/>
+                </dgm:choose>
+                <dgm:ruleLst/>
+                <dgm:layoutNode name="rootComposite3">
+                  <dgm:alg type="composite"/>
+                  <dgm:shape xmlns:r="http://schemas.openxmlformats.org/officeDocument/2006/relationships" r:blip="">
+                    <dgm:adjLst/>
+                  </dgm:shape>
+                  <dgm:presOf axis="self" ptType="node" cnt="1"/>
+                  <dgm:choose name="Name122">
+                    <dgm:if name="Name123" func="var" arg="hierBranch" op="equ" val="init">
+                      <dgm:constrLst>
+                        <dgm:constr type="l" for="ch" forName="rootText3"/>
+                        <dgm:constr type="t" for="ch" forName="rootText3"/>
+                        <dgm:constr type="w" for="ch" forName="rootText3" refType="w"/>
+                        <dgm:constr type="h" for="ch" forName="rootText3" refType="h"/>
+                        <dgm:constr type="l" for="ch" forName="rootConnector3"/>
+                        <dgm:constr type="t" for="ch" forName="rootConnector3"/>
+                        <dgm:constr type="w" for="ch" forName="rootConnector3" refType="w" refFor="ch" refForName="rootText3" fact="0.2"/>
+                        <dgm:constr type="h" for="ch" forName="rootConnector3" refType="h" refFor="ch" refForName="rootText3"/>
+                      </dgm:constrLst>
+                    </dgm:if>
+                    <dgm:if name="Name124" func="var" arg="hierBranch" op="equ" val="l">
+                      <dgm:constrLst>
+                        <dgm:constr type="l" for="ch" forName="rootText3"/>
+                        <dgm:constr type="t" for="ch" forName="rootText3"/>
+                        <dgm:constr type="w" for="ch" forName="rootText3" refType="w"/>
+                        <dgm:constr type="h" for="ch" forName="rootText3" refType="h"/>
+                        <dgm:constr type="r" for="ch" forName="rootConnector3" refType="w"/>
+                        <dgm:constr type="t" for="ch" forName="rootConnector3"/>
+                        <dgm:constr type="w" for="ch" forName="rootConnector3" refType="w" refFor="ch" refForName="rootText3" fact="0.2"/>
+                        <dgm:constr type="h" for="ch" forName="rootConnector3" refType="h" refFor="ch" refForName="rootText3"/>
+                      </dgm:constrLst>
+                    </dgm:if>
+                    <dgm:if name="Name125" func="var" arg="hierBranch" op="equ" val="r">
+                      <dgm:constrLst>
+                        <dgm:constr type="l" for="ch" forName="rootText3"/>
+                        <dgm:constr type="t" for="ch" forName="rootText3"/>
+                        <dgm:constr type="w" for="ch" forName="rootText3" refType="w"/>
+                        <dgm:constr type="h" for="ch" forName="rootText3" refType="h"/>
+                        <dgm:constr type="l" for="ch" forName="rootConnector3"/>
+                        <dgm:constr type="t" for="ch" forName="rootConnector3"/>
+                        <dgm:constr type="w" for="ch" forName="rootConnector3" refType="w" refFor="ch" refForName="rootText3" fact="0.2"/>
+                        <dgm:constr type="h" for="ch" forName="rootConnector3" refType="h" refFor="ch" refForName="rootText3"/>
+                      </dgm:constrLst>
+                    </dgm:if>
+                    <dgm:else name="Name126">
+                      <dgm:constrLst>
+                        <dgm:constr type="l" for="ch" forName="rootText3"/>
+                        <dgm:constr type="t" for="ch" forName="rootText3"/>
+                        <dgm:constr type="w" for="ch" forName="rootText3" refType="w"/>
+                        <dgm:constr type="h" for="ch" forName="rootText3" refType="h"/>
+                        <dgm:constr type="r" for="ch" forName="rootConnector3" refType="w"/>
+                        <dgm:constr type="t" for="ch" forName="rootConnector3"/>
+                        <dgm:constr type="w" for="ch" forName="rootConnector3" refType="w" refFor="ch" refForName="rootText3" fact="0.2"/>
+                        <dgm:constr type="h" for="ch" forName="rootConnector3" refType="h" refFor="ch" refForName="rootText3"/>
+                      </dgm:constrLst>
+                    </dgm:else>
+                  </dgm:choose>
+                  <dgm:ruleLst/>
+                  <dgm:layoutNode name="rootText3">
+                    <dgm:varLst>
+                      <dgm:chPref val="3"/>
+                    </dgm:varLst>
+                    <dgm:alg type="tx"/>
+                    <dgm:shape xmlns:r="http://schemas.openxmlformats.org/officeDocument/2006/relationships" type="rect" r:blip="">
+                      <dgm:adjLst/>
+                    </dgm:shape>
+                    <dgm:presOf axis="self" ptType="node" cnt="1"/>
+                    <dgm:constrLst>
+                      <dgm:constr type="primFontSz" val="65"/>
+                      <dgm:constr type="lMarg" refType="primFontSz" fact="0.05"/>
+                      <dgm:constr type="rMarg" refType="primFontSz" fact="0.05"/>
+                      <dgm:constr type="tMarg" refType="primFontSz" fact="0.05"/>
+                      <dgm:constr type="bMarg" refType="primFontSz" fact="0.05"/>
+                    </dgm:constrLst>
+                    <dgm:ruleLst>
+                      <dgm:rule type="primFontSz" val="5" fact="NaN" max="NaN"/>
+                    </dgm:ruleLst>
+                  </dgm:layoutNode>
+                  <dgm:layoutNode name="rootConnector3" moveWith="rootText1">
+                    <dgm:alg type="sp"/>
+                    <dgm:shape xmlns:r="http://schemas.openxmlformats.org/officeDocument/2006/relationships" type="rect" r:blip="" hideGeom="1">
+                      <dgm:adjLst/>
+                    </dgm:shape>
+                    <dgm:presOf axis="self" ptType="node" cnt="1"/>
+                    <dgm:constrLst/>
+                    <dgm:ruleLst/>
+                  </dgm:layoutNode>
+                </dgm:layoutNode>
+                <dgm:layoutNode name="hierChild6">
+                  <dgm:choose name="Name127">
+                    <dgm:if name="Name128" func="var" arg="hierBranch" op="equ" val="l">
+                      <dgm:alg type="hierChild">
+                        <dgm:param type="chAlign" val="r"/>
+                        <dgm:param type="linDir" val="fromT"/>
+                      </dgm:alg>
+                    </dgm:if>
+                    <dgm:if name="Name129" func="var" arg="hierBranch" op="equ" val="r">
+                      <dgm:alg type="hierChild">
+                        <dgm:param type="chAlign" val="l"/>
+                        <dgm:param type="linDir" val="fromT"/>
+                      </dgm:alg>
+                    </dgm:if>
+                    <dgm:if name="Name130" func="var" arg="hierBranch" op="equ" val="hang">
+                      <dgm:choose name="Name131">
+                        <dgm:if name="Name132" func="var" arg="dir" op="equ" val="norm">
+                          <dgm:alg type="hierChild">
+                            <dgm:param type="chAlign" val="l"/>
+                            <dgm:param type="linDir" val="fromL"/>
+                            <dgm:param type="secChAlign" val="t"/>
+                            <dgm:param type="secLinDir" val="fromT"/>
+                          </dgm:alg>
+                        </dgm:if>
+                        <dgm:else name="Name133">
+                          <dgm:alg type="hierChild">
+                            <dgm:param type="chAlign" val="l"/>
+                            <dgm:param type="linDir" val="fromR"/>
+                            <dgm:param type="secChAlign" val="t"/>
+                            <dgm:param type="secLinDir" val="fromT"/>
+                          </dgm:alg>
+                        </dgm:else>
+                      </dgm:choose>
+                    </dgm:if>
+                    <dgm:if name="Name134" func="var" arg="hierBranch" op="equ" val="std">
+                      <dgm:choose name="Name135">
+                        <dgm:if name="Name136" func="var" arg="dir" op="equ" val="norm">
+                          <dgm:alg type="hierChild"/>
+                        </dgm:if>
+                        <dgm:else name="Name137">
+                          <dgm:alg type="hierChild">
+                            <dgm:param type="linDir" val="fromR"/>
+                          </dgm:alg>
+                        </dgm:else>
+                      </dgm:choose>
+                    </dgm:if>
+                    <dgm:if name="Name138" func="var" arg="hierBranch" op="equ" val="init">
+                      <dgm:choose name="Name139">
+                        <dgm:if name="Name140" axis="des" func="maxDepth" op="lte" val="1">
+                          <dgm:alg type="hierChild">
+                            <dgm:param type="chAlign" val="l"/>
+                            <dgm:param type="linDir" val="fromT"/>
+                          </dgm:alg>
+                        </dgm:if>
+                        <dgm:else name="Name141">
+                          <dgm:alg type="hierChild"/>
+                        </dgm:else>
+                      </dgm:choose>
+                    </dgm:if>
+                    <dgm:else name="Name142"/>
+                  </dgm:choose>
+                  <dgm:shape xmlns:r="http://schemas.openxmlformats.org/officeDocument/2006/relationships" r:blip="">
+                    <dgm:adjLst/>
+                  </dgm:shape>
+                  <dgm:presOf/>
+                  <dgm:constrLst/>
+                  <dgm:ruleLst/>
+                  <dgm:forEach name="Name143" ref="rep2a"/>
+                </dgm:layoutNode>
+                <dgm:layoutNode name="hierChild7">
+                  <dgm:choose name="Name144">
+                    <dgm:if name="Name145" func="var" arg="dir" op="equ" val="norm">
+                      <dgm:alg type="hierChild">
+                        <dgm:param type="chAlign" val="l"/>
+                        <dgm:param type="linDir" val="fromL"/>
+                        <dgm:param type="secChAlign" val="t"/>
+                        <dgm:param type="secLinDir" val="fromT"/>
+                      </dgm:alg>
+                    </dgm:if>
+                    <dgm:else name="Name146">
+                      <dgm:alg type="hierChild">
+                        <dgm:param type="chAlign" val="l"/>
+                        <dgm:param type="linDir" val="fromR"/>
+                        <dgm:param type="secChAlign" val="t"/>
+                        <dgm:param type="secLinDir" val="fromT"/>
+                      </dgm:alg>
+                    </dgm:else>
+                  </dgm:choose>
+                  <dgm:shape xmlns:r="http://schemas.openxmlformats.org/officeDocument/2006/relationships" r:blip="">
+                    <dgm:adjLst/>
+                  </dgm:shape>
+                  <dgm:presOf/>
+                  <dgm:constrLst/>
+                  <dgm:ruleLst/>
+                  <dgm:forEach name="Name147" ref="rep2b"/>
+                </dgm:layoutNode>
+              </dgm:layoutNode>
+            </dgm:forEach>
+          </dgm:layoutNode>
+        </dgm:layoutNode>
+      </dgm:forEach>
+    </dgm:forEach>
+  </dgm:layoutNode>
+</dgm:layoutDef>
+</file>
+
+<file path=ppt/diagrams/quickStyle1.xml><?xml version="1.0" encoding="utf-8"?>
+<dgm:styleDef xmlns:dgm="http://schemas.openxmlformats.org/drawingml/2006/diagram" xmlns:a="http://schemas.openxmlformats.org/drawingml/2006/main" uniqueId="urn:microsoft.com/office/officeart/2005/8/quickstyle/simple1">
+  <dgm:title val=""/>
+  <dgm:desc val=""/>
+  <dgm:catLst>
+    <dgm:cat type="simple" pri="10100"/>
+  </dgm:catLst>
+  <dgm:scene3d>
+    <a:camera prst="orthographicFront"/>
+    <a:lightRig rig="threePt" dir="t"/>
+  </dgm:scene3d>
+  <dgm:styleLbl name="node0">
+    <dgm:scene3d>
+      <a:camera prst="orthographicFront"/>
+      <a:lightRig rig="threePt" dir="t"/>
+    </dgm:scene3d>
+    <dgm:sp3d/>
+    <dgm:txPr/>
+    <dgm:style>
+      <a:lnRef idx="2">
+        <a:scrgbClr r="0" g="0" b="0"/>
+      </a:lnRef>
+      <a:fillRef idx="1">
+        <a:scrgbClr r="0" g="0" b="0"/>
+      </a:fillRef>
+      <a:effectRef idx="0">
+        <a:scrgbClr r="0" g="0" b="0"/>
+      </a:effectRef>
+      <a:fontRef idx="minor">
+        <a:schemeClr val="lt1"/>
+      </a:fontRef>
+    </dgm:style>
+  </dgm:styleLbl>
+  <dgm:styleLbl name="lnNode1">
+    <dgm:scene3d>
+      <a:camera prst="orthographicFront"/>
+      <a:lightRig rig="threePt" dir="t"/>
+    </dgm:scene3d>
+    <dgm:sp3d/>
+    <dgm:txPr/>
+    <dgm:style>
+      <a:lnRef idx="2">
+        <a:scrgbClr r="0" g="0" b="0"/>
+      </a:lnRef>
+      <a:fillRef idx="1">
+        <a:scrgbClr r="0" g="0" b="0"/>
+      </a:fillRef>
+      <a:effectRef idx="0">
+        <a:scrgbClr r="0" g="0" b="0"/>
+      </a:effectRef>
+      <a:fontRef idx="minor">
+        <a:schemeClr val="lt1"/>
+      </a:fontRef>
+    </dgm:style>
+  </dgm:styleLbl>
+  <dgm:styleLbl name="vennNode1">
+    <dgm:scene3d>
+      <a:camera prst="orthographicFront"/>
+      <a:lightRig rig="threePt" dir="t"/>
+    </dgm:scene3d>
+    <dgm:sp3d/>
+    <dgm:txPr/>
+    <dgm:style>
+      <a:lnRef idx="2">
+        <a:scrgbClr r="0" g="0" b="0"/>
+      </a:lnRef>
+      <a:fillRef idx="1">
+        <a:scrgbClr r="0" g="0" b="0"/>
+      </a:fillRef>
+      <a:effectRef idx="0">
+        <a:scrgbClr r="0" g="0" b="0"/>
+      </a:effectRef>
+      <a:fontRef idx="minor">
+        <a:schemeClr val="tx1"/>
+      </a:fontRef>
+    </dgm:style>
+  </dgm:styleLbl>
+  <dgm:styleLbl name="alignNode1">
+    <dgm:scene3d>
+      <a:camera prst="orthographicFront"/>
+      <a:lightRig rig="threePt" dir="t"/>
+    </dgm:scene3d>
+    <dgm:sp3d/>
+    <dgm:txPr/>
+    <dgm:style>
+      <a:lnRef idx="2">
+        <a:scrgbClr r="0" g="0" b="0"/>
+      </a:lnRef>
+      <a:fillRef idx="1">
+        <a:scrgbClr r="0" g="0" b="0"/>
+      </a:fillRef>
+      <a:effectRef idx="0">
+        <a:scrgbClr r="0" g="0" b="0"/>
+      </a:effectRef>
+      <a:fontRef idx="minor">
+        <a:schemeClr val="lt1"/>
+      </a:fontRef>
+    </dgm:style>
+  </dgm:styleLbl>
+  <dgm:styleLbl name="node1">
+    <dgm:scene3d>
+      <a:camera prst="orthographicFront"/>
+      <a:lightRig rig="threePt" dir="t"/>
+    </dgm:scene3d>
+    <dgm:sp3d/>
+    <dgm:txPr/>
+    <dgm:style>
+      <a:lnRef idx="2">
+        <a:scrgbClr r="0" g="0" b="0"/>
+      </a:lnRef>
+      <a:fillRef idx="1">
+        <a:scrgbClr r="0" g="0" b="0"/>
+      </a:fillRef>
+      <a:effectRef idx="0">
+        <a:scrgbClr r="0" g="0" b="0"/>
+      </a:effectRef>
+      <a:fontRef idx="minor">
+        <a:schemeClr val="lt1"/>
+      </a:fontRef>
+    </dgm:style>
+  </dgm:styleLbl>
+  <dgm:styleLbl name="node2">
+    <dgm:scene3d>
+      <a:camera prst="orthographicFront"/>
+      <a:lightRig rig="threePt" dir="t"/>
+    </dgm:scene3d>
+    <dgm:sp3d/>
+    <dgm:txPr/>
+    <dgm:style>
+      <a:lnRef idx="2">
+        <a:scrgbClr r="0" g="0" b="0"/>
+      </a:lnRef>
+      <a:fillRef idx="1">
+        <a:scrgbClr r="0" g="0" b="0"/>
+      </a:fillRef>
+      <a:effectRef idx="0">
+        <a:scrgbClr r="0" g="0" b="0"/>
+      </a:effectRef>
+      <a:fontRef idx="minor">
+        <a:schemeClr val="lt1"/>
+      </a:fontRef>
+    </dgm:style>
+  </dgm:styleLbl>
+  <dgm:styleLbl name="node3">
+    <dgm:scene3d>
+      <a:camera prst="orthographicFront"/>
+      <a:lightRig rig="threePt" dir="t"/>
+    </dgm:scene3d>
+    <dgm:sp3d/>
+    <dgm:txPr/>
+    <dgm:style>
+      <a:lnRef idx="2">
+        <a:scrgbClr r="0" g="0" b="0"/>
+      </a:lnRef>
+      <a:fillRef idx="1">
+        <a:scrgbClr r="0" g="0" b="0"/>
+      </a:fillRef>
+      <a:effectRef idx="0">
+        <a:scrgbClr r="0" g="0" b="0"/>
+      </a:effectRef>
+      <a:fontRef idx="minor">
+        <a:schemeClr val="lt1"/>
+      </a:fontRef>
+    </dgm:style>
+  </dgm:styleLbl>
+  <dgm:styleLbl name="node4">
+    <dgm:scene3d>
+      <a:camera prst="orthographicFront"/>
+      <a:lightRig rig="threePt" dir="t"/>
+    </dgm:scene3d>
+    <dgm:sp3d/>
+    <dgm:txPr/>
+    <dgm:style>
+      <a:lnRef idx="2">
+        <a:scrgbClr r="0" g="0" b="0"/>
+      </a:lnRef>
+      <a:fillRef idx="1">
+        <a:scrgbClr r="0" g="0" b="0"/>
+      </a:fillRef>
+      <a:effectRef idx="0">
+        <a:scrgbClr r="0" g="0" b="0"/>
+      </a:effectRef>
+      <a:fontRef idx="minor">
+        <a:schemeClr val="lt1"/>
+      </a:fontRef>
+    </dgm:style>
+  </dgm:styleLbl>
+  <dgm:styleLbl name="fgImgPlace1">
+    <dgm:scene3d>
+      <a:camera prst="orthographicFront"/>
+      <a:lightRig rig="threePt" dir="t"/>
+    </dgm:scene3d>
+    <dgm:sp3d/>
+    <dgm:txPr/>
+    <dgm:style>
+      <a:lnRef idx="2">
+        <a:scrgbClr r="0" g="0" b="0"/>
+      </a:lnRef>
+      <a:fillRef idx="1">
+        <a:scrgbClr r="0" g="0" b="0"/>
+      </a:fillRef>
+      <a:effectRef idx="0">
+        <a:scrgbClr r="0" g="0" b="0"/>
+      </a:effectRef>
+      <a:fontRef idx="minor"/>
+    </dgm:style>
+  </dgm:styleLbl>
+  <dgm:styleLbl name="alignImgPlace1">
+    <dgm:scene3d>
+      <a:camera prst="orthographicFront"/>
+      <a:lightRig rig="threePt" dir="t"/>
+    </dgm:scene3d>
+    <dgm:sp3d/>
+    <dgm:txPr/>
+    <dgm:style>
+      <a:lnRef idx="2">
+        <a:scrgbClr r="0" g="0" b="0"/>
+      </a:lnRef>
+      <a:fillRef idx="1">
+        <a:scrgbClr r="0" g="0" b="0"/>
+      </a:fillRef>
+      <a:effectRef idx="0">
+        <a:scrgbClr r="0" g="0" b="0"/>
+      </a:effectRef>
+      <a:fontRef idx="minor"/>
+    </dgm:style>
+  </dgm:styleLbl>
+  <dgm:styleLbl name="bgImgPlace1">
+    <dgm:scene3d>
+      <a:camera prst="orthographicFront"/>
+      <a:lightRig rig="threePt" dir="t"/>
+    </dgm:scene3d>
+    <dgm:sp3d/>
+    <dgm:txPr/>
+    <dgm:style>
+      <a:lnRef idx="2">
+        <a:scrgbClr r="0" g="0" b="0"/>
+      </a:lnRef>
+      <a:fillRef idx="1">
+        <a:scrgbClr r="0" g="0" b="0"/>
+      </a:fillRef>
+      <a:effectRef idx="0">
+        <a:scrgbClr r="0" g="0" b="0"/>
+      </a:effectRef>
+      <a:fontRef idx="minor"/>
+    </dgm:style>
+  </dgm:styleLbl>
+  <dgm:styleLbl name="sibTrans2D1">
+    <dgm:scene3d>
+      <a:camera prst="orthographicFront"/>
+      <a:lightRig rig="threePt" dir="t"/>
+    </dgm:scene3d>
+    <dgm:sp3d/>
+    <dgm:txPr/>
+    <dgm:style>
+      <a:lnRef idx="0">
+        <a:scrgbClr r="0" g="0" b="0"/>
+      </a:lnRef>
+      <a:fillRef idx="1">
+        <a:scrgbClr r="0" g="0" b="0"/>
+      </a:fillRef>
+      <a:effectRef idx="0">
+        <a:scrgbClr r="0" g="0" b="0"/>
+      </a:effectRef>
+      <a:fontRef idx="minor">
+        <a:schemeClr val="lt1"/>
+      </a:fontRef>
+    </dgm:style>
+  </dgm:styleLbl>
+  <dgm:styleLbl name="fgSibTrans2D1">
+    <dgm:scene3d>
+      <a:camera prst="orthographicFront"/>
+      <a:lightRig rig="threePt" dir="t"/>
+    </dgm:scene3d>
+    <dgm:sp3d/>
+    <dgm:txPr/>
+    <dgm:style>
+      <a:lnRef idx="0">
+        <a:scrgbClr r="0" g="0" b="0"/>
+      </a:lnRef>
+      <a:fillRef idx="1">
+        <a:scrgbClr r="0" g="0" b="0"/>
+      </a:fillRef>
+      <a:effectRef idx="0">
+        <a:scrgbClr r="0" g="0" b="0"/>
+      </a:effectRef>
+      <a:fontRef idx="minor">
+        <a:schemeClr val="lt1"/>
+      </a:fontRef>
+    </dgm:style>
+  </dgm:styleLbl>
+  <dgm:styleLbl name="bgSibTrans2D1">
+    <dgm:scene3d>
+      <a:camera prst="orthographicFront"/>
+      <a:lightRig rig="threePt" dir="t"/>
+    </dgm:scene3d>
+    <dgm:sp3d/>
+    <dgm:txPr/>
+    <dgm:style>
+      <a:lnRef idx="0">
+        <a:scrgbClr r="0" g="0" b="0"/>
+      </a:lnRef>
+      <a:fillRef idx="1">
+        <a:scrgbClr r="0" g="0" b="0"/>
+      </a:fillRef>
+      <a:effectRef idx="0">
+        <a:scrgbClr r="0" g="0" b="0"/>
+      </a:effectRef>
+      <a:fontRef idx="minor">
+        <a:schemeClr val="lt1"/>
+      </a:fontRef>
+    </dgm:style>
+  </dgm:styleLbl>
+  <dgm:styleLbl name="sibTrans1D1">
+    <dgm:scene3d>
+      <a:camera prst="orthographicFront"/>
+      <a:lightRig rig="threePt" dir="t"/>
+    </dgm:scene3d>
+    <dgm:sp3d/>
+    <dgm:txPr/>
+    <dgm:style>
+      <a:lnRef idx="1">
+        <a:scrgbClr r="0" g="0" b="0"/>
+      </a:lnRef>
+      <a:fillRef idx="0">
+        <a:scrgbClr r="0" g="0" b="0"/>
+      </a:fillRef>
+      <a:effectRef idx="0">
+        <a:scrgbClr r="0" g="0" b="0"/>
+      </a:effectRef>
+      <a:fontRef idx="minor"/>
+    </dgm:style>
+  </dgm:styleLbl>
+  <dgm:styleLbl name="callout">
+    <dgm:scene3d>
+      <a:camera prst="orthographicFront"/>
+      <a:lightRig rig="threePt" dir="t"/>
+    </dgm:scene3d>
+    <dgm:sp3d/>
+    <dgm:txPr/>
+    <dgm:style>
+      <a:lnRef idx="2">
+        <a:scrgbClr r="0" g="0" b="0"/>
+      </a:lnRef>
+      <a:fillRef idx="1">
+        <a:scrgbClr r="0" g="0" b="0"/>
+      </a:fillRef>
+      <a:effectRef idx="0">
+        <a:scrgbClr r="0" g="0" b="0"/>
+      </a:effectRef>
+      <a:fontRef idx="minor"/>
+    </dgm:style>
+  </dgm:styleLbl>
+  <dgm:styleLbl name="asst0">
+    <dgm:scene3d>
+      <a:camera prst="orthographicFront"/>
+      <a:lightRig rig="threePt" dir="t"/>
+    </dgm:scene3d>
+    <dgm:sp3d/>
+    <dgm:txPr/>
+    <dgm:style>
+      <a:lnRef idx="2">
+        <a:scrgbClr r="0" g="0" b="0"/>
+      </a:lnRef>
+      <a:fillRef idx="1">
+        <a:scrgbClr r="0" g="0" b="0"/>
+      </a:fillRef>
+      <a:effectRef idx="0">
+        <a:scrgbClr r="0" g="0" b="0"/>
+      </a:effectRef>
+      <a:fontRef idx="minor">
+        <a:schemeClr val="lt1"/>
+      </a:fontRef>
+    </dgm:style>
+  </dgm:styleLbl>
+  <dgm:styleLbl name="asst1">
+    <dgm:scene3d>
+      <a:camera prst="orthographicFront"/>
+      <a:lightRig rig="threePt" dir="t"/>
+    </dgm:scene3d>
+    <dgm:sp3d/>
+    <dgm:txPr/>
+    <dgm:style>
+      <a:lnRef idx="2">
+        <a:scrgbClr r="0" g="0" b="0"/>
+      </a:lnRef>
+      <a:fillRef idx="1">
+        <a:scrgbClr r="0" g="0" b="0"/>
+      </a:fillRef>
+      <a:effectRef idx="0">
+        <a:scrgbClr r="0" g="0" b="0"/>
+      </a:effectRef>
+      <a:fontRef idx="minor">
+        <a:schemeClr val="lt1"/>
+      </a:fontRef>
+    </dgm:style>
+  </dgm:styleLbl>
+  <dgm:styleLbl name="asst2">
+    <dgm:scene3d>
+      <a:camera prst="orthographicFront"/>
+      <a:lightRig rig="threePt" dir="t"/>
+    </dgm:scene3d>
+    <dgm:sp3d/>
+    <dgm:txPr/>
+    <dgm:style>
+      <a:lnRef idx="2">
+        <a:scrgbClr r="0" g="0" b="0"/>
+      </a:lnRef>
+      <a:fillRef idx="1">
+        <a:scrgbClr r="0" g="0" b="0"/>
+      </a:fillRef>
+      <a:effectRef idx="0">
+        <a:scrgbClr r="0" g="0" b="0"/>
+      </a:effectRef>
+      <a:fontRef idx="minor">
+        <a:schemeClr val="lt1"/>
+      </a:fontRef>
+    </dgm:style>
+  </dgm:styleLbl>
+  <dgm:styleLbl name="asst3">
+    <dgm:scene3d>
+      <a:camera prst="orthographicFront"/>
+      <a:lightRig rig="threePt" dir="t"/>
+    </dgm:scene3d>
+    <dgm:sp3d/>
+    <dgm:txPr/>
+    <dgm:style>
+      <a:lnRef idx="2">
+        <a:scrgbClr r="0" g="0" b="0"/>
+      </a:lnRef>
+      <a:fillRef idx="1">
+        <a:scrgbClr r="0" g="0" b="0"/>
+      </a:fillRef>
+      <a:effectRef idx="0">
+        <a:scrgbClr r="0" g="0" b="0"/>
+      </a:effectRef>
+      <a:fontRef idx="minor">
+        <a:schemeClr val="lt1"/>
+      </a:fontRef>
+    </dgm:style>
+  </dgm:styleLbl>
+  <dgm:styleLbl name="asst4">
+    <dgm:scene3d>
+      <a:camera prst="orthographicFront"/>
+      <a:lightRig rig="threePt" dir="t"/>
+    </dgm:scene3d>
+    <dgm:sp3d/>
+    <dgm:txPr/>
+    <dgm:style>
+      <a:lnRef idx="2">
+        <a:scrgbClr r="0" g="0" b="0"/>
+      </a:lnRef>
+      <a:fillRef idx="1">
+        <a:scrgbClr r="0" g="0" b="0"/>
+      </a:fillRef>
+      <a:effectRef idx="0">
+        <a:scrgbClr r="0" g="0" b="0"/>
+      </a:effectRef>
+      <a:fontRef idx="minor">
+        <a:schemeClr val="lt1"/>
+      </a:fontRef>
+    </dgm:style>
+  </dgm:styleLbl>
+  <dgm:styleLbl name="parChTrans2D1">
+    <dgm:scene3d>
+      <a:camera prst="orthographicFront"/>
+      <a:lightRig rig="threePt" dir="t"/>
+    </dgm:scene3d>
+    <dgm:sp3d/>
+    <dgm:txPr/>
+    <dgm:style>
+      <a:lnRef idx="2">
+        <a:scrgbClr r="0" g="0" b="0"/>
+      </a:lnRef>
+      <a:fillRef idx="1">
+        <a:scrgbClr r="0" g="0" b="0"/>
+      </a:fillRef>
+      <a:effectRef idx="0">
+        <a:scrgbClr r="0" g="0" b="0"/>
+      </a:effectRef>
+      <a:fontRef idx="minor">
+        <a:schemeClr val="lt1"/>
+      </a:fontRef>
+    </dgm:style>
+  </dgm:styleLbl>
+  <dgm:styleLbl name="parChTrans2D2">
+    <dgm:scene3d>
+      <a:camera prst="orthographicFront"/>
+      <a:lightRig rig="threePt" dir="t"/>
+    </dgm:scene3d>
+    <dgm:sp3d/>
+    <dgm:txPr/>
+    <dgm:style>
+      <a:lnRef idx="2">
+        <a:scrgbClr r="0" g="0" b="0"/>
+      </a:lnRef>
+      <a:fillRef idx="1">
+        <a:scrgbClr r="0" g="0" b="0"/>
+      </a:fillRef>
+      <a:effectRef idx="0">
+        <a:scrgbClr r="0" g="0" b="0"/>
+      </a:effectRef>
+      <a:fontRef idx="minor">
+        <a:schemeClr val="lt1"/>
+      </a:fontRef>
+    </dgm:style>
+  </dgm:styleLbl>
+  <dgm:styleLbl name="parChTrans2D3">
+    <dgm:scene3d>
+      <a:camera prst="orthographicFront"/>
+      <a:lightRig rig="threePt" dir="t"/>
+    </dgm:scene3d>
+    <dgm:sp3d/>
+    <dgm:txPr/>
+    <dgm:style>
+      <a:lnRef idx="2">
+        <a:scrgbClr r="0" g="0" b="0"/>
+      </a:lnRef>
+      <a:fillRef idx="1">
+        <a:scrgbClr r="0" g="0" b="0"/>
+      </a:fillRef>
+      <a:effectRef idx="0">
+        <a:scrgbClr r="0" g="0" b="0"/>
+      </a:effectRef>
+      <a:fontRef idx="minor">
+        <a:schemeClr val="lt1"/>
+      </a:fontRef>
+    </dgm:style>
+  </dgm:styleLbl>
+  <dgm:styleLbl name="parChTrans2D4">
+    <dgm:scene3d>
+      <a:camera prst="orthographicFront"/>
+      <a:lightRig rig="threePt" dir="t"/>
+    </dgm:scene3d>
+    <dgm:sp3d/>
+    <dgm:txPr/>
+    <dgm:style>
+      <a:lnRef idx="2">
+        <a:scrgbClr r="0" g="0" b="0"/>
+      </a:lnRef>
+      <a:fillRef idx="1">
+        <a:scrgbClr r="0" g="0" b="0"/>
+      </a:fillRef>
+      <a:effectRef idx="0">
+        <a:scrgbClr r="0" g="0" b="0"/>
+      </a:effectRef>
+      <a:fontRef idx="minor">
+        <a:schemeClr val="lt1"/>
+      </a:fontRef>
+    </dgm:style>
+  </dgm:styleLbl>
+  <dgm:styleLbl name="parChTrans1D1">
+    <dgm:scene3d>
+      <a:camera prst="orthographicFront"/>
+      <a:lightRig rig="threePt" dir="t"/>
+    </dgm:scene3d>
+    <dgm:sp3d/>
+    <dgm:txPr/>
+    <dgm:style>
+      <a:lnRef idx="2">
+        <a:scrgbClr r="0" g="0" b="0"/>
+      </a:lnRef>
+      <a:fillRef idx="0">
+        <a:scrgbClr r="0" g="0" b="0"/>
+      </a:fillRef>
+      <a:effectRef idx="0">
+        <a:scrgbClr r="0" g="0" b="0"/>
+      </a:effectRef>
+      <a:fontRef idx="minor"/>
+    </dgm:style>
+  </dgm:styleLbl>
+  <dgm:styleLbl name="parChTrans1D2">
+    <dgm:scene3d>
+      <a:camera prst="orthographicFront"/>
+      <a:lightRig rig="threePt" dir="t"/>
+    </dgm:scene3d>
+    <dgm:sp3d/>
+    <dgm:txPr/>
+    <dgm:style>
+      <a:lnRef idx="2">
+        <a:scrgbClr r="0" g="0" b="0"/>
+      </a:lnRef>
+      <a:fillRef idx="0">
+        <a:scrgbClr r="0" g="0" b="0"/>
+      </a:fillRef>
+      <a:effectRef idx="0">
+        <a:scrgbClr r="0" g="0" b="0"/>
+      </a:effectRef>
+      <a:fontRef idx="minor"/>
+    </dgm:style>
+  </dgm:styleLbl>
+  <dgm:styleLbl name="parChTrans1D3">
+    <dgm:scene3d>
+      <a:camera prst="orthographicFront"/>
+      <a:lightRig rig="threePt" dir="t"/>
+    </dgm:scene3d>
+    <dgm:sp3d/>
+    <dgm:txPr/>
+    <dgm:style>
+      <a:lnRef idx="2">
+        <a:scrgbClr r="0" g="0" b="0"/>
+      </a:lnRef>
+      <a:fillRef idx="0">
+        <a:scrgbClr r="0" g="0" b="0"/>
+      </a:fillRef>
+      <a:effectRef idx="0">
+        <a:scrgbClr r="0" g="0" b="0"/>
+      </a:effectRef>
+      <a:fontRef idx="minor"/>
+    </dgm:style>
+  </dgm:styleLbl>
+  <dgm:styleLbl name="parChTrans1D4">
+    <dgm:scene3d>
+      <a:camera prst="orthographicFront"/>
+      <a:lightRig rig="threePt" dir="t"/>
+    </dgm:scene3d>
+    <dgm:sp3d/>
+    <dgm:txPr/>
+    <dgm:style>
+      <a:lnRef idx="2">
+        <a:scrgbClr r="0" g="0" b="0"/>
+      </a:lnRef>
+      <a:fillRef idx="0">
+        <a:scrgbClr r="0" g="0" b="0"/>
+      </a:fillRef>
+      <a:effectRef idx="0">
+        <a:scrgbClr r="0" g="0" b="0"/>
+      </a:effectRef>
+      <a:fontRef idx="minor"/>
+    </dgm:style>
+  </dgm:styleLbl>
+  <dgm:styleLbl name="fgAcc1">
+    <dgm:scene3d>
+      <a:camera prst="orthographicFront"/>
+      <a:lightRig rig="threePt" dir="t"/>
+    </dgm:scene3d>
+    <dgm:sp3d/>
+    <dgm:txPr/>
+    <dgm:style>
+      <a:lnRef idx="2">
+        <a:scrgbClr r="0" g="0" b="0"/>
+      </a:lnRef>
+      <a:fillRef idx="1">
+        <a:scrgbClr r="0" g="0" b="0"/>
+      </a:fillRef>
+      <a:effectRef idx="0">
+        <a:scrgbClr r="0" g="0" b="0"/>
+      </a:effectRef>
+      <a:fontRef idx="minor"/>
+    </dgm:style>
+  </dgm:styleLbl>
+  <dgm:styleLbl name="conFgAcc1">
+    <dgm:scene3d>
+      <a:camera prst="orthographicFront"/>
+      <a:lightRig rig="threePt" dir="t"/>
+    </dgm:scene3d>
+    <dgm:sp3d/>
+    <dgm:txPr/>
+    <dgm:style>
+      <a:lnRef idx="2">
+        <a:scrgbClr r="0" g="0" b="0"/>
+      </a:lnRef>
+      <a:fillRef idx="1">
+        <a:scrgbClr r="0" g="0" b="0"/>
+      </a:fillRef>
+      <a:effectRef idx="0">
+        <a:scrgbClr r="0" g="0" b="0"/>
+      </a:effectRef>
+      <a:fontRef idx="minor"/>
+    </dgm:style>
+  </dgm:styleLbl>
+  <dgm:styleLbl name="alignAcc1">
+    <dgm:scene3d>
+      <a:camera prst="orthographicFront"/>
+      <a:lightRig rig="threePt" dir="t"/>
+    </dgm:scene3d>
+    <dgm:sp3d/>
+    <dgm:txPr/>
+    <dgm:style>
+      <a:lnRef idx="2">
+        <a:scrgbClr r="0" g="0" b="0"/>
+      </a:lnRef>
+      <a:fillRef idx="1">
+        <a:scrgbClr r="0" g="0" b="0"/>
+      </a:fillRef>
+      <a:effectRef idx="0">
+        <a:scrgbClr r="0" g="0" b="0"/>
+      </a:effectRef>
+      <a:fontRef idx="minor"/>
+    </dgm:style>
+  </dgm:styleLbl>
+  <dgm:styleLbl name="trAlignAcc1">
+    <dgm:scene3d>
+      <a:camera prst="orthographicFront"/>
+      <a:lightRig rig="threePt" dir="t"/>
+    </dgm:scene3d>
+    <dgm:sp3d/>
+    <dgm:txPr/>
+    <dgm:style>
+      <a:lnRef idx="1">
+        <a:scrgbClr r="0" g="0" b="0"/>
+      </a:lnRef>
+      <a:fillRef idx="1">
+        <a:scrgbClr r="0" g="0" b="0"/>
+      </a:fillRef>
+      <a:effectRef idx="0">
+        <a:scrgbClr r="0" g="0" b="0"/>
+      </a:effectRef>
+      <a:fontRef idx="minor"/>
+    </dgm:style>
+  </dgm:styleLbl>
+  <dgm:styleLbl name="bgAcc1">
+    <dgm:scene3d>
+      <a:camera prst="orthographicFront"/>
+      <a:lightRig rig="threePt" dir="t"/>
+    </dgm:scene3d>
+    <dgm:sp3d/>
+    <dgm:txPr/>
+    <dgm:style>
+      <a:lnRef idx="2">
+        <a:scrgbClr r="0" g="0" b="0"/>
+      </a:lnRef>
+      <a:fillRef idx="1">
+        <a:scrgbClr r="0" g="0" b="0"/>
+      </a:fillRef>
+      <a:effectRef idx="0">
+        <a:scrgbClr r="0" g="0" b="0"/>
+      </a:effectRef>
+      <a:fontRef idx="minor"/>
+    </dgm:style>
+  </dgm:styleLbl>
+  <dgm:styleLbl name="solidFgAcc1">
+    <dgm:scene3d>
+      <a:camera prst="orthographicFront"/>
+      <a:lightRig rig="threePt" dir="t"/>
+    </dgm:scene3d>
+    <dgm:sp3d/>
+    <dgm:txPr/>
+    <dgm:style>
+      <a:lnRef idx="2">
+        <a:scrgbClr r="0" g="0" b="0"/>
+      </a:lnRef>
+      <a:fillRef idx="1">
+        <a:scrgbClr r="0" g="0" b="0"/>
+      </a:fillRef>
+      <a:effectRef idx="0">
+        <a:scrgbClr r="0" g="0" b="0"/>
+      </a:effectRef>
+      <a:fontRef idx="minor"/>
+    </dgm:style>
+  </dgm:styleLbl>
+  <dgm:styleLbl name="solidAlignAcc1">
+    <dgm:scene3d>
+      <a:camera prst="orthographicFront"/>
+      <a:lightRig rig="threePt" dir="t"/>
+    </dgm:scene3d>
+    <dgm:sp3d/>
+    <dgm:txPr/>
+    <dgm:style>
+      <a:lnRef idx="2">
+        <a:scrgbClr r="0" g="0" b="0"/>
+      </a:lnRef>
+      <a:fillRef idx="1">
+        <a:scrgbClr r="0" g="0" b="0"/>
+      </a:fillRef>
+      <a:effectRef idx="0">
+        <a:scrgbClr r="0" g="0" b="0"/>
+      </a:effectRef>
+      <a:fontRef idx="minor"/>
+    </dgm:style>
+  </dgm:styleLbl>
+  <dgm:styleLbl name="solidBgAcc1">
+    <dgm:scene3d>
+      <a:camera prst="orthographicFront"/>
+      <a:lightRig rig="threePt" dir="t"/>
+    </dgm:scene3d>
+    <dgm:sp3d/>
+    <dgm:txPr/>
+    <dgm:style>
+      <a:lnRef idx="2">
+        <a:scrgbClr r="0" g="0" b="0"/>
+      </a:lnRef>
+      <a:fillRef idx="1">
+        <a:scrgbClr r="0" g="0" b="0"/>
+      </a:fillRef>
+      <a:effectRef idx="0">
+        <a:scrgbClr r="0" g="0" b="0"/>
+      </a:effectRef>
+      <a:fontRef idx="minor"/>
+    </dgm:style>
+  </dgm:styleLbl>
+  <dgm:styleLbl name="fgAccFollowNode1">
+    <dgm:scene3d>
+      <a:camera prst="orthographicFront"/>
+      <a:lightRig rig="threePt" dir="t"/>
+    </dgm:scene3d>
+    <dgm:sp3d/>
+    <dgm:txPr/>
+    <dgm:style>
+      <a:lnRef idx="2">
+        <a:scrgbClr r="0" g="0" b="0"/>
+      </a:lnRef>
+      <a:fillRef idx="1">
+        <a:scrgbClr r="0" g="0" b="0"/>
+      </a:fillRef>
+      <a:effectRef idx="0">
+        <a:scrgbClr r="0" g="0" b="0"/>
+      </a:effectRef>
+      <a:fontRef idx="minor"/>
+    </dgm:style>
+  </dgm:styleLbl>
+  <dgm:styleLbl name="alignAccFollowNode1">
+    <dgm:scene3d>
+      <a:camera prst="orthographicFront"/>
+      <a:lightRig rig="threePt" dir="t"/>
+    </dgm:scene3d>
+    <dgm:sp3d/>
+    <dgm:txPr/>
+    <dgm:style>
+      <a:lnRef idx="2">
+        <a:scrgbClr r="0" g="0" b="0"/>
+      </a:lnRef>
+      <a:fillRef idx="1">
+        <a:scrgbClr r="0" g="0" b="0"/>
+      </a:fillRef>
+      <a:effectRef idx="0">
+        <a:scrgbClr r="0" g="0" b="0"/>
+      </a:effectRef>
+      <a:fontRef idx="minor"/>
+    </dgm:style>
+  </dgm:styleLbl>
+  <dgm:styleLbl name="bgAccFollowNode1">
+    <dgm:scene3d>
+      <a:camera prst="orthographicFront"/>
+      <a:lightRig rig="threePt" dir="t"/>
+    </dgm:scene3d>
+    <dgm:sp3d/>
+    <dgm:txPr/>
+    <dgm:style>
+      <a:lnRef idx="2">
+        <a:scrgbClr r="0" g="0" b="0"/>
+      </a:lnRef>
+      <a:fillRef idx="1">
+        <a:scrgbClr r="0" g="0" b="0"/>
+      </a:fillRef>
+      <a:effectRef idx="0">
+        <a:scrgbClr r="0" g="0" b="0"/>
+      </a:effectRef>
+      <a:fontRef idx="minor"/>
+    </dgm:style>
+  </dgm:styleLbl>
+  <dgm:styleLbl name="fgAcc0">
+    <dgm:scene3d>
+      <a:camera prst="orthographicFront"/>
+      <a:lightRig rig="threePt" dir="t"/>
+    </dgm:scene3d>
+    <dgm:sp3d/>
+    <dgm:txPr/>
+    <dgm:style>
+      <a:lnRef idx="2">
+        <a:scrgbClr r="0" g="0" b="0"/>
+      </a:lnRef>
+      <a:fillRef idx="1">
+        <a:scrgbClr r="0" g="0" b="0"/>
+      </a:fillRef>
+      <a:effectRef idx="0">
+        <a:scrgbClr r="0" g="0" b="0"/>
+      </a:effectRef>
+      <a:fontRef idx="minor"/>
+    </dgm:style>
+  </dgm:styleLbl>
+  <dgm:styleLbl name="fgAcc2">
+    <dgm:scene3d>
+      <a:camera prst="orthographicFront"/>
+      <a:lightRig rig="threePt" dir="t"/>
+    </dgm:scene3d>
+    <dgm:sp3d/>
+    <dgm:txPr/>
+    <dgm:style>
+      <a:lnRef idx="2">
+        <a:scrgbClr r="0" g="0" b="0"/>
+      </a:lnRef>
+      <a:fillRef idx="1">
+        <a:scrgbClr r="0" g="0" b="0"/>
+      </a:fillRef>
+      <a:effectRef idx="0">
+        <a:scrgbClr r="0" g="0" b="0"/>
+      </a:effectRef>
+      <a:fontRef idx="minor"/>
+    </dgm:style>
+  </dgm:styleLbl>
+  <dgm:styleLbl name="fgAcc3">
+    <dgm:scene3d>
+      <a:camera prst="orthographicFront"/>
+      <a:lightRig rig="threePt" dir="t"/>
+    </dgm:scene3d>
+    <dgm:sp3d/>
+    <dgm:txPr/>
+    <dgm:style>
+      <a:lnRef idx="2">
+        <a:scrgbClr r="0" g="0" b="0"/>
+      </a:lnRef>
+      <a:fillRef idx="1">
+        <a:scrgbClr r="0" g="0" b="0"/>
+      </a:fillRef>
+      <a:effectRef idx="0">
+        <a:scrgbClr r="0" g="0" b="0"/>
+      </a:effectRef>
+      <a:fontRef idx="minor"/>
+    </dgm:style>
+  </dgm:styleLbl>
+  <dgm:styleLbl name="fgAcc4">
+    <dgm:scene3d>
+      <a:camera prst="orthographicFront"/>
+      <a:lightRig rig="threePt" dir="t"/>
+    </dgm:scene3d>
+    <dgm:sp3d/>
+    <dgm:txPr/>
+    <dgm:style>
+      <a:lnRef idx="2">
+        <a:scrgbClr r="0" g="0" b="0"/>
+      </a:lnRef>
+      <a:fillRef idx="1">
+        <a:scrgbClr r="0" g="0" b="0"/>
+      </a:fillRef>
+      <a:effectRef idx="0">
+        <a:scrgbClr r="0" g="0" b="0"/>
+      </a:effectRef>
+      <a:fontRef idx="minor"/>
+    </dgm:style>
+  </dgm:styleLbl>
+  <dgm:styleLbl name="bgShp">
+    <dgm:scene3d>
+      <a:camera prst="orthographicFront"/>
+      <a:lightRig rig="threePt" dir="t"/>
+    </dgm:scene3d>
+    <dgm:sp3d/>
+    <dgm:txPr/>
+    <dgm:style>
+      <a:lnRef idx="0">
+        <a:scrgbClr r="0" g="0" b="0"/>
+      </a:lnRef>
+      <a:fillRef idx="1">
+        <a:scrgbClr r="0" g="0" b="0"/>
+      </a:fillRef>
+      <a:effectRef idx="0">
+        <a:scrgbClr r="0" g="0" b="0"/>
+      </a:effectRef>
+      <a:fontRef idx="minor"/>
+    </dgm:style>
+  </dgm:styleLbl>
+  <dgm:styleLbl name="dkBgShp">
+    <dgm:scene3d>
+      <a:camera prst="orthographicFront"/>
+      <a:lightRig rig="threePt" dir="t"/>
+    </dgm:scene3d>
+    <dgm:sp3d/>
+    <dgm:txPr/>
+    <dgm:style>
+      <a:lnRef idx="0">
+        <a:scrgbClr r="0" g="0" b="0"/>
+      </a:lnRef>
+      <a:fillRef idx="1">
+        <a:scrgbClr r="0" g="0" b="0"/>
+      </a:fillRef>
+      <a:effectRef idx="0">
+        <a:scrgbClr r="0" g="0" b="0"/>
+      </a:effectRef>
+      <a:fontRef idx="minor"/>
+    </dgm:style>
+  </dgm:styleLbl>
+  <dgm:styleLbl name="trBgShp">
+    <dgm:scene3d>
+      <a:camera prst="orthographicFront"/>
+      <a:lightRig rig="threePt" dir="t"/>
+    </dgm:scene3d>
+    <dgm:sp3d/>
+    <dgm:txPr/>
+    <dgm:style>
+      <a:lnRef idx="0">
+        <a:scrgbClr r="0" g="0" b="0"/>
+      </a:lnRef>
+      <a:fillRef idx="1">
+        <a:scrgbClr r="0" g="0" b="0"/>
+      </a:fillRef>
+      <a:effectRef idx="0">
+        <a:scrgbClr r="0" g="0" b="0"/>
+      </a:effectRef>
+      <a:fontRef idx="minor"/>
+    </dgm:style>
+  </dgm:styleLbl>
+  <dgm:styleLbl name="fgShp">
+    <dgm:scene3d>
+      <a:camera prst="orthographicFront"/>
+      <a:lightRig rig="threePt" dir="t"/>
+    </dgm:scene3d>
+    <dgm:sp3d/>
+    <dgm:txPr/>
+    <dgm:style>
+      <a:lnRef idx="2">
+        <a:scrgbClr r="0" g="0" b="0"/>
+      </a:lnRef>
+      <a:fillRef idx="1">
+        <a:scrgbClr r="0" g="0" b="0"/>
+      </a:fillRef>
+      <a:effectRef idx="0">
+        <a:scrgbClr r="0" g="0" b="0"/>
+      </a:effectRef>
+      <a:fontRef idx="minor"/>
+    </dgm:style>
+  </dgm:styleLbl>
+  <dgm:styleLbl name="revTx">
+    <dgm:scene3d>
+      <a:camera prst="orthographicFront"/>
+      <a:lightRig rig="threePt" dir="t"/>
+    </dgm:scene3d>
+    <dgm:sp3d/>
+    <dgm:txPr/>
+    <dgm:style>
+      <a:lnRef idx="0">
+        <a:scrgbClr r="0" g="0" b="0"/>
+      </a:lnRef>
+      <a:fillRef idx="0">
+        <a:scrgbClr r="0" g="0" b="0"/>
+      </a:fillRef>
+      <a:effectRef idx="0">
+        <a:scrgbClr r="0" g="0" b="0"/>
+      </a:effectRef>
+      <a:fontRef idx="minor"/>
+    </dgm:style>
+  </dgm:styleLbl>
+</dgm:styleDef>
 </file>
 
 <file path=ppt/notesMasters/notesMaster1.xml><?xml version="1.0" encoding="utf-8"?>
@@ -196,7 +3860,7 @@
           <a:p>
             <a:fld id="{62274EC6-3890-417B-9308-14EFBD00FA63}" type="datetimeFigureOut">
               <a:rPr lang="en-US" smtClean="0"/>
-              <a:t>6/15/2020</a:t>
+              <a:t>6/16/2020</a:t>
             </a:fld>
             <a:endParaRPr lang="en-US" dirty="0"/>
           </a:p>
@@ -543,7 +4207,7 @@
     </p:spTree>
     <p:extLst>
       <p:ext uri="{BB962C8B-B14F-4D97-AF65-F5344CB8AC3E}">
-        <p14:creationId xmlns:p14="http://schemas.microsoft.com/office/powerpoint/2010/main" val="4195558700"/>
+        <p14:creationId xmlns:p14="http://schemas.microsoft.com/office/powerpoint/2010/main" val="1453018316"/>
       </p:ext>
     </p:extLst>
   </p:cSld>
@@ -721,7 +4385,7 @@
     </p:spTree>
     <p:extLst>
       <p:ext uri="{BB962C8B-B14F-4D97-AF65-F5344CB8AC3E}">
-        <p14:creationId xmlns:p14="http://schemas.microsoft.com/office/powerpoint/2010/main" val="4195558700"/>
+        <p14:creationId xmlns:p14="http://schemas.microsoft.com/office/powerpoint/2010/main" val="435151347"/>
       </p:ext>
     </p:extLst>
   </p:cSld>
@@ -899,7 +4563,96 @@
     </p:spTree>
     <p:extLst>
       <p:ext uri="{BB962C8B-B14F-4D97-AF65-F5344CB8AC3E}">
-        <p14:creationId xmlns:p14="http://schemas.microsoft.com/office/powerpoint/2010/main" val="4195558700"/>
+        <p14:creationId xmlns:p14="http://schemas.microsoft.com/office/powerpoint/2010/main" val="1311431340"/>
+      </p:ext>
+    </p:extLst>
+  </p:cSld>
+  <p:clrMapOvr>
+    <a:masterClrMapping/>
+  </p:clrMapOvr>
+</p:notes>
+</file>
+
+<file path=ppt/notesSlides/notesSlide6.xml><?xml version="1.0" encoding="utf-8"?>
+<p:notes xmlns:a="http://schemas.openxmlformats.org/drawingml/2006/main" xmlns:r="http://schemas.openxmlformats.org/officeDocument/2006/relationships" xmlns:p="http://schemas.openxmlformats.org/presentationml/2006/main">
+  <p:cSld>
+    <p:spTree>
+      <p:nvGrpSpPr>
+        <p:cNvPr id="1" name=""/>
+        <p:cNvGrpSpPr/>
+        <p:nvPr/>
+      </p:nvGrpSpPr>
+      <p:grpSpPr>
+        <a:xfrm>
+          <a:off x="0" y="0"/>
+          <a:ext cx="0" cy="0"/>
+          <a:chOff x="0" y="0"/>
+          <a:chExt cx="0" cy="0"/>
+        </a:xfrm>
+      </p:grpSpPr>
+      <p:sp>
+        <p:nvSpPr>
+          <p:cNvPr id="2" name="Slide Image Placeholder 1"/>
+          <p:cNvSpPr>
+            <a:spLocks noGrp="1" noRot="1" noChangeAspect="1"/>
+          </p:cNvSpPr>
+          <p:nvPr>
+            <p:ph type="sldImg"/>
+          </p:nvPr>
+        </p:nvSpPr>
+        <p:spPr>
+          <a:xfrm>
+            <a:off x="312738" y="685800"/>
+            <a:ext cx="6232525" cy="3429000"/>
+          </a:xfrm>
+        </p:spPr>
+      </p:sp>
+      <p:sp>
+        <p:nvSpPr>
+          <p:cNvPr id="3" name="Notes Placeholder 2"/>
+          <p:cNvSpPr>
+            <a:spLocks noGrp="1"/>
+          </p:cNvSpPr>
+          <p:nvPr>
+            <p:ph type="body" idx="1"/>
+          </p:nvPr>
+        </p:nvSpPr>
+        <p:spPr/>
+        <p:txBody>
+          <a:bodyPr/>
+          <a:lstStyle/>
+          <a:p>
+            <a:endParaRPr lang="en-US" dirty="0"/>
+          </a:p>
+        </p:txBody>
+      </p:sp>
+      <p:sp>
+        <p:nvSpPr>
+          <p:cNvPr id="4" name="Slide Number Placeholder 3"/>
+          <p:cNvSpPr>
+            <a:spLocks noGrp="1"/>
+          </p:cNvSpPr>
+          <p:nvPr>
+            <p:ph type="sldNum" sz="quarter" idx="10"/>
+          </p:nvPr>
+        </p:nvSpPr>
+        <p:spPr/>
+        <p:txBody>
+          <a:bodyPr/>
+          <a:lstStyle/>
+          <a:p>
+            <a:fld id="{A883C400-BD9D-4609-A213-F91E9750031E}" type="slidenum">
+              <a:rPr lang="en-US" smtClean="0"/>
+              <a:t>6</a:t>
+            </a:fld>
+            <a:endParaRPr lang="en-US" dirty="0"/>
+          </a:p>
+        </p:txBody>
+      </p:sp>
+    </p:spTree>
+    <p:extLst>
+      <p:ext uri="{BB962C8B-B14F-4D97-AF65-F5344CB8AC3E}">
+        <p14:creationId xmlns:p14="http://schemas.microsoft.com/office/powerpoint/2010/main" val="510126002"/>
       </p:ext>
     </p:extLst>
   </p:cSld>
@@ -1091,7 +4844,7 @@
             <a:fld id="{1D8BD707-D9CF-40AE-B4C6-C98DA3205C09}" type="datetimeFigureOut">
               <a:rPr lang="en-US" smtClean="0"/>
               <a:pPr/>
-              <a:t>6/15/2020</a:t>
+              <a:t>6/16/2020</a:t>
             </a:fld>
             <a:endParaRPr lang="en-US" dirty="0"/>
           </a:p>
@@ -1263,7 +5016,7 @@
             <a:fld id="{1D8BD707-D9CF-40AE-B4C6-C98DA3205C09}" type="datetimeFigureOut">
               <a:rPr lang="en-US" smtClean="0"/>
               <a:pPr/>
-              <a:t>6/15/2020</a:t>
+              <a:t>6/16/2020</a:t>
             </a:fld>
             <a:endParaRPr lang="en-US" dirty="0"/>
           </a:p>
@@ -1445,7 +5198,7 @@
             <a:fld id="{1D8BD707-D9CF-40AE-B4C6-C98DA3205C09}" type="datetimeFigureOut">
               <a:rPr lang="en-US" smtClean="0"/>
               <a:pPr/>
-              <a:t>6/15/2020</a:t>
+              <a:t>6/16/2020</a:t>
             </a:fld>
             <a:endParaRPr lang="en-US" dirty="0"/>
           </a:p>
@@ -1617,7 +5370,7 @@
             <a:fld id="{1D8BD707-D9CF-40AE-B4C6-C98DA3205C09}" type="datetimeFigureOut">
               <a:rPr lang="en-US" smtClean="0"/>
               <a:pPr/>
-              <a:t>6/15/2020</a:t>
+              <a:t>6/16/2020</a:t>
             </a:fld>
             <a:endParaRPr lang="en-US" dirty="0"/>
           </a:p>
@@ -1865,7 +5618,7 @@
             <a:fld id="{1D8BD707-D9CF-40AE-B4C6-C98DA3205C09}" type="datetimeFigureOut">
               <a:rPr lang="en-US" smtClean="0"/>
               <a:pPr/>
-              <a:t>6/15/2020</a:t>
+              <a:t>6/16/2020</a:t>
             </a:fld>
             <a:endParaRPr lang="en-US" dirty="0"/>
           </a:p>
@@ -2155,7 +5908,7 @@
             <a:fld id="{1D8BD707-D9CF-40AE-B4C6-C98DA3205C09}" type="datetimeFigureOut">
               <a:rPr lang="en-US" smtClean="0"/>
               <a:pPr/>
-              <a:t>6/15/2020</a:t>
+              <a:t>6/16/2020</a:t>
             </a:fld>
             <a:endParaRPr lang="en-US" dirty="0"/>
           </a:p>
@@ -2584,7 +6337,7 @@
             <a:fld id="{1D8BD707-D9CF-40AE-B4C6-C98DA3205C09}" type="datetimeFigureOut">
               <a:rPr lang="en-US" smtClean="0"/>
               <a:pPr/>
-              <a:t>6/15/2020</a:t>
+              <a:t>6/16/2020</a:t>
             </a:fld>
             <a:endParaRPr lang="en-US" dirty="0"/>
           </a:p>
@@ -2704,7 +6457,7 @@
             <a:fld id="{1D8BD707-D9CF-40AE-B4C6-C98DA3205C09}" type="datetimeFigureOut">
               <a:rPr lang="en-US" smtClean="0"/>
               <a:pPr/>
-              <a:t>6/15/2020</a:t>
+              <a:t>6/16/2020</a:t>
             </a:fld>
             <a:endParaRPr lang="en-US" dirty="0"/>
           </a:p>
@@ -2801,7 +6554,7 @@
             <a:fld id="{1D8BD707-D9CF-40AE-B4C6-C98DA3205C09}" type="datetimeFigureOut">
               <a:rPr lang="en-US" smtClean="0"/>
               <a:pPr/>
-              <a:t>6/15/2020</a:t>
+              <a:t>6/16/2020</a:t>
             </a:fld>
             <a:endParaRPr lang="en-US" dirty="0"/>
           </a:p>
@@ -3080,7 +6833,7 @@
             <a:fld id="{1D8BD707-D9CF-40AE-B4C6-C98DA3205C09}" type="datetimeFigureOut">
               <a:rPr lang="en-US" smtClean="0"/>
               <a:pPr/>
-              <a:t>6/15/2020</a:t>
+              <a:t>6/16/2020</a:t>
             </a:fld>
             <a:endParaRPr lang="en-US" dirty="0"/>
           </a:p>
@@ -3335,7 +7088,7 @@
             <a:fld id="{1D8BD707-D9CF-40AE-B4C6-C98DA3205C09}" type="datetimeFigureOut">
               <a:rPr lang="en-US" smtClean="0"/>
               <a:pPr/>
-              <a:t>6/15/2020</a:t>
+              <a:t>6/16/2020</a:t>
             </a:fld>
             <a:endParaRPr lang="en-US" dirty="0"/>
           </a:p>
@@ -3550,7 +7303,7 @@
             <a:fld id="{1D8BD707-D9CF-40AE-B4C6-C98DA3205C09}" type="datetimeFigureOut">
               <a:rPr lang="en-US" smtClean="0"/>
               <a:pPr/>
-              <a:t>6/15/2020</a:t>
+              <a:t>6/16/2020</a:t>
             </a:fld>
             <a:endParaRPr lang="en-US" dirty="0"/>
           </a:p>
@@ -4257,10 +8010,379 @@
           </a:p>
         </p:txBody>
       </p:sp>
+      <p:pic>
+        <p:nvPicPr>
+          <p:cNvPr id="1026" name="Picture 2" descr="Computer PC Full Set"/>
+          <p:cNvPicPr>
+            <a:picLocks noChangeAspect="1" noChangeArrowheads="1"/>
+          </p:cNvPicPr>
+          <p:nvPr/>
+        </p:nvPicPr>
+        <p:blipFill>
+          <a:blip r:embed="rId3">
+            <a:extLst>
+              <a:ext uri="{28A0092B-C50C-407E-A947-70E740481C1C}">
+                <a14:useLocalDpi xmlns:a14="http://schemas.microsoft.com/office/drawing/2010/main" val="0"/>
+              </a:ext>
+            </a:extLst>
+          </a:blip>
+          <a:srcRect/>
+          <a:stretch>
+            <a:fillRect/>
+          </a:stretch>
+        </p:blipFill>
+        <p:spPr bwMode="auto">
+          <a:xfrm>
+            <a:off x="469900" y="2247900"/>
+            <a:ext cx="2313902" cy="2819400"/>
+          </a:xfrm>
+          <a:prstGeom prst="rect">
+            <a:avLst/>
+          </a:prstGeom>
+          <a:noFill/>
+          <a:extLst>
+            <a:ext uri="{909E8E84-426E-40DD-AFC4-6F175D3DCCD1}">
+              <a14:hiddenFill xmlns:a14="http://schemas.microsoft.com/office/drawing/2010/main">
+                <a:solidFill>
+                  <a:srgbClr val="FFFFFF"/>
+                </a:solidFill>
+              </a14:hiddenFill>
+            </a:ext>
+          </a:extLst>
+        </p:spPr>
+      </p:pic>
+      <p:pic>
+        <p:nvPicPr>
+          <p:cNvPr id="1028" name="Picture 4" descr="So just what is a &quot;Server&quot; anyway? - Ask Leo!"/>
+          <p:cNvPicPr>
+            <a:picLocks noChangeAspect="1" noChangeArrowheads="1"/>
+          </p:cNvPicPr>
+          <p:nvPr/>
+        </p:nvPicPr>
+        <p:blipFill>
+          <a:blip r:embed="rId4">
+            <a:extLst>
+              <a:ext uri="{28A0092B-C50C-407E-A947-70E740481C1C}">
+                <a14:useLocalDpi xmlns:a14="http://schemas.microsoft.com/office/drawing/2010/main" val="0"/>
+              </a:ext>
+            </a:extLst>
+          </a:blip>
+          <a:srcRect/>
+          <a:stretch>
+            <a:fillRect/>
+          </a:stretch>
+        </p:blipFill>
+        <p:spPr bwMode="auto">
+          <a:xfrm>
+            <a:off x="7120852" y="2552700"/>
+            <a:ext cx="1295400" cy="2196999"/>
+          </a:xfrm>
+          <a:prstGeom prst="rect">
+            <a:avLst/>
+          </a:prstGeom>
+          <a:noFill/>
+          <a:extLst>
+            <a:ext uri="{909E8E84-426E-40DD-AFC4-6F175D3DCCD1}">
+              <a14:hiddenFill xmlns:a14="http://schemas.microsoft.com/office/drawing/2010/main">
+                <a:solidFill>
+                  <a:srgbClr val="FFFFFF"/>
+                </a:solidFill>
+              </a14:hiddenFill>
+            </a:ext>
+          </a:extLst>
+        </p:spPr>
+      </p:pic>
+      <p:pic>
+        <p:nvPicPr>
+          <p:cNvPr id="1030" name="Picture 6" descr="Cloud Computing Architecture Internet Computer Network Clip Art ..."/>
+          <p:cNvPicPr>
+            <a:picLocks noChangeAspect="1" noChangeArrowheads="1"/>
+          </p:cNvPicPr>
+          <p:nvPr/>
+        </p:nvPicPr>
+        <p:blipFill>
+          <a:blip r:embed="rId5" cstate="print">
+            <a:extLst>
+              <a:ext uri="{28A0092B-C50C-407E-A947-70E740481C1C}">
+                <a14:useLocalDpi xmlns:a14="http://schemas.microsoft.com/office/drawing/2010/main" val="0"/>
+              </a:ext>
+            </a:extLst>
+          </a:blip>
+          <a:srcRect/>
+          <a:stretch>
+            <a:fillRect/>
+          </a:stretch>
+        </p:blipFill>
+        <p:spPr bwMode="auto">
+          <a:xfrm>
+            <a:off x="3234652" y="2676525"/>
+            <a:ext cx="2971800" cy="2221605"/>
+          </a:xfrm>
+          <a:prstGeom prst="rect">
+            <a:avLst/>
+          </a:prstGeom>
+          <a:noFill/>
+          <a:extLst>
+            <a:ext uri="{909E8E84-426E-40DD-AFC4-6F175D3DCCD1}">
+              <a14:hiddenFill xmlns:a14="http://schemas.microsoft.com/office/drawing/2010/main">
+                <a:solidFill>
+                  <a:srgbClr val="FFFFFF"/>
+                </a:solidFill>
+              </a14:hiddenFill>
+            </a:ext>
+          </a:extLst>
+        </p:spPr>
+      </p:pic>
+      <p:cxnSp>
+        <p:nvCxnSpPr>
+          <p:cNvPr id="5" name="Straight Arrow Connector 4"/>
+          <p:cNvCxnSpPr/>
+          <p:nvPr/>
+        </p:nvCxnSpPr>
+        <p:spPr>
+          <a:xfrm>
+            <a:off x="2625052" y="3009900"/>
+            <a:ext cx="4724400" cy="0"/>
+          </a:xfrm>
+          <a:prstGeom prst="straightConnector1">
+            <a:avLst/>
+          </a:prstGeom>
+          <a:ln>
+            <a:tailEnd type="triangle"/>
+          </a:ln>
+        </p:spPr>
+        <p:style>
+          <a:lnRef idx="2">
+            <a:schemeClr val="accent2"/>
+          </a:lnRef>
+          <a:fillRef idx="0">
+            <a:schemeClr val="accent2"/>
+          </a:fillRef>
+          <a:effectRef idx="1">
+            <a:schemeClr val="accent2"/>
+          </a:effectRef>
+          <a:fontRef idx="minor">
+            <a:schemeClr val="tx1"/>
+          </a:fontRef>
+        </p:style>
+      </p:cxnSp>
+      <p:cxnSp>
+        <p:nvCxnSpPr>
+          <p:cNvPr id="8" name="Straight Arrow Connector 7"/>
+          <p:cNvCxnSpPr/>
+          <p:nvPr/>
+        </p:nvCxnSpPr>
+        <p:spPr>
+          <a:xfrm flipH="1" flipV="1">
+            <a:off x="2548852" y="4221163"/>
+            <a:ext cx="4876800" cy="7937"/>
+          </a:xfrm>
+          <a:prstGeom prst="straightConnector1">
+            <a:avLst/>
+          </a:prstGeom>
+          <a:ln>
+            <a:tailEnd type="triangle"/>
+          </a:ln>
+        </p:spPr>
+        <p:style>
+          <a:lnRef idx="2">
+            <a:schemeClr val="accent2"/>
+          </a:lnRef>
+          <a:fillRef idx="0">
+            <a:schemeClr val="accent2"/>
+          </a:fillRef>
+          <a:effectRef idx="1">
+            <a:schemeClr val="accent2"/>
+          </a:effectRef>
+          <a:fontRef idx="minor">
+            <a:schemeClr val="tx1"/>
+          </a:fontRef>
+        </p:style>
+      </p:cxnSp>
+      <p:sp>
+        <p:nvSpPr>
+          <p:cNvPr id="13" name="TextBox 12"/>
+          <p:cNvSpPr txBox="1"/>
+          <p:nvPr/>
+        </p:nvSpPr>
+        <p:spPr>
+          <a:xfrm>
+            <a:off x="3539452" y="2581275"/>
+            <a:ext cx="2266711" cy="276999"/>
+          </a:xfrm>
+          <a:prstGeom prst="rect">
+            <a:avLst/>
+          </a:prstGeom>
+        </p:spPr>
+        <p:style>
+          <a:lnRef idx="1">
+            <a:schemeClr val="accent6"/>
+          </a:lnRef>
+          <a:fillRef idx="2">
+            <a:schemeClr val="accent6"/>
+          </a:fillRef>
+          <a:effectRef idx="1">
+            <a:schemeClr val="accent6"/>
+          </a:effectRef>
+          <a:fontRef idx="minor">
+            <a:schemeClr val="dk1"/>
+          </a:fontRef>
+        </p:style>
+        <p:txBody>
+          <a:bodyPr wrap="none" rtlCol="0">
+            <a:spAutoFit/>
+          </a:bodyPr>
+          <a:lstStyle/>
+          <a:p>
+            <a:r>
+              <a:rPr lang="en-US" sz="1200" dirty="0" smtClean="0"/>
+              <a:t>Request from Client to the Server</a:t>
+            </a:r>
+            <a:endParaRPr lang="en-US" sz="1200" dirty="0"/>
+          </a:p>
+        </p:txBody>
+      </p:sp>
+      <p:sp>
+        <p:nvSpPr>
+          <p:cNvPr id="18" name="TextBox 17"/>
+          <p:cNvSpPr txBox="1"/>
+          <p:nvPr/>
+        </p:nvSpPr>
+        <p:spPr>
+          <a:xfrm>
+            <a:off x="3698202" y="4357647"/>
+            <a:ext cx="2359813" cy="276999"/>
+          </a:xfrm>
+          <a:prstGeom prst="rect">
+            <a:avLst/>
+          </a:prstGeom>
+        </p:spPr>
+        <p:style>
+          <a:lnRef idx="1">
+            <a:schemeClr val="accent6"/>
+          </a:lnRef>
+          <a:fillRef idx="2">
+            <a:schemeClr val="accent6"/>
+          </a:fillRef>
+          <a:effectRef idx="1">
+            <a:schemeClr val="accent6"/>
+          </a:effectRef>
+          <a:fontRef idx="minor">
+            <a:schemeClr val="dk1"/>
+          </a:fontRef>
+        </p:style>
+        <p:txBody>
+          <a:bodyPr wrap="none" rtlCol="0">
+            <a:spAutoFit/>
+          </a:bodyPr>
+          <a:lstStyle/>
+          <a:p>
+            <a:r>
+              <a:rPr lang="en-US" sz="1200" dirty="0" smtClean="0"/>
+              <a:t>Response from Server to the Client</a:t>
+            </a:r>
+            <a:endParaRPr lang="en-US" sz="1200" dirty="0"/>
+          </a:p>
+        </p:txBody>
+      </p:sp>
+      <p:sp>
+        <p:nvSpPr>
+          <p:cNvPr id="15" name="Rounded Rectangle 14"/>
+          <p:cNvSpPr/>
+          <p:nvPr/>
+        </p:nvSpPr>
+        <p:spPr>
+          <a:xfrm>
+            <a:off x="155575" y="396102"/>
+            <a:ext cx="8836025" cy="1182768"/>
+          </a:xfrm>
+          <a:prstGeom prst="roundRect">
+            <a:avLst/>
+          </a:prstGeom>
+          <a:ln w="3175"/>
+        </p:spPr>
+        <p:style>
+          <a:lnRef idx="2">
+            <a:schemeClr val="accent4"/>
+          </a:lnRef>
+          <a:fillRef idx="1">
+            <a:schemeClr val="lt1"/>
+          </a:fillRef>
+          <a:effectRef idx="0">
+            <a:schemeClr val="accent4"/>
+          </a:effectRef>
+          <a:fontRef idx="minor">
+            <a:schemeClr val="dk1"/>
+          </a:fontRef>
+        </p:style>
+        <p:txBody>
+          <a:bodyPr rtlCol="0" anchor="ctr"/>
+          <a:lstStyle/>
+          <a:p>
+            <a:pPr marL="171450" indent="-171450">
+              <a:buFont typeface="Wingdings" panose="05000000000000000000" pitchFamily="2" charset="2"/>
+              <a:buChar char="ü"/>
+            </a:pPr>
+            <a:endParaRPr lang="en-US" sz="1200" b="1" dirty="0" smtClean="0"/>
+          </a:p>
+          <a:p>
+            <a:pPr marL="171450" indent="-171450">
+              <a:buFont typeface="Wingdings" panose="05000000000000000000" pitchFamily="2" charset="2"/>
+              <a:buChar char="ü"/>
+            </a:pPr>
+            <a:r>
+              <a:rPr lang="en-US" sz="1200" b="1" dirty="0" smtClean="0"/>
+              <a:t>Web </a:t>
+            </a:r>
+            <a:r>
+              <a:rPr lang="en-US" sz="1200" b="1" dirty="0"/>
+              <a:t>service</a:t>
+            </a:r>
+            <a:r>
+              <a:rPr lang="en-US" sz="1200" dirty="0"/>
+              <a:t> is a standardized medium to propagate communication between the client and server applications on the World Wide Web. A web service is a software module that is designed to perform a certain set of tasks</a:t>
+            </a:r>
+            <a:r>
+              <a:rPr lang="en-US" sz="1200" dirty="0" smtClean="0"/>
+              <a:t>.</a:t>
+            </a:r>
+          </a:p>
+          <a:p>
+            <a:pPr marL="171450" indent="-171450">
+              <a:buFont typeface="Wingdings" panose="05000000000000000000" pitchFamily="2" charset="2"/>
+              <a:buChar char="ü"/>
+            </a:pPr>
+            <a:endParaRPr lang="en-US" sz="1200" dirty="0"/>
+          </a:p>
+          <a:p>
+            <a:pPr marL="171450" indent="-171450">
+              <a:buFont typeface="Wingdings" panose="05000000000000000000" pitchFamily="2" charset="2"/>
+              <a:buChar char="ü"/>
+            </a:pPr>
+            <a:r>
+              <a:rPr lang="en-US" sz="1200" dirty="0"/>
+              <a:t>The web services can be searched for over the network and can also be invoked </a:t>
+            </a:r>
+            <a:r>
+              <a:rPr lang="en-US" sz="1200" dirty="0" smtClean="0"/>
+              <a:t>accordingly. When </a:t>
+            </a:r>
+            <a:r>
+              <a:rPr lang="en-US" sz="1200" dirty="0"/>
+              <a:t>invoked, the web service would be able to provide the functionality to the client, which invokes that web service</a:t>
+            </a:r>
+            <a:r>
+              <a:rPr lang="en-US" sz="1200" dirty="0" smtClean="0"/>
+              <a:t>.</a:t>
+            </a:r>
+            <a:endParaRPr lang="en-US" sz="1200" dirty="0"/>
+          </a:p>
+        </p:txBody>
+      </p:sp>
     </p:spTree>
     <p:extLst>
       <p:ext uri="{BB962C8B-B14F-4D97-AF65-F5344CB8AC3E}">
-        <p14:creationId xmlns:p14="http://schemas.microsoft.com/office/powerpoint/2010/main" val="143250032"/>
+        <p14:creationId xmlns:p14="http://schemas.microsoft.com/office/powerpoint/2010/main" val="1212824571"/>
       </p:ext>
     </p:extLst>
   </p:cSld>
@@ -4633,10 +8755,440 @@
           </a:p>
         </p:txBody>
       </p:sp>
+      <p:pic>
+        <p:nvPicPr>
+          <p:cNvPr id="1026" name="Picture 2" descr="Computer PC Full Set"/>
+          <p:cNvPicPr>
+            <a:picLocks noChangeAspect="1" noChangeArrowheads="1"/>
+          </p:cNvPicPr>
+          <p:nvPr/>
+        </p:nvPicPr>
+        <p:blipFill>
+          <a:blip r:embed="rId3">
+            <a:extLst>
+              <a:ext uri="{28A0092B-C50C-407E-A947-70E740481C1C}">
+                <a14:useLocalDpi xmlns:a14="http://schemas.microsoft.com/office/drawing/2010/main" val="0"/>
+              </a:ext>
+            </a:extLst>
+          </a:blip>
+          <a:srcRect/>
+          <a:stretch>
+            <a:fillRect/>
+          </a:stretch>
+        </p:blipFill>
+        <p:spPr bwMode="auto">
+          <a:xfrm>
+            <a:off x="469900" y="2485911"/>
+            <a:ext cx="2313902" cy="2819400"/>
+          </a:xfrm>
+          <a:prstGeom prst="rect">
+            <a:avLst/>
+          </a:prstGeom>
+          <a:noFill/>
+          <a:extLst>
+            <a:ext uri="{909E8E84-426E-40DD-AFC4-6F175D3DCCD1}">
+              <a14:hiddenFill xmlns:a14="http://schemas.microsoft.com/office/drawing/2010/main">
+                <a:solidFill>
+                  <a:srgbClr val="FFFFFF"/>
+                </a:solidFill>
+              </a14:hiddenFill>
+            </a:ext>
+          </a:extLst>
+        </p:spPr>
+      </p:pic>
+      <p:pic>
+        <p:nvPicPr>
+          <p:cNvPr id="1028" name="Picture 4" descr="So just what is a &quot;Server&quot; anyway? - Ask Leo!"/>
+          <p:cNvPicPr>
+            <a:picLocks noChangeAspect="1" noChangeArrowheads="1"/>
+          </p:cNvPicPr>
+          <p:nvPr/>
+        </p:nvPicPr>
+        <p:blipFill>
+          <a:blip r:embed="rId4">
+            <a:extLst>
+              <a:ext uri="{28A0092B-C50C-407E-A947-70E740481C1C}">
+                <a14:useLocalDpi xmlns:a14="http://schemas.microsoft.com/office/drawing/2010/main" val="0"/>
+              </a:ext>
+            </a:extLst>
+          </a:blip>
+          <a:srcRect/>
+          <a:stretch>
+            <a:fillRect/>
+          </a:stretch>
+        </p:blipFill>
+        <p:spPr bwMode="auto">
+          <a:xfrm>
+            <a:off x="7120852" y="2790711"/>
+            <a:ext cx="1295400" cy="2196999"/>
+          </a:xfrm>
+          <a:prstGeom prst="rect">
+            <a:avLst/>
+          </a:prstGeom>
+          <a:noFill/>
+          <a:extLst>
+            <a:ext uri="{909E8E84-426E-40DD-AFC4-6F175D3DCCD1}">
+              <a14:hiddenFill xmlns:a14="http://schemas.microsoft.com/office/drawing/2010/main">
+                <a:solidFill>
+                  <a:srgbClr val="FFFFFF"/>
+                </a:solidFill>
+              </a14:hiddenFill>
+            </a:ext>
+          </a:extLst>
+        </p:spPr>
+      </p:pic>
+      <p:pic>
+        <p:nvPicPr>
+          <p:cNvPr id="1030" name="Picture 6" descr="Cloud Computing Architecture Internet Computer Network Clip Art ..."/>
+          <p:cNvPicPr>
+            <a:picLocks noChangeAspect="1" noChangeArrowheads="1"/>
+          </p:cNvPicPr>
+          <p:nvPr/>
+        </p:nvPicPr>
+        <p:blipFill>
+          <a:blip r:embed="rId5" cstate="print">
+            <a:extLst>
+              <a:ext uri="{28A0092B-C50C-407E-A947-70E740481C1C}">
+                <a14:useLocalDpi xmlns:a14="http://schemas.microsoft.com/office/drawing/2010/main" val="0"/>
+              </a:ext>
+            </a:extLst>
+          </a:blip>
+          <a:srcRect/>
+          <a:stretch>
+            <a:fillRect/>
+          </a:stretch>
+        </p:blipFill>
+        <p:spPr bwMode="auto">
+          <a:xfrm>
+            <a:off x="3234652" y="2914536"/>
+            <a:ext cx="2971800" cy="2221605"/>
+          </a:xfrm>
+          <a:prstGeom prst="rect">
+            <a:avLst/>
+          </a:prstGeom>
+          <a:noFill/>
+          <a:extLst>
+            <a:ext uri="{909E8E84-426E-40DD-AFC4-6F175D3DCCD1}">
+              <a14:hiddenFill xmlns:a14="http://schemas.microsoft.com/office/drawing/2010/main">
+                <a:solidFill>
+                  <a:srgbClr val="FFFFFF"/>
+                </a:solidFill>
+              </a14:hiddenFill>
+            </a:ext>
+          </a:extLst>
+        </p:spPr>
+      </p:pic>
+      <p:cxnSp>
+        <p:nvCxnSpPr>
+          <p:cNvPr id="5" name="Straight Arrow Connector 4"/>
+          <p:cNvCxnSpPr/>
+          <p:nvPr/>
+        </p:nvCxnSpPr>
+        <p:spPr>
+          <a:xfrm>
+            <a:off x="2625052" y="3247911"/>
+            <a:ext cx="4724400" cy="0"/>
+          </a:xfrm>
+          <a:prstGeom prst="straightConnector1">
+            <a:avLst/>
+          </a:prstGeom>
+          <a:ln>
+            <a:tailEnd type="triangle"/>
+          </a:ln>
+        </p:spPr>
+        <p:style>
+          <a:lnRef idx="2">
+            <a:schemeClr val="accent2"/>
+          </a:lnRef>
+          <a:fillRef idx="0">
+            <a:schemeClr val="accent2"/>
+          </a:fillRef>
+          <a:effectRef idx="1">
+            <a:schemeClr val="accent2"/>
+          </a:effectRef>
+          <a:fontRef idx="minor">
+            <a:schemeClr val="tx1"/>
+          </a:fontRef>
+        </p:style>
+      </p:cxnSp>
+      <p:cxnSp>
+        <p:nvCxnSpPr>
+          <p:cNvPr id="8" name="Straight Arrow Connector 7"/>
+          <p:cNvCxnSpPr/>
+          <p:nvPr/>
+        </p:nvCxnSpPr>
+        <p:spPr>
+          <a:xfrm flipH="1" flipV="1">
+            <a:off x="2548852" y="4459174"/>
+            <a:ext cx="4876800" cy="7937"/>
+          </a:xfrm>
+          <a:prstGeom prst="straightConnector1">
+            <a:avLst/>
+          </a:prstGeom>
+          <a:ln>
+            <a:tailEnd type="triangle"/>
+          </a:ln>
+        </p:spPr>
+        <p:style>
+          <a:lnRef idx="2">
+            <a:schemeClr val="accent2"/>
+          </a:lnRef>
+          <a:fillRef idx="0">
+            <a:schemeClr val="accent2"/>
+          </a:fillRef>
+          <a:effectRef idx="1">
+            <a:schemeClr val="accent2"/>
+          </a:effectRef>
+          <a:fontRef idx="minor">
+            <a:schemeClr val="tx1"/>
+          </a:fontRef>
+        </p:style>
+      </p:cxnSp>
+      <p:sp>
+        <p:nvSpPr>
+          <p:cNvPr id="13" name="TextBox 12"/>
+          <p:cNvSpPr txBox="1"/>
+          <p:nvPr/>
+        </p:nvSpPr>
+        <p:spPr>
+          <a:xfrm>
+            <a:off x="3539452" y="2819286"/>
+            <a:ext cx="2266711" cy="276999"/>
+          </a:xfrm>
+          <a:prstGeom prst="rect">
+            <a:avLst/>
+          </a:prstGeom>
+        </p:spPr>
+        <p:style>
+          <a:lnRef idx="1">
+            <a:schemeClr val="accent6"/>
+          </a:lnRef>
+          <a:fillRef idx="2">
+            <a:schemeClr val="accent6"/>
+          </a:fillRef>
+          <a:effectRef idx="1">
+            <a:schemeClr val="accent6"/>
+          </a:effectRef>
+          <a:fontRef idx="minor">
+            <a:schemeClr val="dk1"/>
+          </a:fontRef>
+        </p:style>
+        <p:txBody>
+          <a:bodyPr wrap="none" rtlCol="0">
+            <a:spAutoFit/>
+          </a:bodyPr>
+          <a:lstStyle/>
+          <a:p>
+            <a:r>
+              <a:rPr lang="en-US" sz="1200" dirty="0" smtClean="0"/>
+              <a:t>Request from Client to the Server</a:t>
+            </a:r>
+            <a:endParaRPr lang="en-US" sz="1200" dirty="0"/>
+          </a:p>
+        </p:txBody>
+      </p:sp>
+      <p:sp>
+        <p:nvSpPr>
+          <p:cNvPr id="18" name="TextBox 17"/>
+          <p:cNvSpPr txBox="1"/>
+          <p:nvPr/>
+        </p:nvSpPr>
+        <p:spPr>
+          <a:xfrm>
+            <a:off x="3698202" y="4595658"/>
+            <a:ext cx="2359813" cy="276999"/>
+          </a:xfrm>
+          <a:prstGeom prst="rect">
+            <a:avLst/>
+          </a:prstGeom>
+        </p:spPr>
+        <p:style>
+          <a:lnRef idx="1">
+            <a:schemeClr val="accent6"/>
+          </a:lnRef>
+          <a:fillRef idx="2">
+            <a:schemeClr val="accent6"/>
+          </a:fillRef>
+          <a:effectRef idx="1">
+            <a:schemeClr val="accent6"/>
+          </a:effectRef>
+          <a:fontRef idx="minor">
+            <a:schemeClr val="dk1"/>
+          </a:fontRef>
+        </p:style>
+        <p:txBody>
+          <a:bodyPr wrap="none" rtlCol="0">
+            <a:spAutoFit/>
+          </a:bodyPr>
+          <a:lstStyle/>
+          <a:p>
+            <a:r>
+              <a:rPr lang="en-US" sz="1200" dirty="0" smtClean="0"/>
+              <a:t>Response from Server to the Client</a:t>
+            </a:r>
+            <a:endParaRPr lang="en-US" sz="1200" dirty="0"/>
+          </a:p>
+        </p:txBody>
+      </p:sp>
+      <p:sp>
+        <p:nvSpPr>
+          <p:cNvPr id="15" name="Rounded Rectangle 14"/>
+          <p:cNvSpPr/>
+          <p:nvPr/>
+        </p:nvSpPr>
+        <p:spPr>
+          <a:xfrm>
+            <a:off x="155575" y="426611"/>
+            <a:ext cx="8836025" cy="1504916"/>
+          </a:xfrm>
+          <a:prstGeom prst="roundRect">
+            <a:avLst/>
+          </a:prstGeom>
+          <a:ln w="3175"/>
+        </p:spPr>
+        <p:style>
+          <a:lnRef idx="2">
+            <a:schemeClr val="accent4"/>
+          </a:lnRef>
+          <a:fillRef idx="1">
+            <a:schemeClr val="lt1"/>
+          </a:fillRef>
+          <a:effectRef idx="0">
+            <a:schemeClr val="accent4"/>
+          </a:effectRef>
+          <a:fontRef idx="minor">
+            <a:schemeClr val="dk1"/>
+          </a:fontRef>
+        </p:style>
+        <p:txBody>
+          <a:bodyPr rtlCol="0" anchor="ctr"/>
+          <a:lstStyle/>
+          <a:p>
+            <a:endParaRPr lang="en-US" sz="1200" dirty="0" smtClean="0"/>
+          </a:p>
+          <a:p>
+            <a:pPr marL="171450" indent="-171450">
+              <a:buFont typeface="Wingdings" panose="05000000000000000000" pitchFamily="2" charset="2"/>
+              <a:buChar char="ü"/>
+            </a:pPr>
+            <a:r>
+              <a:rPr lang="en-US" sz="1200" dirty="0"/>
+              <a:t>The </a:t>
+            </a:r>
+            <a:r>
+              <a:rPr lang="en-US" sz="1200" dirty="0" smtClean="0"/>
+              <a:t>below diagram </a:t>
+            </a:r>
+            <a:r>
+              <a:rPr lang="en-US" sz="1200" dirty="0"/>
+              <a:t>shows a very simplistic view of how a web service would actually work. The client would invoke a series of web service calls via requests to a server which would host the actual web service</a:t>
+            </a:r>
+            <a:r>
+              <a:rPr lang="en-US" sz="1200" dirty="0" smtClean="0"/>
+              <a:t>.</a:t>
+            </a:r>
+          </a:p>
+          <a:p>
+            <a:pPr marL="171450" indent="-171450">
+              <a:buFont typeface="Wingdings" panose="05000000000000000000" pitchFamily="2" charset="2"/>
+              <a:buChar char="ü"/>
+            </a:pPr>
+            <a:endParaRPr lang="en-US" sz="1200" dirty="0"/>
+          </a:p>
+          <a:p>
+            <a:pPr marL="171450" indent="-171450">
+              <a:buFont typeface="Wingdings" panose="05000000000000000000" pitchFamily="2" charset="2"/>
+              <a:buChar char="ü"/>
+            </a:pPr>
+            <a:r>
+              <a:rPr lang="en-US" sz="1200" dirty="0"/>
+              <a:t>These requests are made through what is known as </a:t>
+            </a:r>
+            <a:r>
+              <a:rPr lang="en-US" sz="1200" dirty="0">
+                <a:solidFill>
+                  <a:srgbClr val="FF0000"/>
+                </a:solidFill>
+              </a:rPr>
+              <a:t>remote procedure calls</a:t>
+            </a:r>
+            <a:r>
+              <a:rPr lang="en-US" sz="1200" dirty="0"/>
+              <a:t>. </a:t>
+            </a:r>
+            <a:r>
+              <a:rPr lang="en-US" sz="1200" dirty="0">
+                <a:solidFill>
+                  <a:srgbClr val="FF0000"/>
+                </a:solidFill>
+              </a:rPr>
+              <a:t>Remote Procedure Calls(RPC) </a:t>
+            </a:r>
+            <a:r>
+              <a:rPr lang="en-US" sz="1200" dirty="0"/>
+              <a:t>are calls made to methods which are hosted by the relevant web service</a:t>
+            </a:r>
+            <a:r>
+              <a:rPr lang="en-US" sz="1200" dirty="0" smtClean="0"/>
+              <a:t>.</a:t>
+            </a:r>
+            <a:br>
+              <a:rPr lang="en-US" sz="1200" dirty="0" smtClean="0"/>
+            </a:br>
+            <a:endParaRPr lang="en-US" sz="1200" dirty="0"/>
+          </a:p>
+        </p:txBody>
+      </p:sp>
+      <p:sp>
+        <p:nvSpPr>
+          <p:cNvPr id="16" name="Rounded Rectangular Callout 15"/>
+          <p:cNvSpPr/>
+          <p:nvPr/>
+        </p:nvSpPr>
+        <p:spPr>
+          <a:xfrm>
+            <a:off x="8077200" y="2514600"/>
+            <a:ext cx="914400" cy="612648"/>
+          </a:xfrm>
+          <a:prstGeom prst="wedgeRoundRectCallout">
+            <a:avLst>
+              <a:gd name="adj1" fmla="val -73958"/>
+              <a:gd name="adj2" fmla="val 90485"/>
+              <a:gd name="adj3" fmla="val 16667"/>
+            </a:avLst>
+          </a:prstGeom>
+        </p:spPr>
+        <p:style>
+          <a:lnRef idx="3">
+            <a:schemeClr val="lt1"/>
+          </a:lnRef>
+          <a:fillRef idx="1">
+            <a:schemeClr val="accent2"/>
+          </a:fillRef>
+          <a:effectRef idx="1">
+            <a:schemeClr val="accent2"/>
+          </a:effectRef>
+          <a:fontRef idx="minor">
+            <a:schemeClr val="lt1"/>
+          </a:fontRef>
+        </p:style>
+        <p:txBody>
+          <a:bodyPr rtlCol="0" anchor="ctr"/>
+          <a:lstStyle/>
+          <a:p>
+            <a:pPr algn="ctr"/>
+            <a:r>
+              <a:rPr lang="en-US" sz="1100" dirty="0" smtClean="0"/>
+              <a:t>Host the Web Service</a:t>
+            </a:r>
+            <a:endParaRPr lang="en-US" sz="1100" dirty="0"/>
+          </a:p>
+        </p:txBody>
+      </p:sp>
     </p:spTree>
     <p:extLst>
       <p:ext uri="{BB962C8B-B14F-4D97-AF65-F5344CB8AC3E}">
-        <p14:creationId xmlns:p14="http://schemas.microsoft.com/office/powerpoint/2010/main" val="3987224997"/>
+        <p14:creationId xmlns:p14="http://schemas.microsoft.com/office/powerpoint/2010/main" val="143250032"/>
       </p:ext>
     </p:extLst>
   </p:cSld>
@@ -5009,10 +9561,671 @@
           </a:p>
         </p:txBody>
       </p:sp>
+      <p:pic>
+        <p:nvPicPr>
+          <p:cNvPr id="1026" name="Picture 2" descr="Computer PC Full Set"/>
+          <p:cNvPicPr>
+            <a:picLocks noChangeAspect="1" noChangeArrowheads="1"/>
+          </p:cNvPicPr>
+          <p:nvPr/>
+        </p:nvPicPr>
+        <p:blipFill>
+          <a:blip r:embed="rId3">
+            <a:extLst>
+              <a:ext uri="{28A0092B-C50C-407E-A947-70E740481C1C}">
+                <a14:useLocalDpi xmlns:a14="http://schemas.microsoft.com/office/drawing/2010/main" val="0"/>
+              </a:ext>
+            </a:extLst>
+          </a:blip>
+          <a:srcRect/>
+          <a:stretch>
+            <a:fillRect/>
+          </a:stretch>
+        </p:blipFill>
+        <p:spPr bwMode="auto">
+          <a:xfrm>
+            <a:off x="469900" y="2485911"/>
+            <a:ext cx="2313902" cy="2819400"/>
+          </a:xfrm>
+          <a:prstGeom prst="rect">
+            <a:avLst/>
+          </a:prstGeom>
+          <a:noFill/>
+          <a:extLst>
+            <a:ext uri="{909E8E84-426E-40DD-AFC4-6F175D3DCCD1}">
+              <a14:hiddenFill xmlns:a14="http://schemas.microsoft.com/office/drawing/2010/main">
+                <a:solidFill>
+                  <a:srgbClr val="FFFFFF"/>
+                </a:solidFill>
+              </a14:hiddenFill>
+            </a:ext>
+          </a:extLst>
+        </p:spPr>
+      </p:pic>
+      <p:pic>
+        <p:nvPicPr>
+          <p:cNvPr id="1028" name="Picture 4" descr="So just what is a &quot;Server&quot; anyway? - Ask Leo!"/>
+          <p:cNvPicPr>
+            <a:picLocks noChangeAspect="1" noChangeArrowheads="1"/>
+          </p:cNvPicPr>
+          <p:nvPr/>
+        </p:nvPicPr>
+        <p:blipFill>
+          <a:blip r:embed="rId4">
+            <a:extLst>
+              <a:ext uri="{28A0092B-C50C-407E-A947-70E740481C1C}">
+                <a14:useLocalDpi xmlns:a14="http://schemas.microsoft.com/office/drawing/2010/main" val="0"/>
+              </a:ext>
+            </a:extLst>
+          </a:blip>
+          <a:srcRect/>
+          <a:stretch>
+            <a:fillRect/>
+          </a:stretch>
+        </p:blipFill>
+        <p:spPr bwMode="auto">
+          <a:xfrm>
+            <a:off x="7120852" y="2790711"/>
+            <a:ext cx="1295400" cy="2196999"/>
+          </a:xfrm>
+          <a:prstGeom prst="rect">
+            <a:avLst/>
+          </a:prstGeom>
+          <a:noFill/>
+          <a:extLst>
+            <a:ext uri="{909E8E84-426E-40DD-AFC4-6F175D3DCCD1}">
+              <a14:hiddenFill xmlns:a14="http://schemas.microsoft.com/office/drawing/2010/main">
+                <a:solidFill>
+                  <a:srgbClr val="FFFFFF"/>
+                </a:solidFill>
+              </a14:hiddenFill>
+            </a:ext>
+          </a:extLst>
+        </p:spPr>
+      </p:pic>
+      <p:pic>
+        <p:nvPicPr>
+          <p:cNvPr id="1030" name="Picture 6" descr="Cloud Computing Architecture Internet Computer Network Clip Art ..."/>
+          <p:cNvPicPr>
+            <a:picLocks noChangeAspect="1" noChangeArrowheads="1"/>
+          </p:cNvPicPr>
+          <p:nvPr/>
+        </p:nvPicPr>
+        <p:blipFill>
+          <a:blip r:embed="rId5" cstate="print">
+            <a:extLst>
+              <a:ext uri="{28A0092B-C50C-407E-A947-70E740481C1C}">
+                <a14:useLocalDpi xmlns:a14="http://schemas.microsoft.com/office/drawing/2010/main" val="0"/>
+              </a:ext>
+            </a:extLst>
+          </a:blip>
+          <a:srcRect/>
+          <a:stretch>
+            <a:fillRect/>
+          </a:stretch>
+        </p:blipFill>
+        <p:spPr bwMode="auto">
+          <a:xfrm>
+            <a:off x="3234652" y="2914536"/>
+            <a:ext cx="2971800" cy="2221605"/>
+          </a:xfrm>
+          <a:prstGeom prst="rect">
+            <a:avLst/>
+          </a:prstGeom>
+          <a:noFill/>
+          <a:extLst>
+            <a:ext uri="{909E8E84-426E-40DD-AFC4-6F175D3DCCD1}">
+              <a14:hiddenFill xmlns:a14="http://schemas.microsoft.com/office/drawing/2010/main">
+                <a:solidFill>
+                  <a:srgbClr val="FFFFFF"/>
+                </a:solidFill>
+              </a14:hiddenFill>
+            </a:ext>
+          </a:extLst>
+        </p:spPr>
+      </p:pic>
+      <p:cxnSp>
+        <p:nvCxnSpPr>
+          <p:cNvPr id="5" name="Straight Arrow Connector 4"/>
+          <p:cNvCxnSpPr/>
+          <p:nvPr/>
+        </p:nvCxnSpPr>
+        <p:spPr>
+          <a:xfrm>
+            <a:off x="2625052" y="3247911"/>
+            <a:ext cx="4724400" cy="0"/>
+          </a:xfrm>
+          <a:prstGeom prst="straightConnector1">
+            <a:avLst/>
+          </a:prstGeom>
+          <a:ln>
+            <a:tailEnd type="triangle"/>
+          </a:ln>
+        </p:spPr>
+        <p:style>
+          <a:lnRef idx="2">
+            <a:schemeClr val="accent2"/>
+          </a:lnRef>
+          <a:fillRef idx="0">
+            <a:schemeClr val="accent2"/>
+          </a:fillRef>
+          <a:effectRef idx="1">
+            <a:schemeClr val="accent2"/>
+          </a:effectRef>
+          <a:fontRef idx="minor">
+            <a:schemeClr val="tx1"/>
+          </a:fontRef>
+        </p:style>
+      </p:cxnSp>
+      <p:cxnSp>
+        <p:nvCxnSpPr>
+          <p:cNvPr id="8" name="Straight Arrow Connector 7"/>
+          <p:cNvCxnSpPr/>
+          <p:nvPr/>
+        </p:nvCxnSpPr>
+        <p:spPr>
+          <a:xfrm flipH="1" flipV="1">
+            <a:off x="2548852" y="4459174"/>
+            <a:ext cx="4876800" cy="7937"/>
+          </a:xfrm>
+          <a:prstGeom prst="straightConnector1">
+            <a:avLst/>
+          </a:prstGeom>
+          <a:ln>
+            <a:tailEnd type="triangle"/>
+          </a:ln>
+        </p:spPr>
+        <p:style>
+          <a:lnRef idx="2">
+            <a:schemeClr val="accent2"/>
+          </a:lnRef>
+          <a:fillRef idx="0">
+            <a:schemeClr val="accent2"/>
+          </a:fillRef>
+          <a:effectRef idx="1">
+            <a:schemeClr val="accent2"/>
+          </a:effectRef>
+          <a:fontRef idx="minor">
+            <a:schemeClr val="tx1"/>
+          </a:fontRef>
+        </p:style>
+      </p:cxnSp>
+      <p:sp>
+        <p:nvSpPr>
+          <p:cNvPr id="13" name="TextBox 12"/>
+          <p:cNvSpPr txBox="1"/>
+          <p:nvPr/>
+        </p:nvSpPr>
+        <p:spPr>
+          <a:xfrm>
+            <a:off x="3539452" y="2819286"/>
+            <a:ext cx="2266711" cy="276999"/>
+          </a:xfrm>
+          <a:prstGeom prst="rect">
+            <a:avLst/>
+          </a:prstGeom>
+        </p:spPr>
+        <p:style>
+          <a:lnRef idx="1">
+            <a:schemeClr val="accent6"/>
+          </a:lnRef>
+          <a:fillRef idx="2">
+            <a:schemeClr val="accent6"/>
+          </a:fillRef>
+          <a:effectRef idx="1">
+            <a:schemeClr val="accent6"/>
+          </a:effectRef>
+          <a:fontRef idx="minor">
+            <a:schemeClr val="dk1"/>
+          </a:fontRef>
+        </p:style>
+        <p:txBody>
+          <a:bodyPr wrap="none" rtlCol="0">
+            <a:spAutoFit/>
+          </a:bodyPr>
+          <a:lstStyle/>
+          <a:p>
+            <a:r>
+              <a:rPr lang="en-US" sz="1200" dirty="0" smtClean="0"/>
+              <a:t>Request from Client to the Server</a:t>
+            </a:r>
+            <a:endParaRPr lang="en-US" sz="1200" dirty="0"/>
+          </a:p>
+        </p:txBody>
+      </p:sp>
+      <p:sp>
+        <p:nvSpPr>
+          <p:cNvPr id="18" name="TextBox 17"/>
+          <p:cNvSpPr txBox="1"/>
+          <p:nvPr/>
+        </p:nvSpPr>
+        <p:spPr>
+          <a:xfrm>
+            <a:off x="3698202" y="4595658"/>
+            <a:ext cx="2359813" cy="276999"/>
+          </a:xfrm>
+          <a:prstGeom prst="rect">
+            <a:avLst/>
+          </a:prstGeom>
+        </p:spPr>
+        <p:style>
+          <a:lnRef idx="1">
+            <a:schemeClr val="accent6"/>
+          </a:lnRef>
+          <a:fillRef idx="2">
+            <a:schemeClr val="accent6"/>
+          </a:fillRef>
+          <a:effectRef idx="1">
+            <a:schemeClr val="accent6"/>
+          </a:effectRef>
+          <a:fontRef idx="minor">
+            <a:schemeClr val="dk1"/>
+          </a:fontRef>
+        </p:style>
+        <p:txBody>
+          <a:bodyPr wrap="none" rtlCol="0">
+            <a:spAutoFit/>
+          </a:bodyPr>
+          <a:lstStyle/>
+          <a:p>
+            <a:r>
+              <a:rPr lang="en-US" sz="1200" dirty="0" smtClean="0"/>
+              <a:t>Response from Server to the Client</a:t>
+            </a:r>
+            <a:endParaRPr lang="en-US" sz="1200" dirty="0"/>
+          </a:p>
+        </p:txBody>
+      </p:sp>
+      <p:sp>
+        <p:nvSpPr>
+          <p:cNvPr id="15" name="Rounded Rectangle 14"/>
+          <p:cNvSpPr/>
+          <p:nvPr/>
+        </p:nvSpPr>
+        <p:spPr>
+          <a:xfrm>
+            <a:off x="155575" y="311965"/>
+            <a:ext cx="8836025" cy="2126436"/>
+          </a:xfrm>
+          <a:prstGeom prst="roundRect">
+            <a:avLst/>
+          </a:prstGeom>
+          <a:ln w="3175"/>
+        </p:spPr>
+        <p:style>
+          <a:lnRef idx="2">
+            <a:schemeClr val="accent4"/>
+          </a:lnRef>
+          <a:fillRef idx="1">
+            <a:schemeClr val="lt1"/>
+          </a:fillRef>
+          <a:effectRef idx="0">
+            <a:schemeClr val="accent4"/>
+          </a:effectRef>
+          <a:fontRef idx="minor">
+            <a:schemeClr val="dk1"/>
+          </a:fontRef>
+        </p:style>
+        <p:txBody>
+          <a:bodyPr rtlCol="0" anchor="ctr"/>
+          <a:lstStyle/>
+          <a:p>
+            <a:endParaRPr lang="en-US" sz="1100" dirty="0" smtClean="0"/>
+          </a:p>
+          <a:p>
+            <a:pPr marL="171450" indent="-171450">
+              <a:buFont typeface="Wingdings" panose="05000000000000000000" pitchFamily="2" charset="2"/>
+              <a:buChar char="ü"/>
+            </a:pPr>
+            <a:r>
+              <a:rPr lang="en-US" sz="1100" dirty="0"/>
+              <a:t>As an example, Amazon provides a web service that provides prices for products sold online via amazon.com. The front end or presentation layer can be in </a:t>
+            </a:r>
+            <a:r>
+              <a:rPr lang="en-US" sz="1100" dirty="0" err="1">
+                <a:solidFill>
+                  <a:srgbClr val="FF0000"/>
+                </a:solidFill>
+              </a:rPr>
+              <a:t>.Net</a:t>
+            </a:r>
+            <a:r>
+              <a:rPr lang="en-US" sz="1100" dirty="0">
+                <a:solidFill>
+                  <a:srgbClr val="FF0000"/>
+                </a:solidFill>
+              </a:rPr>
+              <a:t> or Java</a:t>
+            </a:r>
+            <a:r>
+              <a:rPr lang="en-US" sz="1100" dirty="0"/>
+              <a:t> but either programming language would have the ability to communicate with the web service</a:t>
+            </a:r>
+            <a:r>
+              <a:rPr lang="en-US" sz="1100" dirty="0" smtClean="0"/>
+              <a:t>.</a:t>
+            </a:r>
+          </a:p>
+          <a:p>
+            <a:pPr marL="171450" indent="-171450">
+              <a:buFont typeface="Wingdings" panose="05000000000000000000" pitchFamily="2" charset="2"/>
+              <a:buChar char="ü"/>
+            </a:pPr>
+            <a:endParaRPr lang="en-US" sz="1100" dirty="0"/>
+          </a:p>
+          <a:p>
+            <a:pPr marL="171450" indent="-171450">
+              <a:buFont typeface="Wingdings" panose="05000000000000000000" pitchFamily="2" charset="2"/>
+              <a:buChar char="ü"/>
+            </a:pPr>
+            <a:r>
+              <a:rPr lang="en-US" sz="1100" dirty="0"/>
+              <a:t>The main component of a web service is the data which is transferred between the client and the server, and that is </a:t>
+            </a:r>
+            <a:r>
+              <a:rPr lang="en-US" sz="1100" dirty="0">
+                <a:solidFill>
+                  <a:srgbClr val="FF0000"/>
+                </a:solidFill>
+              </a:rPr>
+              <a:t>XML</a:t>
+            </a:r>
+            <a:r>
+              <a:rPr lang="en-US" sz="1100" dirty="0"/>
+              <a:t>. </a:t>
+            </a:r>
+            <a:r>
+              <a:rPr lang="en-US" sz="1100" dirty="0">
+                <a:solidFill>
+                  <a:srgbClr val="FF0000"/>
+                </a:solidFill>
+              </a:rPr>
+              <a:t>XML (Extensible markup language) </a:t>
+            </a:r>
+            <a:r>
+              <a:rPr lang="en-US" sz="1100" dirty="0"/>
+              <a:t>is a counterpart to HTML and easy to understand the intermediate language that is understood by many programming languages</a:t>
+            </a:r>
+            <a:r>
+              <a:rPr lang="en-US" sz="1100" dirty="0" smtClean="0"/>
+              <a:t>.</a:t>
+            </a:r>
+          </a:p>
+          <a:p>
+            <a:pPr marL="171450" indent="-171450">
+              <a:buFont typeface="Wingdings" panose="05000000000000000000" pitchFamily="2" charset="2"/>
+              <a:buChar char="ü"/>
+            </a:pPr>
+            <a:endParaRPr lang="en-US" sz="1100" dirty="0"/>
+          </a:p>
+          <a:p>
+            <a:pPr marL="171450" indent="-171450">
+              <a:buFont typeface="Wingdings" panose="05000000000000000000" pitchFamily="2" charset="2"/>
+              <a:buChar char="ü"/>
+            </a:pPr>
+            <a:r>
+              <a:rPr lang="en-US" sz="1100" dirty="0"/>
+              <a:t>So when applications talk to each other, they actually talk in </a:t>
+            </a:r>
+            <a:r>
+              <a:rPr lang="en-US" sz="1100" dirty="0">
+                <a:solidFill>
+                  <a:srgbClr val="FF0000"/>
+                </a:solidFill>
+              </a:rPr>
+              <a:t>XML</a:t>
+            </a:r>
+            <a:r>
+              <a:rPr lang="en-US" sz="1100" dirty="0"/>
+              <a:t>. This provides a common platform for application developed in various programming languages to talk to each other</a:t>
+            </a:r>
+            <a:r>
+              <a:rPr lang="en-US" sz="1100" dirty="0" smtClean="0"/>
+              <a:t>.</a:t>
+            </a:r>
+          </a:p>
+          <a:p>
+            <a:pPr marL="171450" indent="-171450">
+              <a:buFont typeface="Wingdings" panose="05000000000000000000" pitchFamily="2" charset="2"/>
+              <a:buChar char="ü"/>
+            </a:pPr>
+            <a:endParaRPr lang="en-US" sz="1100" dirty="0"/>
+          </a:p>
+          <a:p>
+            <a:pPr marL="171450" indent="-171450">
+              <a:buFont typeface="Wingdings" panose="05000000000000000000" pitchFamily="2" charset="2"/>
+              <a:buChar char="ü"/>
+            </a:pPr>
+            <a:r>
+              <a:rPr lang="en-US" sz="1100" dirty="0"/>
+              <a:t>Web services use something known as </a:t>
+            </a:r>
+            <a:r>
+              <a:rPr lang="en-US" sz="1100" dirty="0">
+                <a:solidFill>
+                  <a:srgbClr val="FF0000"/>
+                </a:solidFill>
+              </a:rPr>
+              <a:t>SOAP (Simple Object Access Protocol) </a:t>
+            </a:r>
+            <a:r>
+              <a:rPr lang="en-US" sz="1100" dirty="0"/>
+              <a:t>for sending the </a:t>
+            </a:r>
+            <a:r>
+              <a:rPr lang="en-US" sz="1100" dirty="0">
+                <a:solidFill>
+                  <a:srgbClr val="FF0000"/>
+                </a:solidFill>
+              </a:rPr>
+              <a:t>XML</a:t>
+            </a:r>
+            <a:r>
+              <a:rPr lang="en-US" sz="1100" dirty="0"/>
+              <a:t> data between applications. The data is sent over normal </a:t>
+            </a:r>
+            <a:r>
+              <a:rPr lang="en-US" sz="1100" dirty="0">
+                <a:solidFill>
+                  <a:srgbClr val="FF0000"/>
+                </a:solidFill>
+              </a:rPr>
+              <a:t>HTTP</a:t>
+            </a:r>
+            <a:r>
+              <a:rPr lang="en-US" sz="1100" dirty="0"/>
+              <a:t>. The data which is sent from the web service to the application is called a </a:t>
+            </a:r>
+            <a:r>
+              <a:rPr lang="en-US" sz="1100" dirty="0">
+                <a:solidFill>
+                  <a:srgbClr val="FF0000"/>
+                </a:solidFill>
+              </a:rPr>
+              <a:t>SOAP message</a:t>
+            </a:r>
+            <a:r>
+              <a:rPr lang="en-US" sz="1100" dirty="0"/>
+              <a:t>. The </a:t>
+            </a:r>
+            <a:r>
+              <a:rPr lang="en-US" sz="1100" dirty="0">
+                <a:solidFill>
+                  <a:srgbClr val="FF0000"/>
+                </a:solidFill>
+              </a:rPr>
+              <a:t>SOAP message </a:t>
+            </a:r>
+            <a:r>
+              <a:rPr lang="en-US" sz="1100" dirty="0"/>
+              <a:t>is nothing but an </a:t>
+            </a:r>
+            <a:r>
+              <a:rPr lang="en-US" sz="1100" dirty="0">
+                <a:solidFill>
+                  <a:srgbClr val="FF0000"/>
+                </a:solidFill>
+              </a:rPr>
+              <a:t>XML</a:t>
+            </a:r>
+            <a:r>
+              <a:rPr lang="en-US" sz="1100" dirty="0"/>
+              <a:t> document. Since the document is written in </a:t>
+            </a:r>
+            <a:r>
+              <a:rPr lang="en-US" sz="1100" dirty="0">
+                <a:solidFill>
+                  <a:srgbClr val="FF0000"/>
+                </a:solidFill>
+              </a:rPr>
+              <a:t>XML</a:t>
+            </a:r>
+            <a:r>
+              <a:rPr lang="en-US" sz="1100" dirty="0"/>
+              <a:t>, the client application calling the web service can be written in any programming language.</a:t>
+            </a:r>
+          </a:p>
+          <a:p>
+            <a:pPr marL="171450" indent="-171450">
+              <a:buFont typeface="Wingdings" panose="05000000000000000000" pitchFamily="2" charset="2"/>
+              <a:buChar char="ü"/>
+            </a:pPr>
+            <a:endParaRPr lang="en-US" sz="1100" dirty="0"/>
+          </a:p>
+        </p:txBody>
+      </p:sp>
+      <p:sp>
+        <p:nvSpPr>
+          <p:cNvPr id="16" name="Rounded Rectangular Callout 15"/>
+          <p:cNvSpPr/>
+          <p:nvPr/>
+        </p:nvSpPr>
+        <p:spPr>
+          <a:xfrm>
+            <a:off x="8077200" y="2514600"/>
+            <a:ext cx="914400" cy="612648"/>
+          </a:xfrm>
+          <a:prstGeom prst="wedgeRoundRectCallout">
+            <a:avLst>
+              <a:gd name="adj1" fmla="val -73958"/>
+              <a:gd name="adj2" fmla="val 90485"/>
+              <a:gd name="adj3" fmla="val 16667"/>
+            </a:avLst>
+          </a:prstGeom>
+        </p:spPr>
+        <p:style>
+          <a:lnRef idx="3">
+            <a:schemeClr val="lt1"/>
+          </a:lnRef>
+          <a:fillRef idx="1">
+            <a:schemeClr val="accent2"/>
+          </a:fillRef>
+          <a:effectRef idx="1">
+            <a:schemeClr val="accent2"/>
+          </a:effectRef>
+          <a:fontRef idx="minor">
+            <a:schemeClr val="lt1"/>
+          </a:fontRef>
+        </p:style>
+        <p:txBody>
+          <a:bodyPr rtlCol="0" anchor="ctr"/>
+          <a:lstStyle/>
+          <a:p>
+            <a:pPr algn="ctr"/>
+            <a:r>
+              <a:rPr lang="en-US" sz="1100" dirty="0" smtClean="0"/>
+              <a:t>Host the Web Service</a:t>
+            </a:r>
+            <a:endParaRPr lang="en-US" sz="1100" dirty="0"/>
+          </a:p>
+        </p:txBody>
+      </p:sp>
+      <p:pic>
+        <p:nvPicPr>
+          <p:cNvPr id="2050" name="Picture 2" descr="Xml file Icon of Colored Outline style - Available in SVG, PNG ..."/>
+          <p:cNvPicPr>
+            <a:picLocks noChangeAspect="1" noChangeArrowheads="1"/>
+          </p:cNvPicPr>
+          <p:nvPr/>
+        </p:nvPicPr>
+        <p:blipFill>
+          <a:blip r:embed="rId6" cstate="print">
+            <a:extLst>
+              <a:ext uri="{28A0092B-C50C-407E-A947-70E740481C1C}">
+                <a14:useLocalDpi xmlns:a14="http://schemas.microsoft.com/office/drawing/2010/main" val="0"/>
+              </a:ext>
+            </a:extLst>
+          </a:blip>
+          <a:srcRect/>
+          <a:stretch>
+            <a:fillRect/>
+          </a:stretch>
+        </p:blipFill>
+        <p:spPr bwMode="auto">
+          <a:xfrm>
+            <a:off x="6039525" y="2664435"/>
+            <a:ext cx="522288" cy="522288"/>
+          </a:xfrm>
+          <a:prstGeom prst="rect">
+            <a:avLst/>
+          </a:prstGeom>
+          <a:noFill/>
+          <a:extLst>
+            <a:ext uri="{909E8E84-426E-40DD-AFC4-6F175D3DCCD1}">
+              <a14:hiddenFill xmlns:a14="http://schemas.microsoft.com/office/drawing/2010/main">
+                <a:solidFill>
+                  <a:srgbClr val="FFFFFF"/>
+                </a:solidFill>
+              </a14:hiddenFill>
+            </a:ext>
+          </a:extLst>
+        </p:spPr>
+      </p:pic>
+      <p:pic>
+        <p:nvPicPr>
+          <p:cNvPr id="19" name="Picture 2" descr="Xml file Icon of Colored Outline style - Available in SVG, PNG ..."/>
+          <p:cNvPicPr>
+            <a:picLocks noChangeAspect="1" noChangeArrowheads="1"/>
+          </p:cNvPicPr>
+          <p:nvPr/>
+        </p:nvPicPr>
+        <p:blipFill>
+          <a:blip r:embed="rId6" cstate="print">
+            <a:extLst>
+              <a:ext uri="{28A0092B-C50C-407E-A947-70E740481C1C}">
+                <a14:useLocalDpi xmlns:a14="http://schemas.microsoft.com/office/drawing/2010/main" val="0"/>
+              </a:ext>
+            </a:extLst>
+          </a:blip>
+          <a:srcRect/>
+          <a:stretch>
+            <a:fillRect/>
+          </a:stretch>
+        </p:blipFill>
+        <p:spPr bwMode="auto">
+          <a:xfrm>
+            <a:off x="3092933" y="4485377"/>
+            <a:ext cx="522167" cy="522167"/>
+          </a:xfrm>
+          <a:prstGeom prst="rect">
+            <a:avLst/>
+          </a:prstGeom>
+          <a:noFill/>
+          <a:extLst>
+            <a:ext uri="{909E8E84-426E-40DD-AFC4-6F175D3DCCD1}">
+              <a14:hiddenFill xmlns:a14="http://schemas.microsoft.com/office/drawing/2010/main">
+                <a:solidFill>
+                  <a:srgbClr val="FFFFFF"/>
+                </a:solidFill>
+              </a14:hiddenFill>
+            </a:ext>
+          </a:extLst>
+        </p:spPr>
+      </p:pic>
     </p:spTree>
     <p:extLst>
       <p:ext uri="{BB962C8B-B14F-4D97-AF65-F5344CB8AC3E}">
-        <p14:creationId xmlns:p14="http://schemas.microsoft.com/office/powerpoint/2010/main" val="3987224997"/>
+        <p14:creationId xmlns:p14="http://schemas.microsoft.com/office/powerpoint/2010/main" val="744769667"/>
       </p:ext>
     </p:extLst>
   </p:cSld>
@@ -5385,6 +10598,184 @@
           </a:p>
         </p:txBody>
       </p:sp>
+      <p:sp>
+        <p:nvSpPr>
+          <p:cNvPr id="4" name="Rectangle 3"/>
+          <p:cNvSpPr/>
+          <p:nvPr/>
+        </p:nvSpPr>
+        <p:spPr>
+          <a:xfrm>
+            <a:off x="146050" y="1066800"/>
+            <a:ext cx="8763000" cy="1752600"/>
+          </a:xfrm>
+          <a:prstGeom prst="rect">
+            <a:avLst/>
+          </a:prstGeom>
+          <a:ln w="3175"/>
+        </p:spPr>
+        <p:style>
+          <a:lnRef idx="2">
+            <a:schemeClr val="accent4"/>
+          </a:lnRef>
+          <a:fillRef idx="1">
+            <a:schemeClr val="lt1"/>
+          </a:fillRef>
+          <a:effectRef idx="0">
+            <a:schemeClr val="accent4"/>
+          </a:effectRef>
+          <a:fontRef idx="minor">
+            <a:schemeClr val="dk1"/>
+          </a:fontRef>
+        </p:style>
+        <p:txBody>
+          <a:bodyPr rtlCol="0" anchor="ctr"/>
+          <a:lstStyle/>
+          <a:p>
+            <a:pPr marL="171450" indent="-171450">
+              <a:buFont typeface="Wingdings" panose="05000000000000000000" pitchFamily="2" charset="2"/>
+              <a:buChar char="ü"/>
+            </a:pPr>
+            <a:r>
+              <a:rPr lang="en-US" sz="1100" dirty="0"/>
+              <a:t>Modern day business applications use variety of programming platforms to develop web-based applications. Some applications may be developed in Java, others in </a:t>
+            </a:r>
+            <a:r>
+              <a:rPr lang="en-US" sz="1100" dirty="0" err="1"/>
+              <a:t>.Net</a:t>
+            </a:r>
+            <a:r>
+              <a:rPr lang="en-US" sz="1100" dirty="0"/>
+              <a:t>, while some other in Angular JS, Node.js, etc</a:t>
+            </a:r>
+            <a:r>
+              <a:rPr lang="en-US" sz="1100" dirty="0" smtClean="0"/>
+              <a:t>.</a:t>
+            </a:r>
+          </a:p>
+          <a:p>
+            <a:pPr marL="171450" indent="-171450">
+              <a:buFont typeface="Wingdings" panose="05000000000000000000" pitchFamily="2" charset="2"/>
+              <a:buChar char="ü"/>
+            </a:pPr>
+            <a:endParaRPr lang="en-US" sz="1100" dirty="0"/>
+          </a:p>
+          <a:p>
+            <a:pPr marL="171450" indent="-171450">
+              <a:buFont typeface="Wingdings" panose="05000000000000000000" pitchFamily="2" charset="2"/>
+              <a:buChar char="ü"/>
+            </a:pPr>
+            <a:r>
+              <a:rPr lang="en-US" sz="1100" dirty="0"/>
+              <a:t>Most often than not, these heterogeneous applications need some sort of communication to happen between them. Since they are built using different development languages, it becomes really difficult to ensure accurate communication between applications</a:t>
+            </a:r>
+            <a:r>
+              <a:rPr lang="en-US" sz="1100" dirty="0" smtClean="0"/>
+              <a:t>.</a:t>
+            </a:r>
+          </a:p>
+          <a:p>
+            <a:pPr marL="171450" indent="-171450">
+              <a:buFont typeface="Wingdings" panose="05000000000000000000" pitchFamily="2" charset="2"/>
+              <a:buChar char="ü"/>
+            </a:pPr>
+            <a:endParaRPr lang="en-US" sz="1100" dirty="0"/>
+          </a:p>
+          <a:p>
+            <a:pPr marL="171450" indent="-171450">
+              <a:buFont typeface="Wingdings" panose="05000000000000000000" pitchFamily="2" charset="2"/>
+              <a:buChar char="ü"/>
+            </a:pPr>
+            <a:r>
+              <a:rPr lang="en-US" sz="1100" dirty="0"/>
+              <a:t>Here is where web services come in. Web services provide a common platform that allows multiple applications built on various programming languages to have the ability to communicate with each other.</a:t>
+            </a:r>
+          </a:p>
+          <a:p>
+            <a:pPr marL="171450" indent="-171450" algn="ctr">
+              <a:buFont typeface="Wingdings" panose="05000000000000000000" pitchFamily="2" charset="2"/>
+              <a:buChar char="ü"/>
+            </a:pPr>
+            <a:endParaRPr lang="en-US" sz="1100" dirty="0"/>
+          </a:p>
+        </p:txBody>
+      </p:sp>
+      <p:sp>
+        <p:nvSpPr>
+          <p:cNvPr id="5" name="Rectangle 4"/>
+          <p:cNvSpPr/>
+          <p:nvPr/>
+        </p:nvSpPr>
+        <p:spPr>
+          <a:xfrm>
+            <a:off x="146050" y="688280"/>
+            <a:ext cx="3034742" cy="307777"/>
+          </a:xfrm>
+          <a:prstGeom prst="rect">
+            <a:avLst/>
+          </a:prstGeom>
+        </p:spPr>
+        <p:style>
+          <a:lnRef idx="1">
+            <a:schemeClr val="accent2"/>
+          </a:lnRef>
+          <a:fillRef idx="3">
+            <a:schemeClr val="accent2"/>
+          </a:fillRef>
+          <a:effectRef idx="2">
+            <a:schemeClr val="accent2"/>
+          </a:effectRef>
+          <a:fontRef idx="minor">
+            <a:schemeClr val="lt1"/>
+          </a:fontRef>
+        </p:style>
+        <p:txBody>
+          <a:bodyPr wrap="none">
+            <a:spAutoFit/>
+          </a:bodyPr>
+          <a:lstStyle/>
+          <a:p>
+            <a:r>
+              <a:rPr lang="en-US" sz="1400" b="1" dirty="0">
+                <a:solidFill>
+                  <a:schemeClr val="bg2"/>
+                </a:solidFill>
+                <a:latin typeface="Source Sans Pro"/>
+              </a:rPr>
+              <a:t>Why do you need a Web Service?</a:t>
+            </a:r>
+            <a:endParaRPr lang="en-US" sz="1400" b="1" i="0" dirty="0">
+              <a:solidFill>
+                <a:schemeClr val="bg2"/>
+              </a:solidFill>
+              <a:effectLst/>
+              <a:latin typeface="Source Sans Pro"/>
+            </a:endParaRPr>
+          </a:p>
+        </p:txBody>
+      </p:sp>
+      <p:graphicFrame>
+        <p:nvGraphicFramePr>
+          <p:cNvPr id="7" name="Diagram 6"/>
+          <p:cNvGraphicFramePr/>
+          <p:nvPr>
+            <p:extLst>
+              <p:ext uri="{D42A27DB-BD31-4B8C-83A1-F6EECF244321}">
+                <p14:modId xmlns:p14="http://schemas.microsoft.com/office/powerpoint/2010/main" val="2771280360"/>
+              </p:ext>
+            </p:extLst>
+          </p:nvPr>
+        </p:nvGraphicFramePr>
+        <p:xfrm>
+          <a:off x="2514600" y="2978150"/>
+          <a:ext cx="3200400" cy="2032000"/>
+        </p:xfrm>
+        <a:graphic>
+          <a:graphicData uri="http://schemas.openxmlformats.org/drawingml/2006/diagram">
+            <dgm:relIds xmlns:dgm="http://schemas.openxmlformats.org/drawingml/2006/diagram" xmlns:r="http://schemas.openxmlformats.org/officeDocument/2006/relationships" r:dm="rId3" r:lo="rId4" r:qs="rId5" r:cs="rId6"/>
+          </a:graphicData>
+        </a:graphic>
+      </p:graphicFrame>
     </p:spTree>
     <p:extLst>
       <p:ext uri="{BB962C8B-B14F-4D97-AF65-F5344CB8AC3E}">
@@ -5516,8 +10907,8 @@
         </p:nvSpPr>
         <p:spPr>
           <a:xfrm>
-            <a:off x="3886200" y="23853"/>
-            <a:ext cx="1143000" cy="276999"/>
+            <a:off x="2895600" y="23853"/>
+            <a:ext cx="3657600" cy="276999"/>
           </a:xfrm>
           <a:prstGeom prst="rect">
             <a:avLst/>
@@ -5637,12 +11028,10 @@
             </a:lvl9pPr>
           </a:lstStyle>
           <a:p>
-            <a:pPr algn="ctr"/>
-            <a:r>
-              <a:rPr lang="en-US" sz="1200" dirty="0" smtClean="0"/>
-              <a:t>History of API</a:t>
-            </a:r>
-            <a:endParaRPr lang="en-US" sz="1200" dirty="0"/>
+            <a:r>
+              <a:rPr lang="en-US" sz="1200" b="1" dirty="0"/>
+              <a:t>What are Web Services? Architecture, Types, Example</a:t>
+            </a:r>
           </a:p>
         </p:txBody>
       </p:sp>
@@ -5726,28 +11115,206 @@
       </p:sp>
       <p:sp>
         <p:nvSpPr>
+          <p:cNvPr id="10" name="AutoShape 2" descr="Why isn't code reused in Microsoft Dynamic CRM projects? – Hosk's ..."/>
+          <p:cNvSpPr>
+            <a:spLocks noChangeAspect="1" noChangeArrowheads="1"/>
+          </p:cNvSpPr>
+          <p:nvPr/>
+        </p:nvSpPr>
+        <p:spPr bwMode="auto">
+          <a:xfrm>
+            <a:off x="612775" y="312737"/>
+            <a:ext cx="304800" cy="304801"/>
+          </a:xfrm>
+          <a:prstGeom prst="rect">
+            <a:avLst/>
+          </a:prstGeom>
+          <a:noFill/>
+          <a:extLst>
+            <a:ext uri="{909E8E84-426E-40DD-AFC4-6F175D3DCCD1}">
+              <a14:hiddenFill xmlns:a14="http://schemas.microsoft.com/office/drawing/2010/main">
+                <a:solidFill>
+                  <a:srgbClr val="FFFFFF"/>
+                </a:solidFill>
+              </a14:hiddenFill>
+            </a:ext>
+          </a:extLst>
+        </p:spPr>
+        <p:txBody>
+          <a:bodyPr vert="horz" wrap="square" lIns="91440" tIns="45720" rIns="91440" bIns="45720" numCol="1" anchor="t" anchorCtr="0" compatLnSpc="1">
+            <a:prstTxWarp prst="textNoShape">
+              <a:avLst/>
+            </a:prstTxWarp>
+          </a:bodyPr>
+          <a:lstStyle/>
+          <a:p>
+            <a:endParaRPr lang="en-US"/>
+          </a:p>
+        </p:txBody>
+      </p:sp>
+      <p:sp>
+        <p:nvSpPr>
           <p:cNvPr id="4" name="Rectangle 3"/>
           <p:cNvSpPr/>
           <p:nvPr/>
         </p:nvSpPr>
         <p:spPr>
           <a:xfrm>
-            <a:off x="2286000" y="2052935"/>
-            <a:ext cx="4572000" cy="923330"/>
+            <a:off x="146050" y="1066800"/>
+            <a:ext cx="8763000" cy="3200400"/>
+          </a:xfrm>
+          <a:prstGeom prst="rect">
+            <a:avLst/>
+          </a:prstGeom>
+          <a:ln w="3175"/>
+        </p:spPr>
+        <p:style>
+          <a:lnRef idx="2">
+            <a:schemeClr val="accent4"/>
+          </a:lnRef>
+          <a:fillRef idx="1">
+            <a:schemeClr val="lt1"/>
+          </a:fillRef>
+          <a:effectRef idx="0">
+            <a:schemeClr val="accent4"/>
+          </a:effectRef>
+          <a:fontRef idx="minor">
+            <a:schemeClr val="dk1"/>
+          </a:fontRef>
+        </p:style>
+        <p:txBody>
+          <a:bodyPr rtlCol="0" anchor="ctr"/>
+          <a:lstStyle/>
+          <a:p>
+            <a:pPr marL="228600" indent="-228600">
+              <a:buFont typeface="+mj-lt"/>
+              <a:buAutoNum type="arabicPeriod"/>
+            </a:pPr>
+            <a:r>
+              <a:rPr lang="en-US" sz="1200" b="1" dirty="0"/>
+              <a:t>Exposing Business Functionality on the network</a:t>
+            </a:r>
+            <a:r>
+              <a:rPr lang="en-US" sz="1200" dirty="0"/>
+              <a:t> - A web service is a unit of managed code that provides some sort of functionality to client applications or end users. This functionality can be invoked over the HTTP protocol which means that it can also be invoked over the internet. Nowadays all applications are on the internet which makes the purpose of Web services more useful. That means the web service can be anywhere on the internet and provide the necessary functionality as required</a:t>
+            </a:r>
+            <a:r>
+              <a:rPr lang="en-US" sz="1200" dirty="0" smtClean="0"/>
+              <a:t>.</a:t>
+            </a:r>
+            <a:br>
+              <a:rPr lang="en-US" sz="1200" dirty="0" smtClean="0"/>
+            </a:br>
+            <a:endParaRPr lang="en-US" sz="1200" dirty="0"/>
+          </a:p>
+          <a:p>
+            <a:pPr marL="228600" indent="-228600">
+              <a:buFont typeface="+mj-lt"/>
+              <a:buAutoNum type="arabicPeriod"/>
+            </a:pPr>
+            <a:r>
+              <a:rPr lang="en-US" sz="1200" b="1" dirty="0"/>
+              <a:t>Interoperability amongst applications</a:t>
+            </a:r>
+            <a:r>
+              <a:rPr lang="en-US" sz="1200" dirty="0"/>
+              <a:t> - Web services allow various applications to talk to each other and share data and services among themselves. All types of applications can talk to each other. So instead of writing specific code which can only be understood by specific applications, you can now write generic code that can be understood by all </a:t>
+            </a:r>
+            <a:r>
+              <a:rPr lang="en-US" sz="1200" dirty="0" smtClean="0"/>
+              <a:t>applications.</a:t>
+            </a:r>
+          </a:p>
+          <a:p>
+            <a:pPr marL="228600" indent="-228600">
+              <a:buFont typeface="+mj-lt"/>
+              <a:buAutoNum type="arabicPeriod"/>
+            </a:pPr>
+            <a:endParaRPr lang="en-US" sz="1200" dirty="0"/>
+          </a:p>
+          <a:p>
+            <a:pPr marL="228600" indent="-228600">
+              <a:buFont typeface="+mj-lt"/>
+              <a:buAutoNum type="arabicPeriod"/>
+            </a:pPr>
+            <a:r>
+              <a:rPr lang="en-US" sz="1200" b="1" dirty="0"/>
+              <a:t>A Standardized Protocol which everybody understands</a:t>
+            </a:r>
+            <a:r>
+              <a:rPr lang="en-US" sz="1200" dirty="0"/>
+              <a:t> - Web services use standardized industry protocol for the communication. All the four layers (Service Transport, XML Messaging, Service Description, and Service Discovery layers) uses well-defined protocols in the web services protocol stack</a:t>
+            </a:r>
+            <a:r>
+              <a:rPr lang="en-US" sz="1200" dirty="0" smtClean="0"/>
+              <a:t>.</a:t>
+            </a:r>
+            <a:br>
+              <a:rPr lang="en-US" sz="1200" dirty="0" smtClean="0"/>
+            </a:br>
+            <a:endParaRPr lang="en-US" sz="1200" dirty="0"/>
+          </a:p>
+          <a:p>
+            <a:pPr marL="228600" indent="-228600">
+              <a:buFont typeface="+mj-lt"/>
+              <a:buAutoNum type="arabicPeriod"/>
+            </a:pPr>
+            <a:r>
+              <a:rPr lang="en-US" sz="1200" b="1" dirty="0"/>
+              <a:t>Reduction in cost of communication</a:t>
+            </a:r>
+            <a:r>
+              <a:rPr lang="en-US" sz="1200" dirty="0"/>
+              <a:t> - Web services use SOAP over HTTP protocol, so you can use your existing low-cost internet for implementing web services.</a:t>
+            </a:r>
+          </a:p>
+          <a:p>
+            <a:pPr marL="228600" indent="-228600">
+              <a:buFont typeface="+mj-lt"/>
+              <a:buAutoNum type="arabicPeriod"/>
+            </a:pPr>
+            <a:endParaRPr lang="en-US" sz="1200" dirty="0"/>
+          </a:p>
+        </p:txBody>
+      </p:sp>
+      <p:sp>
+        <p:nvSpPr>
+          <p:cNvPr id="5" name="Rectangle 4"/>
+          <p:cNvSpPr/>
+          <p:nvPr/>
+        </p:nvSpPr>
+        <p:spPr>
+          <a:xfrm>
+            <a:off x="146050" y="688280"/>
+            <a:ext cx="2079480" cy="307777"/>
           </a:xfrm>
           <a:prstGeom prst="rect">
             <a:avLst/>
           </a:prstGeom>
         </p:spPr>
-        <p:txBody>
-          <a:bodyPr>
+        <p:style>
+          <a:lnRef idx="1">
+            <a:schemeClr val="accent2"/>
+          </a:lnRef>
+          <a:fillRef idx="3">
+            <a:schemeClr val="accent2"/>
+          </a:fillRef>
+          <a:effectRef idx="2">
+            <a:schemeClr val="accent2"/>
+          </a:effectRef>
+          <a:fontRef idx="minor">
+            <a:schemeClr val="lt1"/>
+          </a:fontRef>
+        </p:style>
+        <p:txBody>
+          <a:bodyPr wrap="none">
             <a:spAutoFit/>
           </a:bodyPr>
           <a:lstStyle/>
           <a:p>
             <a:r>
-              <a:rPr lang="en-US"/>
-              <a:t>https://www.udemy.com/course/introduction-to-apis-rest-api-graphql-soap-web-services-grpc/learn/lecture/18670210#overview</a:t>
+              <a:rPr lang="en-US" sz="1400" b="1" dirty="0"/>
+              <a:t>Web Services Advantages</a:t>
             </a:r>
           </a:p>
         </p:txBody>
@@ -5755,7 +11322,582 @@
     </p:spTree>
     <p:extLst>
       <p:ext uri="{BB962C8B-B14F-4D97-AF65-F5344CB8AC3E}">
-        <p14:creationId xmlns:p14="http://schemas.microsoft.com/office/powerpoint/2010/main" val="3362399461"/>
+        <p14:creationId xmlns:p14="http://schemas.microsoft.com/office/powerpoint/2010/main" val="3050264589"/>
+      </p:ext>
+    </p:extLst>
+  </p:cSld>
+  <p:clrMapOvr>
+    <a:masterClrMapping/>
+  </p:clrMapOvr>
+  <mc:AlternateContent xmlns:mc="http://schemas.openxmlformats.org/markup-compatibility/2006" xmlns:p14="http://schemas.microsoft.com/office/powerpoint/2010/main">
+    <mc:Choice Requires="p14">
+      <p:transition spd="slow" p14:dur="2000"/>
+    </mc:Choice>
+    <mc:Fallback xmlns="">
+      <p:transition spd="slow"/>
+    </mc:Fallback>
+  </mc:AlternateContent>
+  <p:timing>
+    <p:tnLst>
+      <p:par>
+        <p:cTn id="1" dur="indefinite" restart="never" nodeType="tmRoot"/>
+      </p:par>
+    </p:tnLst>
+  </p:timing>
+</p:sld>
+</file>
+
+<file path=ppt/slides/slide6.xml><?xml version="1.0" encoding="utf-8"?>
+<p:sld xmlns:a="http://schemas.openxmlformats.org/drawingml/2006/main" xmlns:r="http://schemas.openxmlformats.org/officeDocument/2006/relationships" xmlns:p="http://schemas.openxmlformats.org/presentationml/2006/main">
+  <p:cSld>
+    <p:spTree>
+      <p:nvGrpSpPr>
+        <p:cNvPr id="1" name=""/>
+        <p:cNvGrpSpPr/>
+        <p:nvPr/>
+      </p:nvGrpSpPr>
+      <p:grpSpPr>
+        <a:xfrm>
+          <a:off x="0" y="0"/>
+          <a:ext cx="0" cy="0"/>
+          <a:chOff x="0" y="0"/>
+          <a:chExt cx="0" cy="0"/>
+        </a:xfrm>
+      </p:grpSpPr>
+      <p:sp>
+        <p:nvSpPr>
+          <p:cNvPr id="3" name="AutoShape 2" descr="data:image/png;base64,iVBORw0KGgoAAAANSUhEUgAAANEAAADxCAMAAABiSKLrAAAAbFBMVEWIiIj////6+vr29vb19fX4+Pj5+fnu7u77+/v39/f9/f3z8/P+/v709PT8/Pyqqqrt7e3v7+/w8PDx8fHy8vK+vr7Q0NCjo6OBgYHY2Njk5OTHx8eNjY3c3NzGxsbn5+eWlpa1tbWcnJx6enob4+f+AAAIqklEQVR4nO3dCZuaOhQGYEZAh0FkX2W1//8/lkVMICeIkRmOPHz22lYg5OVEZLFzJRNrnC+xSGt3nJvQekMUYktnEiM1ouDrjCs/pukLkzoRtpjmNRcloRUFoiS8oo5UvLwsYpEgCaXoHLYiMRJqkRAJt0iEhFwkQMIqCgJRElpRLErCL3r1oxavSJSEWCRIQikyOtGQNPd8CaXICc04FiXhFomQkIsESChFbmhmwiT0opf3eBivMzSjLuORnh49oKxRKxIloayR24oESShFRScSI6EUJaGZCJNwiwhp/skFcpFAlbCLXiehF71MQisSJiEVVYkwqRP9oEpXI1HSXXRuWjo/2jz3f3v8YfjS7871lbU1EiT1IjrAKrvX/2iurzisijkk8OQC5ah7iERIyEUCJOyi10noRU9J490DUpFPRAApniJhFVnzSaOdOF6RKAmlKGhFgiTMohdIyYeIhEh30aV99E9NLo8VXLqn++Q/mIuIREid6DJsv32s91Ityi1hEtJRl5+ESX2NMKUR2ZYoCbNIjIRV5FiiJIyicx7mriVEKnCKfvxadBIloRQ1NTqJkcICpcgPr7rjOPYJZnFNbZVwikw/YHNlXmDi4xW9kU70jSnNqOu/xL4R0aWg3yNMgNHWp0I66i7Dy5PsdXFuApw1Eg8RndfuykLZa4Q/512EPrsIfzYtOmwje43wh4h+1u7KQvm5bk601wh9NlijXYQ+uwh/HqLrZkTXh+h4PDQP8lQ/PvAlSrT2xl0oRHQ5biOXXYQ+uwh/dhH+7CL82bRI3Ua2XKPvtTfuQvneReizi/BnF+HPLsKfTYu0bYQWsd5PfImIDmtv3IVy2EXos4vwZxfhzy7CH0okbyO7CH+2/D46rr1xF8pxF6HPLsKfXYQ/uwh/KJGyjWxatPZwWShEpK69cReKuovQZxfhzy7Cn12EP0SkGduItmHRzFF3P3r63ZHzTl4YdYqsHg/e/YdF2e7xcFRVrba109gMFp2evGhmjzpFVZLcvJVpl7K8hWaVB1liNVNdJh7VZ4Wd7P4aaa5I866lFEnDRHWksC5eVgtH8VWy8PHGTE5V/rr+QqSocTnm9CpTM+SMmRhVVJcPKbPYv5VFcs7x1F3P1eeikl1sXZHGB0lRLH+eSI75ICk6KZ8nctkOkaQN+cNEWjBRIimU0YpkHY4hmxOgqNIMHRaRJo6giLO+dyM/F1nsvpfqWVAv92Eihe0u3bNE+TgR/FkURfWhUHPMIBsguh6N0yKNs7o/EGkVIEpj+XA8fltJ0GzqDxMdQwBka+2gqQ/p9FYkpaNIiEXuje3OddQfg738rFCTcYmME9sdKXntbY1MBOy802JrotJ6bSUiInLia7y2+aZEbXuyxXbn5vXXGQazDs+6xUWGoql2kXU/DDrOssLWNFmZ65oQufeflwvU6PHDdO8ki/0xu/Rb7RVRvZNJgupW7y3bU+T6JLnej97MPLNUhbPIbJEV9U2y/eknHds5lfhfNMo/sb23oRX5LQXWGUmpGdtz3nxEpOiep7eP+5MFUEZJj+0SCnsCVX/CkrZUQFRvQG+8RkNOzHTi5LL0rW6x8YL0bwolGtdolqir0fQxAyQCNrdsVczFmdFS6fXp+4kSecPMEqntrAYkkklTYI288frkYKI+j+XCYtzRUdCIdMV/7mkWTDNmY6AU6bo5C9QknqwSEpFuzAdJUjZFQiJSoFMWfhIDu0ievDjD5ubquEV6AjVet3krU3B/Hvn8cYdDBJxUSlKVaJqmWvENMiXcImEQKcCYi26W1nZaN9SAXXFkcos0JZpxXLeICDpLDnVSBDkDusAtEhGN72p5J78LcMbn9+nudemgiDSlASLF66cC20NKbZ3qCnAnIfKp9gcxiIjVPj8/8mbVCBY9VsNes42C4YgBrgyUJ06NpkRdCuD8yB418pYIOkl2hyuQ2SOkKOMMO4M76vrBB4sG84Cjjrr5Cooeo4TdLwyGbLsC4IKgD93dHY66lUQye7gQxfqgfdcDhr7JeSOtLoL2dOn4KEdX2E+s0hp24j3RaUERsPnLLBmlYPceaYJVBB0Bja85p8ANn3rXgFX02kEqaSGAeywoGs7zjghYdqYoxyp68USCtMDZfX+wqHomav53fkBcWDSYx4NEBpkuAyLj3oSwSDIVsMM6ETVAp/3V/KG2tP/xRPRccI1IW7Comyr8PupE9052bbW/0yLHpX/1T1wRmQuskULa4oqcd/Z1pjLu6li0zqgDP49m5fmo+2NR3z50zFBYczLsBB6Rxx6y8Q5wRoE7LCaylhM5BnTs7cGdmZP1RZzdygeLXOjW9fg94jYXUnjjbBHRcJ5nImVKBA67fFgkL/HzIE4KRW7vM0/i/kQ0WSPHg75KldHdqc+h7pfZ0jKs/GuDM3hvNSLizSEqoroE1Yia7ELf00kIWS/o09z+EmLA6bC3hMh9TwRskDq51x47e4Zzhc73Qt64wyByPOjmUVT6cZZkcQV+0zxNflX05qgD36tSe3MilcCr1FLEe9sPRDYYjmgwD1wjMl1hm4h0ugF43PETVd6wB3RbKES2Pu+2cr9waHFBWESO+8JtyxrkckFYRDa8dxAAoRHNH3hRNTHkUIlsY9Z3TqR6LzcFokScSsKi4TzPRMYske0VT78XJJkJZ8uTzojV6FdEtmNkE9/diqLUzJTpAtmzalQyF6FvI5ETA9+OpraQwTYhwRvQMYqryX6sNn8vq8AynnqoGuXuCY7N/vMR3R7N47DzePR04J+gjJt4rM7V3SzwzbC8FzYtb2Z1jQtDd3nLDOLmD1E9v90++qfT4Lfh5N+cq/508shXb5st6Ll1cWa2RYu2EUo0p6QfkF2EP7sIf3YR/hCRs3ZXFoqzYdEGR92su1D4Q486yzq1D/L0iS85W67R2l1ZKLsIfzYs4l05+bg8rpxU/lZS3UXbyvZE/wFXu+LXNTDaDQAAAABJRU5ErkJggg=="/>
+          <p:cNvSpPr>
+            <a:spLocks noChangeAspect="1" noChangeArrowheads="1"/>
+          </p:cNvSpPr>
+          <p:nvPr/>
+        </p:nvSpPr>
+        <p:spPr bwMode="auto">
+          <a:xfrm>
+            <a:off x="155575" y="-144463"/>
+            <a:ext cx="304800" cy="304801"/>
+          </a:xfrm>
+          <a:prstGeom prst="rect">
+            <a:avLst/>
+          </a:prstGeom>
+          <a:noFill/>
+          <a:extLst>
+            <a:ext uri="{909E8E84-426E-40DD-AFC4-6F175D3DCCD1}">
+              <a14:hiddenFill xmlns:a14="http://schemas.microsoft.com/office/drawing/2010/main">
+                <a:solidFill>
+                  <a:srgbClr val="FFFFFF"/>
+                </a:solidFill>
+              </a14:hiddenFill>
+            </a:ext>
+          </a:extLst>
+        </p:spPr>
+        <p:txBody>
+          <a:bodyPr vert="horz" wrap="square" lIns="91440" tIns="45720" rIns="91440" bIns="45720" numCol="1" anchor="t" anchorCtr="0" compatLnSpc="1">
+            <a:prstTxWarp prst="textNoShape">
+              <a:avLst/>
+            </a:prstTxWarp>
+          </a:bodyPr>
+          <a:lstStyle/>
+          <a:p>
+            <a:endParaRPr lang="en-US" sz="1200" dirty="0"/>
+          </a:p>
+        </p:txBody>
+      </p:sp>
+      <p:sp>
+        <p:nvSpPr>
+          <p:cNvPr id="2" name="AutoShape 2" descr="Image result for file"/>
+          <p:cNvSpPr>
+            <a:spLocks noChangeAspect="1" noChangeArrowheads="1"/>
+          </p:cNvSpPr>
+          <p:nvPr/>
+        </p:nvSpPr>
+        <p:spPr bwMode="auto">
+          <a:xfrm>
+            <a:off x="307975" y="7937"/>
+            <a:ext cx="304800" cy="304801"/>
+          </a:xfrm>
+          <a:prstGeom prst="rect">
+            <a:avLst/>
+          </a:prstGeom>
+          <a:noFill/>
+          <a:extLst>
+            <a:ext uri="{909E8E84-426E-40DD-AFC4-6F175D3DCCD1}">
+              <a14:hiddenFill xmlns:a14="http://schemas.microsoft.com/office/drawing/2010/main">
+                <a:solidFill>
+                  <a:srgbClr val="FFFFFF"/>
+                </a:solidFill>
+              </a14:hiddenFill>
+            </a:ext>
+          </a:extLst>
+        </p:spPr>
+        <p:txBody>
+          <a:bodyPr vert="horz" wrap="square" lIns="91440" tIns="45720" rIns="91440" bIns="45720" numCol="1" anchor="t" anchorCtr="0" compatLnSpc="1">
+            <a:prstTxWarp prst="textNoShape">
+              <a:avLst/>
+            </a:prstTxWarp>
+          </a:bodyPr>
+          <a:lstStyle/>
+          <a:p>
+            <a:endParaRPr lang="en-US" dirty="0"/>
+          </a:p>
+        </p:txBody>
+      </p:sp>
+      <p:sp>
+        <p:nvSpPr>
+          <p:cNvPr id="9" name="Rectangle 8"/>
+          <p:cNvSpPr/>
+          <p:nvPr/>
+        </p:nvSpPr>
+        <p:spPr>
+          <a:xfrm>
+            <a:off x="2895600" y="23853"/>
+            <a:ext cx="3657600" cy="276999"/>
+          </a:xfrm>
+          <a:prstGeom prst="rect">
+            <a:avLst/>
+          </a:prstGeom>
+        </p:spPr>
+        <p:style>
+          <a:lnRef idx="1">
+            <a:schemeClr val="accent4"/>
+          </a:lnRef>
+          <a:fillRef idx="3">
+            <a:schemeClr val="accent4"/>
+          </a:fillRef>
+          <a:effectRef idx="2">
+            <a:schemeClr val="accent4"/>
+          </a:effectRef>
+          <a:fontRef idx="minor">
+            <a:schemeClr val="lt1"/>
+          </a:fontRef>
+        </p:style>
+        <p:txBody>
+          <a:bodyPr wrap="square">
+            <a:spAutoFit/>
+          </a:bodyPr>
+          <a:lstStyle>
+            <a:defPPr>
+              <a:defRPr lang="en-US"/>
+            </a:defPPr>
+            <a:lvl1pPr marL="0" algn="l" defTabSz="914400" rtl="0" eaLnBrk="1" latinLnBrk="0" hangingPunct="1">
+              <a:defRPr sz="1800" kern="1200">
+                <a:solidFill>
+                  <a:schemeClr val="lt1"/>
+                </a:solidFill>
+                <a:latin typeface="+mn-lt"/>
+                <a:ea typeface="+mn-ea"/>
+                <a:cs typeface="+mn-cs"/>
+              </a:defRPr>
+            </a:lvl1pPr>
+            <a:lvl2pPr marL="457200" algn="l" defTabSz="914400" rtl="0" eaLnBrk="1" latinLnBrk="0" hangingPunct="1">
+              <a:defRPr sz="1800" kern="1200">
+                <a:solidFill>
+                  <a:schemeClr val="lt1"/>
+                </a:solidFill>
+                <a:latin typeface="+mn-lt"/>
+                <a:ea typeface="+mn-ea"/>
+                <a:cs typeface="+mn-cs"/>
+              </a:defRPr>
+            </a:lvl2pPr>
+            <a:lvl3pPr marL="914400" algn="l" defTabSz="914400" rtl="0" eaLnBrk="1" latinLnBrk="0" hangingPunct="1">
+              <a:defRPr sz="1800" kern="1200">
+                <a:solidFill>
+                  <a:schemeClr val="lt1"/>
+                </a:solidFill>
+                <a:latin typeface="+mn-lt"/>
+                <a:ea typeface="+mn-ea"/>
+                <a:cs typeface="+mn-cs"/>
+              </a:defRPr>
+            </a:lvl3pPr>
+            <a:lvl4pPr marL="1371600" algn="l" defTabSz="914400" rtl="0" eaLnBrk="1" latinLnBrk="0" hangingPunct="1">
+              <a:defRPr sz="1800" kern="1200">
+                <a:solidFill>
+                  <a:schemeClr val="lt1"/>
+                </a:solidFill>
+                <a:latin typeface="+mn-lt"/>
+                <a:ea typeface="+mn-ea"/>
+                <a:cs typeface="+mn-cs"/>
+              </a:defRPr>
+            </a:lvl4pPr>
+            <a:lvl5pPr marL="1828800" algn="l" defTabSz="914400" rtl="0" eaLnBrk="1" latinLnBrk="0" hangingPunct="1">
+              <a:defRPr sz="1800" kern="1200">
+                <a:solidFill>
+                  <a:schemeClr val="lt1"/>
+                </a:solidFill>
+                <a:latin typeface="+mn-lt"/>
+                <a:ea typeface="+mn-ea"/>
+                <a:cs typeface="+mn-cs"/>
+              </a:defRPr>
+            </a:lvl5pPr>
+            <a:lvl6pPr marL="2286000" algn="l" defTabSz="914400" rtl="0" eaLnBrk="1" latinLnBrk="0" hangingPunct="1">
+              <a:defRPr sz="1800" kern="1200">
+                <a:solidFill>
+                  <a:schemeClr val="lt1"/>
+                </a:solidFill>
+                <a:latin typeface="+mn-lt"/>
+                <a:ea typeface="+mn-ea"/>
+                <a:cs typeface="+mn-cs"/>
+              </a:defRPr>
+            </a:lvl6pPr>
+            <a:lvl7pPr marL="2743200" algn="l" defTabSz="914400" rtl="0" eaLnBrk="1" latinLnBrk="0" hangingPunct="1">
+              <a:defRPr sz="1800" kern="1200">
+                <a:solidFill>
+                  <a:schemeClr val="lt1"/>
+                </a:solidFill>
+                <a:latin typeface="+mn-lt"/>
+                <a:ea typeface="+mn-ea"/>
+                <a:cs typeface="+mn-cs"/>
+              </a:defRPr>
+            </a:lvl7pPr>
+            <a:lvl8pPr marL="3200400" algn="l" defTabSz="914400" rtl="0" eaLnBrk="1" latinLnBrk="0" hangingPunct="1">
+              <a:defRPr sz="1800" kern="1200">
+                <a:solidFill>
+                  <a:schemeClr val="lt1"/>
+                </a:solidFill>
+                <a:latin typeface="+mn-lt"/>
+                <a:ea typeface="+mn-ea"/>
+                <a:cs typeface="+mn-cs"/>
+              </a:defRPr>
+            </a:lvl8pPr>
+            <a:lvl9pPr marL="3657600" algn="l" defTabSz="914400" rtl="0" eaLnBrk="1" latinLnBrk="0" hangingPunct="1">
+              <a:defRPr sz="1800" kern="1200">
+                <a:solidFill>
+                  <a:schemeClr val="lt1"/>
+                </a:solidFill>
+                <a:latin typeface="+mn-lt"/>
+                <a:ea typeface="+mn-ea"/>
+                <a:cs typeface="+mn-cs"/>
+              </a:defRPr>
+            </a:lvl9pPr>
+          </a:lstStyle>
+          <a:p>
+            <a:r>
+              <a:rPr lang="en-US" sz="1200" b="1" dirty="0"/>
+              <a:t>What are Web Services? Architecture, Types, Example</a:t>
+            </a:r>
+          </a:p>
+        </p:txBody>
+      </p:sp>
+      <p:sp>
+        <p:nvSpPr>
+          <p:cNvPr id="6" name="AutoShape 4" descr="Image result for xml symbol"/>
+          <p:cNvSpPr>
+            <a:spLocks noChangeAspect="1" noChangeArrowheads="1"/>
+          </p:cNvSpPr>
+          <p:nvPr/>
+        </p:nvSpPr>
+        <p:spPr bwMode="auto">
+          <a:xfrm>
+            <a:off x="-755650" y="465137"/>
+            <a:ext cx="304800" cy="304801"/>
+          </a:xfrm>
+          <a:prstGeom prst="rect">
+            <a:avLst/>
+          </a:prstGeom>
+          <a:noFill/>
+          <a:extLst>
+            <a:ext uri="{909E8E84-426E-40DD-AFC4-6F175D3DCCD1}">
+              <a14:hiddenFill xmlns:a14="http://schemas.microsoft.com/office/drawing/2010/main">
+                <a:solidFill>
+                  <a:srgbClr val="FFFFFF"/>
+                </a:solidFill>
+              </a14:hiddenFill>
+            </a:ext>
+          </a:extLst>
+        </p:spPr>
+        <p:txBody>
+          <a:bodyPr vert="horz" wrap="square" lIns="91440" tIns="45720" rIns="91440" bIns="45720" numCol="1" anchor="t" anchorCtr="0" compatLnSpc="1">
+            <a:prstTxWarp prst="textNoShape">
+              <a:avLst/>
+            </a:prstTxWarp>
+          </a:bodyPr>
+          <a:lstStyle/>
+          <a:p>
+            <a:endParaRPr lang="en-US"/>
+          </a:p>
+        </p:txBody>
+      </p:sp>
+      <p:sp>
+        <p:nvSpPr>
+          <p:cNvPr id="14" name="AutoShape 5" descr="List - Free interface icons"/>
+          <p:cNvSpPr>
+            <a:spLocks noChangeAspect="1" noChangeArrowheads="1"/>
+          </p:cNvSpPr>
+          <p:nvPr/>
+        </p:nvSpPr>
+        <p:spPr bwMode="auto">
+          <a:xfrm>
+            <a:off x="460375" y="160337"/>
+            <a:ext cx="304800" cy="304801"/>
+          </a:xfrm>
+          <a:prstGeom prst="rect">
+            <a:avLst/>
+          </a:prstGeom>
+          <a:noFill/>
+          <a:extLst>
+            <a:ext uri="{909E8E84-426E-40DD-AFC4-6F175D3DCCD1}">
+              <a14:hiddenFill xmlns:a14="http://schemas.microsoft.com/office/drawing/2010/main">
+                <a:solidFill>
+                  <a:srgbClr val="FFFFFF"/>
+                </a:solidFill>
+              </a14:hiddenFill>
+            </a:ext>
+          </a:extLst>
+        </p:spPr>
+        <p:txBody>
+          <a:bodyPr vert="horz" wrap="square" lIns="91440" tIns="45720" rIns="91440" bIns="45720" numCol="1" anchor="t" anchorCtr="0" compatLnSpc="1">
+            <a:prstTxWarp prst="textNoShape">
+              <a:avLst/>
+            </a:prstTxWarp>
+          </a:bodyPr>
+          <a:lstStyle/>
+          <a:p>
+            <a:endParaRPr lang="en-US"/>
+          </a:p>
+        </p:txBody>
+      </p:sp>
+      <p:sp>
+        <p:nvSpPr>
+          <p:cNvPr id="10" name="AutoShape 2" descr="Why isn't code reused in Microsoft Dynamic CRM projects? – Hosk's ..."/>
+          <p:cNvSpPr>
+            <a:spLocks noChangeAspect="1" noChangeArrowheads="1"/>
+          </p:cNvSpPr>
+          <p:nvPr/>
+        </p:nvSpPr>
+        <p:spPr bwMode="auto">
+          <a:xfrm>
+            <a:off x="612775" y="312737"/>
+            <a:ext cx="304800" cy="304801"/>
+          </a:xfrm>
+          <a:prstGeom prst="rect">
+            <a:avLst/>
+          </a:prstGeom>
+          <a:noFill/>
+          <a:extLst>
+            <a:ext uri="{909E8E84-426E-40DD-AFC4-6F175D3DCCD1}">
+              <a14:hiddenFill xmlns:a14="http://schemas.microsoft.com/office/drawing/2010/main">
+                <a:solidFill>
+                  <a:srgbClr val="FFFFFF"/>
+                </a:solidFill>
+              </a14:hiddenFill>
+            </a:ext>
+          </a:extLst>
+        </p:spPr>
+        <p:txBody>
+          <a:bodyPr vert="horz" wrap="square" lIns="91440" tIns="45720" rIns="91440" bIns="45720" numCol="1" anchor="t" anchorCtr="0" compatLnSpc="1">
+            <a:prstTxWarp prst="textNoShape">
+              <a:avLst/>
+            </a:prstTxWarp>
+          </a:bodyPr>
+          <a:lstStyle/>
+          <a:p>
+            <a:endParaRPr lang="en-US"/>
+          </a:p>
+        </p:txBody>
+      </p:sp>
+      <p:sp>
+        <p:nvSpPr>
+          <p:cNvPr id="4" name="Rectangle 3"/>
+          <p:cNvSpPr/>
+          <p:nvPr/>
+        </p:nvSpPr>
+        <p:spPr>
+          <a:xfrm>
+            <a:off x="155575" y="850205"/>
+            <a:ext cx="8763000" cy="3886200"/>
+          </a:xfrm>
+          <a:prstGeom prst="rect">
+            <a:avLst/>
+          </a:prstGeom>
+          <a:ln w="3175"/>
+        </p:spPr>
+        <p:style>
+          <a:lnRef idx="2">
+            <a:schemeClr val="accent4"/>
+          </a:lnRef>
+          <a:fillRef idx="1">
+            <a:schemeClr val="lt1"/>
+          </a:fillRef>
+          <a:effectRef idx="0">
+            <a:schemeClr val="accent4"/>
+          </a:effectRef>
+          <a:fontRef idx="minor">
+            <a:schemeClr val="dk1"/>
+          </a:fontRef>
+        </p:style>
+        <p:txBody>
+          <a:bodyPr rtlCol="0" anchor="ctr"/>
+          <a:lstStyle/>
+          <a:p>
+            <a:pPr marL="228600" indent="-228600">
+              <a:buFont typeface="+mj-lt"/>
+              <a:buAutoNum type="arabicPeriod"/>
+            </a:pPr>
+            <a:r>
+              <a:rPr lang="en-US" sz="1200" b="1" dirty="0"/>
+              <a:t>They are XML-Based</a:t>
+            </a:r>
+            <a:r>
+              <a:rPr lang="en-US" sz="1200" dirty="0"/>
+              <a:t> - Web Services uses XML to represent the data at the representation and data transportation layers. Using XML eliminates any networking, operating system, or platform sort of dependency since XML is the common language understood by all</a:t>
+            </a:r>
+            <a:r>
+              <a:rPr lang="en-US" sz="1200" dirty="0" smtClean="0"/>
+              <a:t>.</a:t>
+            </a:r>
+          </a:p>
+          <a:p>
+            <a:pPr marL="228600" indent="-228600">
+              <a:buFont typeface="+mj-lt"/>
+              <a:buAutoNum type="arabicPeriod"/>
+            </a:pPr>
+            <a:endParaRPr lang="en-US" sz="1200" dirty="0"/>
+          </a:p>
+          <a:p>
+            <a:pPr marL="228600" indent="-228600">
+              <a:buFont typeface="+mj-lt"/>
+              <a:buAutoNum type="arabicPeriod"/>
+            </a:pPr>
+            <a:r>
+              <a:rPr lang="en-US" sz="1200" b="1" dirty="0"/>
+              <a:t>Loosely Coupled</a:t>
+            </a:r>
+            <a:r>
+              <a:rPr lang="en-US" sz="1200" dirty="0"/>
+              <a:t> – Loosely coupled means that the client and the web service are not bound to each other, which means that even if the web service changes over time, it should not change the way the client calls the web service. Adopting a loosely coupled architecture tends to make software systems more manageable and allows simpler integration between different systems</a:t>
+            </a:r>
+            <a:r>
+              <a:rPr lang="en-US" sz="1200" dirty="0" smtClean="0"/>
+              <a:t>.</a:t>
+            </a:r>
+          </a:p>
+          <a:p>
+            <a:pPr marL="228600" indent="-228600">
+              <a:buFont typeface="+mj-lt"/>
+              <a:buAutoNum type="arabicPeriod"/>
+            </a:pPr>
+            <a:endParaRPr lang="en-US" sz="1200" dirty="0"/>
+          </a:p>
+          <a:p>
+            <a:pPr marL="228600" indent="-228600">
+              <a:buFont typeface="+mj-lt"/>
+              <a:buAutoNum type="arabicPeriod"/>
+            </a:pPr>
+            <a:r>
+              <a:rPr lang="en-US" sz="1200" b="1" dirty="0"/>
+              <a:t>Synchronous or Asynchronous</a:t>
+            </a:r>
+            <a:r>
+              <a:rPr lang="en-US" sz="1200" dirty="0"/>
+              <a:t> </a:t>
+            </a:r>
+            <a:r>
+              <a:rPr lang="en-US" sz="1200" b="1" dirty="0"/>
+              <a:t>functionality</a:t>
+            </a:r>
+            <a:r>
+              <a:rPr lang="en-US" sz="1200" dirty="0"/>
+              <a:t>- Synchronicity refers to the binding of the client to the execution of the service. In synchronous operations, the client will actually wait for the web service to complete an operation. An example of this is probably a scenario wherein a database read and write operation are being performed. If data is read from one database and subsequently written to another, then the operations have to be done in a sequential manner. Asynchronous operations allow a client to invoke a service and then execute other functions in parallel. This is one of the common and probably the most preferred techniques for ensuring that other services are not stopped when a particular operation is being carried out</a:t>
+            </a:r>
+            <a:r>
+              <a:rPr lang="en-US" sz="1200" dirty="0" smtClean="0"/>
+              <a:t>.</a:t>
+            </a:r>
+          </a:p>
+          <a:p>
+            <a:pPr marL="228600" indent="-228600">
+              <a:buFont typeface="+mj-lt"/>
+              <a:buAutoNum type="arabicPeriod"/>
+            </a:pPr>
+            <a:endParaRPr lang="en-US" sz="1200" dirty="0"/>
+          </a:p>
+          <a:p>
+            <a:pPr marL="228600" indent="-228600">
+              <a:buFont typeface="+mj-lt"/>
+              <a:buAutoNum type="arabicPeriod"/>
+            </a:pPr>
+            <a:r>
+              <a:rPr lang="en-US" sz="1200" b="1" dirty="0"/>
+              <a:t>Ability to support Remote Procedure Calls (RPCs)</a:t>
+            </a:r>
+            <a:r>
+              <a:rPr lang="en-US" sz="1200" dirty="0"/>
+              <a:t> - Web services enable clients to invoke procedures, functions, and methods on remote objects using an XML-based protocol. Remote procedures expose input and output parameters that a web service must support</a:t>
+            </a:r>
+            <a:r>
+              <a:rPr lang="en-US" sz="1200" dirty="0" smtClean="0"/>
+              <a:t>.</a:t>
+            </a:r>
+          </a:p>
+          <a:p>
+            <a:pPr marL="228600" indent="-228600">
+              <a:buFont typeface="+mj-lt"/>
+              <a:buAutoNum type="arabicPeriod"/>
+            </a:pPr>
+            <a:endParaRPr lang="en-US" sz="1200" dirty="0"/>
+          </a:p>
+          <a:p>
+            <a:pPr marL="228600" indent="-228600">
+              <a:buFont typeface="+mj-lt"/>
+              <a:buAutoNum type="arabicPeriod"/>
+            </a:pPr>
+            <a:r>
+              <a:rPr lang="en-US" sz="1200" b="1" dirty="0"/>
+              <a:t>Supports Document Exchange</a:t>
+            </a:r>
+            <a:r>
+              <a:rPr lang="en-US" sz="1200" dirty="0"/>
+              <a:t> - One of the key benefits of XML is its generic way of representing not only data but also complex documents. These documents can be as simple as representing a current address, or they can be as complex as representing an entire book.</a:t>
+            </a:r>
+          </a:p>
+        </p:txBody>
+      </p:sp>
+      <p:sp>
+        <p:nvSpPr>
+          <p:cNvPr id="5" name="Rectangle 4"/>
+          <p:cNvSpPr/>
+          <p:nvPr/>
+        </p:nvSpPr>
+        <p:spPr>
+          <a:xfrm>
+            <a:off x="146050" y="383480"/>
+            <a:ext cx="2217145" cy="307777"/>
+          </a:xfrm>
+          <a:prstGeom prst="rect">
+            <a:avLst/>
+          </a:prstGeom>
+        </p:spPr>
+        <p:style>
+          <a:lnRef idx="1">
+            <a:schemeClr val="accent2"/>
+          </a:lnRef>
+          <a:fillRef idx="3">
+            <a:schemeClr val="accent2"/>
+          </a:fillRef>
+          <a:effectRef idx="2">
+            <a:schemeClr val="accent2"/>
+          </a:effectRef>
+          <a:fontRef idx="minor">
+            <a:schemeClr val="lt1"/>
+          </a:fontRef>
+        </p:style>
+        <p:txBody>
+          <a:bodyPr wrap="none">
+            <a:spAutoFit/>
+          </a:bodyPr>
+          <a:lstStyle/>
+          <a:p>
+            <a:r>
+              <a:rPr lang="en-US" sz="1400" b="1" dirty="0"/>
+              <a:t>Web service Characteristics</a:t>
+            </a:r>
+          </a:p>
+        </p:txBody>
+      </p:sp>
+    </p:spTree>
+    <p:extLst>
+      <p:ext uri="{BB962C8B-B14F-4D97-AF65-F5344CB8AC3E}">
+        <p14:creationId xmlns:p14="http://schemas.microsoft.com/office/powerpoint/2010/main" val="2588683809"/>
       </p:ext>
     </p:extLst>
   </p:cSld>

--- a/Later/Java_Later/API/5/What are Webservices.pptx
+++ b/Later/Java_Later/API/5/What are Webservices.pptx
@@ -1064,6 +1064,13 @@
         </dgm:presLayoutVars>
       </dgm:prSet>
       <dgm:spPr/>
+      <dgm:t>
+        <a:bodyPr/>
+        <a:lstStyle/>
+        <a:p>
+          <a:endParaRPr lang="en-US"/>
+        </a:p>
+      </dgm:t>
     </dgm:pt>
     <dgm:pt modelId="{697ACAC5-96B2-4BA0-B2D7-872735116F94}" type="pres">
       <dgm:prSet presAssocID="{4F381965-E50E-4082-8235-CC8B9B967166}" presName="hierRoot1" presStyleCnt="0">
@@ -1095,6 +1102,13 @@
     <dgm:pt modelId="{13442AEA-283A-4295-998C-A489E618E0FD}" type="pres">
       <dgm:prSet presAssocID="{4F381965-E50E-4082-8235-CC8B9B967166}" presName="rootConnector1" presStyleLbl="node1" presStyleIdx="0" presStyleCnt="0"/>
       <dgm:spPr/>
+      <dgm:t>
+        <a:bodyPr/>
+        <a:lstStyle/>
+        <a:p>
+          <a:endParaRPr lang="en-US"/>
+        </a:p>
+      </dgm:t>
     </dgm:pt>
     <dgm:pt modelId="{6EA80757-82E3-4DA6-B28F-0BC03B71603B}" type="pres">
       <dgm:prSet presAssocID="{4F381965-E50E-4082-8235-CC8B9B967166}" presName="hierChild2" presStyleCnt="0"/>
@@ -1103,6 +1117,13 @@
     <dgm:pt modelId="{E5818BE4-67BD-4BC5-B883-0CFB392EBB81}" type="pres">
       <dgm:prSet presAssocID="{366D5A25-E58D-4F0D-9258-ECDED6834171}" presName="Name37" presStyleLbl="parChTrans1D2" presStyleIdx="0" presStyleCnt="2"/>
       <dgm:spPr/>
+      <dgm:t>
+        <a:bodyPr/>
+        <a:lstStyle/>
+        <a:p>
+          <a:endParaRPr lang="en-US"/>
+        </a:p>
+      </dgm:t>
     </dgm:pt>
     <dgm:pt modelId="{3DC5F3CD-D98E-4082-B3FE-E78E02070D32}" type="pres">
       <dgm:prSet presAssocID="{23CFEEDD-7E1B-429A-8227-734464504F69}" presName="hierRoot2" presStyleCnt="0">
@@ -1134,6 +1155,13 @@
     <dgm:pt modelId="{AB968914-42D8-4FE2-A466-A66CC3633C4C}" type="pres">
       <dgm:prSet presAssocID="{23CFEEDD-7E1B-429A-8227-734464504F69}" presName="rootConnector" presStyleLbl="node2" presStyleIdx="0" presStyleCnt="2"/>
       <dgm:spPr/>
+      <dgm:t>
+        <a:bodyPr/>
+        <a:lstStyle/>
+        <a:p>
+          <a:endParaRPr lang="en-US"/>
+        </a:p>
+      </dgm:t>
     </dgm:pt>
     <dgm:pt modelId="{B6DA5DD6-883F-48BA-B6E8-72D3BCBBD1E4}" type="pres">
       <dgm:prSet presAssocID="{23CFEEDD-7E1B-429A-8227-734464504F69}" presName="hierChild4" presStyleCnt="0"/>
@@ -1146,6 +1174,13 @@
     <dgm:pt modelId="{DEF03BD5-FE44-43D2-97EF-CCF7D626D19B}" type="pres">
       <dgm:prSet presAssocID="{0BB3DE69-84D5-43A3-8623-BA0F2AEB419E}" presName="Name37" presStyleLbl="parChTrans1D2" presStyleIdx="1" presStyleCnt="2"/>
       <dgm:spPr/>
+      <dgm:t>
+        <a:bodyPr/>
+        <a:lstStyle/>
+        <a:p>
+          <a:endParaRPr lang="en-US"/>
+        </a:p>
+      </dgm:t>
     </dgm:pt>
     <dgm:pt modelId="{49D7B429-15FB-4EDD-AE30-BE445A06C3CD}" type="pres">
       <dgm:prSet presAssocID="{6C4BA86A-2270-43C0-8DAF-2E105DB70A18}" presName="hierRoot2" presStyleCnt="0">
@@ -1177,6 +1212,13 @@
     <dgm:pt modelId="{2E45742C-BFA1-4E62-BABB-3273060443EB}" type="pres">
       <dgm:prSet presAssocID="{6C4BA86A-2270-43C0-8DAF-2E105DB70A18}" presName="rootConnector" presStyleLbl="node2" presStyleIdx="1" presStyleCnt="2"/>
       <dgm:spPr/>
+      <dgm:t>
+        <a:bodyPr/>
+        <a:lstStyle/>
+        <a:p>
+          <a:endParaRPr lang="en-US"/>
+        </a:p>
+      </dgm:t>
     </dgm:pt>
     <dgm:pt modelId="{DEAE0D64-FF4A-4AF1-82B9-A22F25B86A56}" type="pres">
       <dgm:prSet presAssocID="{6C4BA86A-2270-43C0-8DAF-2E105DB70A18}" presName="hierChild4" presStyleCnt="0"/>
@@ -1192,18 +1234,18 @@
     </dgm:pt>
   </dgm:ptLst>
   <dgm:cxnLst>
+    <dgm:cxn modelId="{E582C26D-D621-417E-9526-56688334B3F0}" type="presOf" srcId="{E7F1CB17-CDA5-47A6-B908-5306C142A9CB}" destId="{2A5D4E2A-D4CA-4462-90BA-A85E74544909}" srcOrd="0" destOrd="0" presId="urn:microsoft.com/office/officeart/2005/8/layout/orgChart1"/>
+    <dgm:cxn modelId="{35992465-A4A4-40A4-8BC6-1DF65AC129CF}" type="presOf" srcId="{6C4BA86A-2270-43C0-8DAF-2E105DB70A18}" destId="{2E45742C-BFA1-4E62-BABB-3273060443EB}" srcOrd="1" destOrd="0" presId="urn:microsoft.com/office/officeart/2005/8/layout/orgChart1"/>
+    <dgm:cxn modelId="{7EC31714-A268-43FE-B52D-9538318570DC}" type="presOf" srcId="{6C4BA86A-2270-43C0-8DAF-2E105DB70A18}" destId="{5FA566A5-26CB-4217-BF01-2A907C14735C}" srcOrd="0" destOrd="0" presId="urn:microsoft.com/office/officeart/2005/8/layout/orgChart1"/>
     <dgm:cxn modelId="{21E1F09B-5009-4566-B2C2-1D2DA13908FA}" srcId="{4F381965-E50E-4082-8235-CC8B9B967166}" destId="{6C4BA86A-2270-43C0-8DAF-2E105DB70A18}" srcOrd="1" destOrd="0" parTransId="{0BB3DE69-84D5-43A3-8623-BA0F2AEB419E}" sibTransId="{0C22320A-DED9-49CE-A3D7-48E608320F7D}"/>
+    <dgm:cxn modelId="{E0CBE219-7ECF-41B3-92F0-34208F884CE2}" type="presOf" srcId="{23CFEEDD-7E1B-429A-8227-734464504F69}" destId="{AB968914-42D8-4FE2-A466-A66CC3633C4C}" srcOrd="1" destOrd="0" presId="urn:microsoft.com/office/officeart/2005/8/layout/orgChart1"/>
+    <dgm:cxn modelId="{7846F542-2222-48CD-B18C-C712526AC5A9}" type="presOf" srcId="{366D5A25-E58D-4F0D-9258-ECDED6834171}" destId="{E5818BE4-67BD-4BC5-B883-0CFB392EBB81}" srcOrd="0" destOrd="0" presId="urn:microsoft.com/office/officeart/2005/8/layout/orgChart1"/>
+    <dgm:cxn modelId="{732EEB9A-E495-4830-AAF5-AF473AB8F2E8}" srcId="{E7F1CB17-CDA5-47A6-B908-5306C142A9CB}" destId="{4F381965-E50E-4082-8235-CC8B9B967166}" srcOrd="0" destOrd="0" parTransId="{D6E87F59-7DD9-4D0F-93ED-C7FE2F290349}" sibTransId="{D2BDA921-C585-45A2-AE12-724822399075}"/>
+    <dgm:cxn modelId="{A79342DF-1086-4916-97A4-55F54D78709E}" srcId="{4F381965-E50E-4082-8235-CC8B9B967166}" destId="{23CFEEDD-7E1B-429A-8227-734464504F69}" srcOrd="0" destOrd="0" parTransId="{366D5A25-E58D-4F0D-9258-ECDED6834171}" sibTransId="{826E6F19-020E-406C-84A6-0949F40431FC}"/>
+    <dgm:cxn modelId="{D99B9298-FFEA-496B-8F1F-431DB2085D55}" type="presOf" srcId="{4F381965-E50E-4082-8235-CC8B9B967166}" destId="{D4B9312E-D119-44EA-AFEC-D68441706B6B}" srcOrd="0" destOrd="0" presId="urn:microsoft.com/office/officeart/2005/8/layout/orgChart1"/>
+    <dgm:cxn modelId="{6E5E9771-4A8F-4237-909A-5022DBD645B3}" type="presOf" srcId="{0BB3DE69-84D5-43A3-8623-BA0F2AEB419E}" destId="{DEF03BD5-FE44-43D2-97EF-CCF7D626D19B}" srcOrd="0" destOrd="0" presId="urn:microsoft.com/office/officeart/2005/8/layout/orgChart1"/>
+    <dgm:cxn modelId="{B3C03BAF-62AF-42F3-BA60-E99EBD991950}" type="presOf" srcId="{23CFEEDD-7E1B-429A-8227-734464504F69}" destId="{23688902-9BF9-4BFB-A234-9006D345745B}" srcOrd="0" destOrd="0" presId="urn:microsoft.com/office/officeart/2005/8/layout/orgChart1"/>
     <dgm:cxn modelId="{45A064EE-B167-404E-9A31-2F07E6EC97B8}" type="presOf" srcId="{4F381965-E50E-4082-8235-CC8B9B967166}" destId="{13442AEA-283A-4295-998C-A489E618E0FD}" srcOrd="1" destOrd="0" presId="urn:microsoft.com/office/officeart/2005/8/layout/orgChart1"/>
-    <dgm:cxn modelId="{7846F542-2222-48CD-B18C-C712526AC5A9}" type="presOf" srcId="{366D5A25-E58D-4F0D-9258-ECDED6834171}" destId="{E5818BE4-67BD-4BC5-B883-0CFB392EBB81}" srcOrd="0" destOrd="0" presId="urn:microsoft.com/office/officeart/2005/8/layout/orgChart1"/>
-    <dgm:cxn modelId="{7EC31714-A268-43FE-B52D-9538318570DC}" type="presOf" srcId="{6C4BA86A-2270-43C0-8DAF-2E105DB70A18}" destId="{5FA566A5-26CB-4217-BF01-2A907C14735C}" srcOrd="0" destOrd="0" presId="urn:microsoft.com/office/officeart/2005/8/layout/orgChart1"/>
-    <dgm:cxn modelId="{D99B9298-FFEA-496B-8F1F-431DB2085D55}" type="presOf" srcId="{4F381965-E50E-4082-8235-CC8B9B967166}" destId="{D4B9312E-D119-44EA-AFEC-D68441706B6B}" srcOrd="0" destOrd="0" presId="urn:microsoft.com/office/officeart/2005/8/layout/orgChart1"/>
-    <dgm:cxn modelId="{732EEB9A-E495-4830-AAF5-AF473AB8F2E8}" srcId="{E7F1CB17-CDA5-47A6-B908-5306C142A9CB}" destId="{4F381965-E50E-4082-8235-CC8B9B967166}" srcOrd="0" destOrd="0" parTransId="{D6E87F59-7DD9-4D0F-93ED-C7FE2F290349}" sibTransId="{D2BDA921-C585-45A2-AE12-724822399075}"/>
-    <dgm:cxn modelId="{B3C03BAF-62AF-42F3-BA60-E99EBD991950}" type="presOf" srcId="{23CFEEDD-7E1B-429A-8227-734464504F69}" destId="{23688902-9BF9-4BFB-A234-9006D345745B}" srcOrd="0" destOrd="0" presId="urn:microsoft.com/office/officeart/2005/8/layout/orgChart1"/>
-    <dgm:cxn modelId="{E582C26D-D621-417E-9526-56688334B3F0}" type="presOf" srcId="{E7F1CB17-CDA5-47A6-B908-5306C142A9CB}" destId="{2A5D4E2A-D4CA-4462-90BA-A85E74544909}" srcOrd="0" destOrd="0" presId="urn:microsoft.com/office/officeart/2005/8/layout/orgChart1"/>
-    <dgm:cxn modelId="{A79342DF-1086-4916-97A4-55F54D78709E}" srcId="{4F381965-E50E-4082-8235-CC8B9B967166}" destId="{23CFEEDD-7E1B-429A-8227-734464504F69}" srcOrd="0" destOrd="0" parTransId="{366D5A25-E58D-4F0D-9258-ECDED6834171}" sibTransId="{826E6F19-020E-406C-84A6-0949F40431FC}"/>
-    <dgm:cxn modelId="{E0CBE219-7ECF-41B3-92F0-34208F884CE2}" type="presOf" srcId="{23CFEEDD-7E1B-429A-8227-734464504F69}" destId="{AB968914-42D8-4FE2-A466-A66CC3633C4C}" srcOrd="1" destOrd="0" presId="urn:microsoft.com/office/officeart/2005/8/layout/orgChart1"/>
-    <dgm:cxn modelId="{6E5E9771-4A8F-4237-909A-5022DBD645B3}" type="presOf" srcId="{0BB3DE69-84D5-43A3-8623-BA0F2AEB419E}" destId="{DEF03BD5-FE44-43D2-97EF-CCF7D626D19B}" srcOrd="0" destOrd="0" presId="urn:microsoft.com/office/officeart/2005/8/layout/orgChart1"/>
-    <dgm:cxn modelId="{35992465-A4A4-40A4-8BC6-1DF65AC129CF}" type="presOf" srcId="{6C4BA86A-2270-43C0-8DAF-2E105DB70A18}" destId="{2E45742C-BFA1-4E62-BABB-3273060443EB}" srcOrd="1" destOrd="0" presId="urn:microsoft.com/office/officeart/2005/8/layout/orgChart1"/>
     <dgm:cxn modelId="{B53B0EB2-4C76-41BE-9AC0-1AD3221F2C9A}" type="presParOf" srcId="{2A5D4E2A-D4CA-4462-90BA-A85E74544909}" destId="{697ACAC5-96B2-4BA0-B2D7-872735116F94}" srcOrd="0" destOrd="0" presId="urn:microsoft.com/office/officeart/2005/8/layout/orgChart1"/>
     <dgm:cxn modelId="{E9BF6E36-42F7-4198-BC00-EF377EC9514A}" type="presParOf" srcId="{697ACAC5-96B2-4BA0-B2D7-872735116F94}" destId="{919A21D3-7A92-47CE-AA78-31F58581E858}" srcOrd="0" destOrd="0" presId="urn:microsoft.com/office/officeart/2005/8/layout/orgChart1"/>
     <dgm:cxn modelId="{5ECC1420-5490-4CAF-840B-B1522C91E684}" type="presParOf" srcId="{919A21D3-7A92-47CE-AA78-31F58581E858}" destId="{D4B9312E-D119-44EA-AFEC-D68441706B6B}" srcOrd="0" destOrd="0" presId="urn:microsoft.com/office/officeart/2005/8/layout/orgChart1"/>
@@ -7886,8 +7928,9 @@
             </a:lvl9pPr>
           </a:lstStyle>
           <a:p>
-            <a:r>
-              <a:rPr lang="en-US" sz="1200" b="1" dirty="0"/>
+            <a:pPr algn="ctr"/>
+            <a:r>
+              <a:rPr lang="en-US" sz="1200" dirty="0"/>
               <a:t>What are Web Services? Architecture, Types, Example</a:t>
             </a:r>
           </a:p>
@@ -8379,6 +8422,92 @@
           </a:p>
         </p:txBody>
       </p:sp>
+      <p:sp>
+        <p:nvSpPr>
+          <p:cNvPr id="4" name="TextBox 3"/>
+          <p:cNvSpPr txBox="1"/>
+          <p:nvPr/>
+        </p:nvSpPr>
+        <p:spPr>
+          <a:xfrm>
+            <a:off x="1098962" y="2471350"/>
+            <a:ext cx="543931" cy="276999"/>
+          </a:xfrm>
+          <a:prstGeom prst="rect">
+            <a:avLst/>
+          </a:prstGeom>
+        </p:spPr>
+        <p:style>
+          <a:lnRef idx="1">
+            <a:schemeClr val="accent2"/>
+          </a:lnRef>
+          <a:fillRef idx="3">
+            <a:schemeClr val="accent2"/>
+          </a:fillRef>
+          <a:effectRef idx="2">
+            <a:schemeClr val="accent2"/>
+          </a:effectRef>
+          <a:fontRef idx="minor">
+            <a:schemeClr val="lt1"/>
+          </a:fontRef>
+        </p:style>
+        <p:txBody>
+          <a:bodyPr wrap="none" rtlCol="0">
+            <a:spAutoFit/>
+          </a:bodyPr>
+          <a:lstStyle/>
+          <a:p>
+            <a:r>
+              <a:rPr lang="en-US" sz="1200" dirty="0" smtClean="0"/>
+              <a:t>Client</a:t>
+            </a:r>
+            <a:endParaRPr lang="en-US" sz="1200" dirty="0"/>
+          </a:p>
+        </p:txBody>
+      </p:sp>
+      <p:sp>
+        <p:nvSpPr>
+          <p:cNvPr id="17" name="TextBox 16"/>
+          <p:cNvSpPr txBox="1"/>
+          <p:nvPr/>
+        </p:nvSpPr>
+        <p:spPr>
+          <a:xfrm>
+            <a:off x="7496586" y="2266950"/>
+            <a:ext cx="583750" cy="276999"/>
+          </a:xfrm>
+          <a:prstGeom prst="rect">
+            <a:avLst/>
+          </a:prstGeom>
+        </p:spPr>
+        <p:style>
+          <a:lnRef idx="1">
+            <a:schemeClr val="accent2"/>
+          </a:lnRef>
+          <a:fillRef idx="3">
+            <a:schemeClr val="accent2"/>
+          </a:fillRef>
+          <a:effectRef idx="2">
+            <a:schemeClr val="accent2"/>
+          </a:effectRef>
+          <a:fontRef idx="minor">
+            <a:schemeClr val="lt1"/>
+          </a:fontRef>
+        </p:style>
+        <p:txBody>
+          <a:bodyPr wrap="none" rtlCol="0">
+            <a:spAutoFit/>
+          </a:bodyPr>
+          <a:lstStyle/>
+          <a:p>
+            <a:r>
+              <a:rPr lang="en-US" sz="1200" dirty="0" smtClean="0"/>
+              <a:t>Server</a:t>
+            </a:r>
+            <a:endParaRPr lang="en-US" sz="1200" dirty="0"/>
+          </a:p>
+        </p:txBody>
+      </p:sp>
     </p:spTree>
     <p:extLst>
       <p:ext uri="{BB962C8B-B14F-4D97-AF65-F5344CB8AC3E}">
@@ -8499,142 +8628,6 @@
           <a:lstStyle/>
           <a:p>
             <a:endParaRPr lang="en-US" dirty="0"/>
-          </a:p>
-        </p:txBody>
-      </p:sp>
-      <p:sp>
-        <p:nvSpPr>
-          <p:cNvPr id="9" name="Rectangle 8"/>
-          <p:cNvSpPr/>
-          <p:nvPr/>
-        </p:nvSpPr>
-        <p:spPr>
-          <a:xfrm>
-            <a:off x="2895600" y="23853"/>
-            <a:ext cx="3657600" cy="276999"/>
-          </a:xfrm>
-          <a:prstGeom prst="rect">
-            <a:avLst/>
-          </a:prstGeom>
-        </p:spPr>
-        <p:style>
-          <a:lnRef idx="1">
-            <a:schemeClr val="accent4"/>
-          </a:lnRef>
-          <a:fillRef idx="3">
-            <a:schemeClr val="accent4"/>
-          </a:fillRef>
-          <a:effectRef idx="2">
-            <a:schemeClr val="accent4"/>
-          </a:effectRef>
-          <a:fontRef idx="minor">
-            <a:schemeClr val="lt1"/>
-          </a:fontRef>
-        </p:style>
-        <p:txBody>
-          <a:bodyPr wrap="square">
-            <a:spAutoFit/>
-          </a:bodyPr>
-          <a:lstStyle>
-            <a:defPPr>
-              <a:defRPr lang="en-US"/>
-            </a:defPPr>
-            <a:lvl1pPr marL="0" algn="l" defTabSz="914400" rtl="0" eaLnBrk="1" latinLnBrk="0" hangingPunct="1">
-              <a:defRPr sz="1800" kern="1200">
-                <a:solidFill>
-                  <a:schemeClr val="lt1"/>
-                </a:solidFill>
-                <a:latin typeface="+mn-lt"/>
-                <a:ea typeface="+mn-ea"/>
-                <a:cs typeface="+mn-cs"/>
-              </a:defRPr>
-            </a:lvl1pPr>
-            <a:lvl2pPr marL="457200" algn="l" defTabSz="914400" rtl="0" eaLnBrk="1" latinLnBrk="0" hangingPunct="1">
-              <a:defRPr sz="1800" kern="1200">
-                <a:solidFill>
-                  <a:schemeClr val="lt1"/>
-                </a:solidFill>
-                <a:latin typeface="+mn-lt"/>
-                <a:ea typeface="+mn-ea"/>
-                <a:cs typeface="+mn-cs"/>
-              </a:defRPr>
-            </a:lvl2pPr>
-            <a:lvl3pPr marL="914400" algn="l" defTabSz="914400" rtl="0" eaLnBrk="1" latinLnBrk="0" hangingPunct="1">
-              <a:defRPr sz="1800" kern="1200">
-                <a:solidFill>
-                  <a:schemeClr val="lt1"/>
-                </a:solidFill>
-                <a:latin typeface="+mn-lt"/>
-                <a:ea typeface="+mn-ea"/>
-                <a:cs typeface="+mn-cs"/>
-              </a:defRPr>
-            </a:lvl3pPr>
-            <a:lvl4pPr marL="1371600" algn="l" defTabSz="914400" rtl="0" eaLnBrk="1" latinLnBrk="0" hangingPunct="1">
-              <a:defRPr sz="1800" kern="1200">
-                <a:solidFill>
-                  <a:schemeClr val="lt1"/>
-                </a:solidFill>
-                <a:latin typeface="+mn-lt"/>
-                <a:ea typeface="+mn-ea"/>
-                <a:cs typeface="+mn-cs"/>
-              </a:defRPr>
-            </a:lvl4pPr>
-            <a:lvl5pPr marL="1828800" algn="l" defTabSz="914400" rtl="0" eaLnBrk="1" latinLnBrk="0" hangingPunct="1">
-              <a:defRPr sz="1800" kern="1200">
-                <a:solidFill>
-                  <a:schemeClr val="lt1"/>
-                </a:solidFill>
-                <a:latin typeface="+mn-lt"/>
-                <a:ea typeface="+mn-ea"/>
-                <a:cs typeface="+mn-cs"/>
-              </a:defRPr>
-            </a:lvl5pPr>
-            <a:lvl6pPr marL="2286000" algn="l" defTabSz="914400" rtl="0" eaLnBrk="1" latinLnBrk="0" hangingPunct="1">
-              <a:defRPr sz="1800" kern="1200">
-                <a:solidFill>
-                  <a:schemeClr val="lt1"/>
-                </a:solidFill>
-                <a:latin typeface="+mn-lt"/>
-                <a:ea typeface="+mn-ea"/>
-                <a:cs typeface="+mn-cs"/>
-              </a:defRPr>
-            </a:lvl6pPr>
-            <a:lvl7pPr marL="2743200" algn="l" defTabSz="914400" rtl="0" eaLnBrk="1" latinLnBrk="0" hangingPunct="1">
-              <a:defRPr sz="1800" kern="1200">
-                <a:solidFill>
-                  <a:schemeClr val="lt1"/>
-                </a:solidFill>
-                <a:latin typeface="+mn-lt"/>
-                <a:ea typeface="+mn-ea"/>
-                <a:cs typeface="+mn-cs"/>
-              </a:defRPr>
-            </a:lvl7pPr>
-            <a:lvl8pPr marL="3200400" algn="l" defTabSz="914400" rtl="0" eaLnBrk="1" latinLnBrk="0" hangingPunct="1">
-              <a:defRPr sz="1800" kern="1200">
-                <a:solidFill>
-                  <a:schemeClr val="lt1"/>
-                </a:solidFill>
-                <a:latin typeface="+mn-lt"/>
-                <a:ea typeface="+mn-ea"/>
-                <a:cs typeface="+mn-cs"/>
-              </a:defRPr>
-            </a:lvl8pPr>
-            <a:lvl9pPr marL="3657600" algn="l" defTabSz="914400" rtl="0" eaLnBrk="1" latinLnBrk="0" hangingPunct="1">
-              <a:defRPr sz="1800" kern="1200">
-                <a:solidFill>
-                  <a:schemeClr val="lt1"/>
-                </a:solidFill>
-                <a:latin typeface="+mn-lt"/>
-                <a:ea typeface="+mn-ea"/>
-                <a:cs typeface="+mn-cs"/>
-              </a:defRPr>
-            </a:lvl9pPr>
-          </a:lstStyle>
-          <a:p>
-            <a:r>
-              <a:rPr lang="en-US" sz="1200" b="1" dirty="0"/>
-              <a:t>What are Web Services? Architecture, Types, Example</a:t>
-            </a:r>
           </a:p>
         </p:txBody>
       </p:sp>
@@ -9185,6 +9178,229 @@
           </a:p>
         </p:txBody>
       </p:sp>
+      <p:sp>
+        <p:nvSpPr>
+          <p:cNvPr id="17" name="Rectangle 16"/>
+          <p:cNvSpPr/>
+          <p:nvPr/>
+        </p:nvSpPr>
+        <p:spPr>
+          <a:xfrm>
+            <a:off x="2895600" y="23853"/>
+            <a:ext cx="3657600" cy="276999"/>
+          </a:xfrm>
+          <a:prstGeom prst="rect">
+            <a:avLst/>
+          </a:prstGeom>
+        </p:spPr>
+        <p:style>
+          <a:lnRef idx="1">
+            <a:schemeClr val="accent4"/>
+          </a:lnRef>
+          <a:fillRef idx="3">
+            <a:schemeClr val="accent4"/>
+          </a:fillRef>
+          <a:effectRef idx="2">
+            <a:schemeClr val="accent4"/>
+          </a:effectRef>
+          <a:fontRef idx="minor">
+            <a:schemeClr val="lt1"/>
+          </a:fontRef>
+        </p:style>
+        <p:txBody>
+          <a:bodyPr wrap="square">
+            <a:spAutoFit/>
+          </a:bodyPr>
+          <a:lstStyle>
+            <a:defPPr>
+              <a:defRPr lang="en-US"/>
+            </a:defPPr>
+            <a:lvl1pPr marL="0" algn="l" defTabSz="914400" rtl="0" eaLnBrk="1" latinLnBrk="0" hangingPunct="1">
+              <a:defRPr sz="1800" kern="1200">
+                <a:solidFill>
+                  <a:schemeClr val="lt1"/>
+                </a:solidFill>
+                <a:latin typeface="+mn-lt"/>
+                <a:ea typeface="+mn-ea"/>
+                <a:cs typeface="+mn-cs"/>
+              </a:defRPr>
+            </a:lvl1pPr>
+            <a:lvl2pPr marL="457200" algn="l" defTabSz="914400" rtl="0" eaLnBrk="1" latinLnBrk="0" hangingPunct="1">
+              <a:defRPr sz="1800" kern="1200">
+                <a:solidFill>
+                  <a:schemeClr val="lt1"/>
+                </a:solidFill>
+                <a:latin typeface="+mn-lt"/>
+                <a:ea typeface="+mn-ea"/>
+                <a:cs typeface="+mn-cs"/>
+              </a:defRPr>
+            </a:lvl2pPr>
+            <a:lvl3pPr marL="914400" algn="l" defTabSz="914400" rtl="0" eaLnBrk="1" latinLnBrk="0" hangingPunct="1">
+              <a:defRPr sz="1800" kern="1200">
+                <a:solidFill>
+                  <a:schemeClr val="lt1"/>
+                </a:solidFill>
+                <a:latin typeface="+mn-lt"/>
+                <a:ea typeface="+mn-ea"/>
+                <a:cs typeface="+mn-cs"/>
+              </a:defRPr>
+            </a:lvl3pPr>
+            <a:lvl4pPr marL="1371600" algn="l" defTabSz="914400" rtl="0" eaLnBrk="1" latinLnBrk="0" hangingPunct="1">
+              <a:defRPr sz="1800" kern="1200">
+                <a:solidFill>
+                  <a:schemeClr val="lt1"/>
+                </a:solidFill>
+                <a:latin typeface="+mn-lt"/>
+                <a:ea typeface="+mn-ea"/>
+                <a:cs typeface="+mn-cs"/>
+              </a:defRPr>
+            </a:lvl4pPr>
+            <a:lvl5pPr marL="1828800" algn="l" defTabSz="914400" rtl="0" eaLnBrk="1" latinLnBrk="0" hangingPunct="1">
+              <a:defRPr sz="1800" kern="1200">
+                <a:solidFill>
+                  <a:schemeClr val="lt1"/>
+                </a:solidFill>
+                <a:latin typeface="+mn-lt"/>
+                <a:ea typeface="+mn-ea"/>
+                <a:cs typeface="+mn-cs"/>
+              </a:defRPr>
+            </a:lvl5pPr>
+            <a:lvl6pPr marL="2286000" algn="l" defTabSz="914400" rtl="0" eaLnBrk="1" latinLnBrk="0" hangingPunct="1">
+              <a:defRPr sz="1800" kern="1200">
+                <a:solidFill>
+                  <a:schemeClr val="lt1"/>
+                </a:solidFill>
+                <a:latin typeface="+mn-lt"/>
+                <a:ea typeface="+mn-ea"/>
+                <a:cs typeface="+mn-cs"/>
+              </a:defRPr>
+            </a:lvl6pPr>
+            <a:lvl7pPr marL="2743200" algn="l" defTabSz="914400" rtl="0" eaLnBrk="1" latinLnBrk="0" hangingPunct="1">
+              <a:defRPr sz="1800" kern="1200">
+                <a:solidFill>
+                  <a:schemeClr val="lt1"/>
+                </a:solidFill>
+                <a:latin typeface="+mn-lt"/>
+                <a:ea typeface="+mn-ea"/>
+                <a:cs typeface="+mn-cs"/>
+              </a:defRPr>
+            </a:lvl7pPr>
+            <a:lvl8pPr marL="3200400" algn="l" defTabSz="914400" rtl="0" eaLnBrk="1" latinLnBrk="0" hangingPunct="1">
+              <a:defRPr sz="1800" kern="1200">
+                <a:solidFill>
+                  <a:schemeClr val="lt1"/>
+                </a:solidFill>
+                <a:latin typeface="+mn-lt"/>
+                <a:ea typeface="+mn-ea"/>
+                <a:cs typeface="+mn-cs"/>
+              </a:defRPr>
+            </a:lvl8pPr>
+            <a:lvl9pPr marL="3657600" algn="l" defTabSz="914400" rtl="0" eaLnBrk="1" latinLnBrk="0" hangingPunct="1">
+              <a:defRPr sz="1800" kern="1200">
+                <a:solidFill>
+                  <a:schemeClr val="lt1"/>
+                </a:solidFill>
+                <a:latin typeface="+mn-lt"/>
+                <a:ea typeface="+mn-ea"/>
+                <a:cs typeface="+mn-cs"/>
+              </a:defRPr>
+            </a:lvl9pPr>
+          </a:lstStyle>
+          <a:p>
+            <a:pPr algn="ctr"/>
+            <a:r>
+              <a:rPr lang="en-US" sz="1200" dirty="0"/>
+              <a:t>What are Web Services? Architecture, Types, Example</a:t>
+            </a:r>
+          </a:p>
+        </p:txBody>
+      </p:sp>
+      <p:sp>
+        <p:nvSpPr>
+          <p:cNvPr id="19" name="TextBox 18"/>
+          <p:cNvSpPr txBox="1"/>
+          <p:nvPr/>
+        </p:nvSpPr>
+        <p:spPr>
+          <a:xfrm>
+            <a:off x="1098962" y="2680786"/>
+            <a:ext cx="543931" cy="276999"/>
+          </a:xfrm>
+          <a:prstGeom prst="rect">
+            <a:avLst/>
+          </a:prstGeom>
+        </p:spPr>
+        <p:style>
+          <a:lnRef idx="1">
+            <a:schemeClr val="accent2"/>
+          </a:lnRef>
+          <a:fillRef idx="3">
+            <a:schemeClr val="accent2"/>
+          </a:fillRef>
+          <a:effectRef idx="2">
+            <a:schemeClr val="accent2"/>
+          </a:effectRef>
+          <a:fontRef idx="minor">
+            <a:schemeClr val="lt1"/>
+          </a:fontRef>
+        </p:style>
+        <p:txBody>
+          <a:bodyPr wrap="none" rtlCol="0">
+            <a:spAutoFit/>
+          </a:bodyPr>
+          <a:lstStyle/>
+          <a:p>
+            <a:r>
+              <a:rPr lang="en-US" sz="1200" dirty="0" smtClean="0"/>
+              <a:t>Client</a:t>
+            </a:r>
+            <a:endParaRPr lang="en-US" sz="1200" dirty="0"/>
+          </a:p>
+        </p:txBody>
+      </p:sp>
+      <p:sp>
+        <p:nvSpPr>
+          <p:cNvPr id="20" name="TextBox 19"/>
+          <p:cNvSpPr txBox="1"/>
+          <p:nvPr/>
+        </p:nvSpPr>
+        <p:spPr>
+          <a:xfrm>
+            <a:off x="7349452" y="2561336"/>
+            <a:ext cx="583750" cy="276999"/>
+          </a:xfrm>
+          <a:prstGeom prst="rect">
+            <a:avLst/>
+          </a:prstGeom>
+        </p:spPr>
+        <p:style>
+          <a:lnRef idx="1">
+            <a:schemeClr val="accent2"/>
+          </a:lnRef>
+          <a:fillRef idx="3">
+            <a:schemeClr val="accent2"/>
+          </a:fillRef>
+          <a:effectRef idx="2">
+            <a:schemeClr val="accent2"/>
+          </a:effectRef>
+          <a:fontRef idx="minor">
+            <a:schemeClr val="lt1"/>
+          </a:fontRef>
+        </p:style>
+        <p:txBody>
+          <a:bodyPr wrap="none" rtlCol="0">
+            <a:spAutoFit/>
+          </a:bodyPr>
+          <a:lstStyle/>
+          <a:p>
+            <a:r>
+              <a:rPr lang="en-US" sz="1200" dirty="0" smtClean="0"/>
+              <a:t>Server</a:t>
+            </a:r>
+            <a:endParaRPr lang="en-US" sz="1200" dirty="0"/>
+          </a:p>
+        </p:txBody>
+      </p:sp>
     </p:spTree>
     <p:extLst>
       <p:ext uri="{BB962C8B-B14F-4D97-AF65-F5344CB8AC3E}">
@@ -9305,142 +9521,6 @@
           <a:lstStyle/>
           <a:p>
             <a:endParaRPr lang="en-US" dirty="0"/>
-          </a:p>
-        </p:txBody>
-      </p:sp>
-      <p:sp>
-        <p:nvSpPr>
-          <p:cNvPr id="9" name="Rectangle 8"/>
-          <p:cNvSpPr/>
-          <p:nvPr/>
-        </p:nvSpPr>
-        <p:spPr>
-          <a:xfrm>
-            <a:off x="2895600" y="23853"/>
-            <a:ext cx="3657600" cy="276999"/>
-          </a:xfrm>
-          <a:prstGeom prst="rect">
-            <a:avLst/>
-          </a:prstGeom>
-        </p:spPr>
-        <p:style>
-          <a:lnRef idx="1">
-            <a:schemeClr val="accent4"/>
-          </a:lnRef>
-          <a:fillRef idx="3">
-            <a:schemeClr val="accent4"/>
-          </a:fillRef>
-          <a:effectRef idx="2">
-            <a:schemeClr val="accent4"/>
-          </a:effectRef>
-          <a:fontRef idx="minor">
-            <a:schemeClr val="lt1"/>
-          </a:fontRef>
-        </p:style>
-        <p:txBody>
-          <a:bodyPr wrap="square">
-            <a:spAutoFit/>
-          </a:bodyPr>
-          <a:lstStyle>
-            <a:defPPr>
-              <a:defRPr lang="en-US"/>
-            </a:defPPr>
-            <a:lvl1pPr marL="0" algn="l" defTabSz="914400" rtl="0" eaLnBrk="1" latinLnBrk="0" hangingPunct="1">
-              <a:defRPr sz="1800" kern="1200">
-                <a:solidFill>
-                  <a:schemeClr val="lt1"/>
-                </a:solidFill>
-                <a:latin typeface="+mn-lt"/>
-                <a:ea typeface="+mn-ea"/>
-                <a:cs typeface="+mn-cs"/>
-              </a:defRPr>
-            </a:lvl1pPr>
-            <a:lvl2pPr marL="457200" algn="l" defTabSz="914400" rtl="0" eaLnBrk="1" latinLnBrk="0" hangingPunct="1">
-              <a:defRPr sz="1800" kern="1200">
-                <a:solidFill>
-                  <a:schemeClr val="lt1"/>
-                </a:solidFill>
-                <a:latin typeface="+mn-lt"/>
-                <a:ea typeface="+mn-ea"/>
-                <a:cs typeface="+mn-cs"/>
-              </a:defRPr>
-            </a:lvl2pPr>
-            <a:lvl3pPr marL="914400" algn="l" defTabSz="914400" rtl="0" eaLnBrk="1" latinLnBrk="0" hangingPunct="1">
-              <a:defRPr sz="1800" kern="1200">
-                <a:solidFill>
-                  <a:schemeClr val="lt1"/>
-                </a:solidFill>
-                <a:latin typeface="+mn-lt"/>
-                <a:ea typeface="+mn-ea"/>
-                <a:cs typeface="+mn-cs"/>
-              </a:defRPr>
-            </a:lvl3pPr>
-            <a:lvl4pPr marL="1371600" algn="l" defTabSz="914400" rtl="0" eaLnBrk="1" latinLnBrk="0" hangingPunct="1">
-              <a:defRPr sz="1800" kern="1200">
-                <a:solidFill>
-                  <a:schemeClr val="lt1"/>
-                </a:solidFill>
-                <a:latin typeface="+mn-lt"/>
-                <a:ea typeface="+mn-ea"/>
-                <a:cs typeface="+mn-cs"/>
-              </a:defRPr>
-            </a:lvl4pPr>
-            <a:lvl5pPr marL="1828800" algn="l" defTabSz="914400" rtl="0" eaLnBrk="1" latinLnBrk="0" hangingPunct="1">
-              <a:defRPr sz="1800" kern="1200">
-                <a:solidFill>
-                  <a:schemeClr val="lt1"/>
-                </a:solidFill>
-                <a:latin typeface="+mn-lt"/>
-                <a:ea typeface="+mn-ea"/>
-                <a:cs typeface="+mn-cs"/>
-              </a:defRPr>
-            </a:lvl5pPr>
-            <a:lvl6pPr marL="2286000" algn="l" defTabSz="914400" rtl="0" eaLnBrk="1" latinLnBrk="0" hangingPunct="1">
-              <a:defRPr sz="1800" kern="1200">
-                <a:solidFill>
-                  <a:schemeClr val="lt1"/>
-                </a:solidFill>
-                <a:latin typeface="+mn-lt"/>
-                <a:ea typeface="+mn-ea"/>
-                <a:cs typeface="+mn-cs"/>
-              </a:defRPr>
-            </a:lvl6pPr>
-            <a:lvl7pPr marL="2743200" algn="l" defTabSz="914400" rtl="0" eaLnBrk="1" latinLnBrk="0" hangingPunct="1">
-              <a:defRPr sz="1800" kern="1200">
-                <a:solidFill>
-                  <a:schemeClr val="lt1"/>
-                </a:solidFill>
-                <a:latin typeface="+mn-lt"/>
-                <a:ea typeface="+mn-ea"/>
-                <a:cs typeface="+mn-cs"/>
-              </a:defRPr>
-            </a:lvl7pPr>
-            <a:lvl8pPr marL="3200400" algn="l" defTabSz="914400" rtl="0" eaLnBrk="1" latinLnBrk="0" hangingPunct="1">
-              <a:defRPr sz="1800" kern="1200">
-                <a:solidFill>
-                  <a:schemeClr val="lt1"/>
-                </a:solidFill>
-                <a:latin typeface="+mn-lt"/>
-                <a:ea typeface="+mn-ea"/>
-                <a:cs typeface="+mn-cs"/>
-              </a:defRPr>
-            </a:lvl8pPr>
-            <a:lvl9pPr marL="3657600" algn="l" defTabSz="914400" rtl="0" eaLnBrk="1" latinLnBrk="0" hangingPunct="1">
-              <a:defRPr sz="1800" kern="1200">
-                <a:solidFill>
-                  <a:schemeClr val="lt1"/>
-                </a:solidFill>
-                <a:latin typeface="+mn-lt"/>
-                <a:ea typeface="+mn-ea"/>
-                <a:cs typeface="+mn-cs"/>
-              </a:defRPr>
-            </a:lvl9pPr>
-          </a:lstStyle>
-          <a:p>
-            <a:r>
-              <a:rPr lang="en-US" sz="1200" b="1" dirty="0"/>
-              <a:t>What are Web Services? Architecture, Types, Example</a:t>
-            </a:r>
           </a:p>
         </p:txBody>
       </p:sp>
@@ -10222,6 +10302,229 @@
           </a:extLst>
         </p:spPr>
       </p:pic>
+      <p:sp>
+        <p:nvSpPr>
+          <p:cNvPr id="20" name="Rectangle 19"/>
+          <p:cNvSpPr/>
+          <p:nvPr/>
+        </p:nvSpPr>
+        <p:spPr>
+          <a:xfrm>
+            <a:off x="2895600" y="23853"/>
+            <a:ext cx="3657600" cy="276999"/>
+          </a:xfrm>
+          <a:prstGeom prst="rect">
+            <a:avLst/>
+          </a:prstGeom>
+        </p:spPr>
+        <p:style>
+          <a:lnRef idx="1">
+            <a:schemeClr val="accent4"/>
+          </a:lnRef>
+          <a:fillRef idx="3">
+            <a:schemeClr val="accent4"/>
+          </a:fillRef>
+          <a:effectRef idx="2">
+            <a:schemeClr val="accent4"/>
+          </a:effectRef>
+          <a:fontRef idx="minor">
+            <a:schemeClr val="lt1"/>
+          </a:fontRef>
+        </p:style>
+        <p:txBody>
+          <a:bodyPr wrap="square">
+            <a:spAutoFit/>
+          </a:bodyPr>
+          <a:lstStyle>
+            <a:defPPr>
+              <a:defRPr lang="en-US"/>
+            </a:defPPr>
+            <a:lvl1pPr marL="0" algn="l" defTabSz="914400" rtl="0" eaLnBrk="1" latinLnBrk="0" hangingPunct="1">
+              <a:defRPr sz="1800" kern="1200">
+                <a:solidFill>
+                  <a:schemeClr val="lt1"/>
+                </a:solidFill>
+                <a:latin typeface="+mn-lt"/>
+                <a:ea typeface="+mn-ea"/>
+                <a:cs typeface="+mn-cs"/>
+              </a:defRPr>
+            </a:lvl1pPr>
+            <a:lvl2pPr marL="457200" algn="l" defTabSz="914400" rtl="0" eaLnBrk="1" latinLnBrk="0" hangingPunct="1">
+              <a:defRPr sz="1800" kern="1200">
+                <a:solidFill>
+                  <a:schemeClr val="lt1"/>
+                </a:solidFill>
+                <a:latin typeface="+mn-lt"/>
+                <a:ea typeface="+mn-ea"/>
+                <a:cs typeface="+mn-cs"/>
+              </a:defRPr>
+            </a:lvl2pPr>
+            <a:lvl3pPr marL="914400" algn="l" defTabSz="914400" rtl="0" eaLnBrk="1" latinLnBrk="0" hangingPunct="1">
+              <a:defRPr sz="1800" kern="1200">
+                <a:solidFill>
+                  <a:schemeClr val="lt1"/>
+                </a:solidFill>
+                <a:latin typeface="+mn-lt"/>
+                <a:ea typeface="+mn-ea"/>
+                <a:cs typeface="+mn-cs"/>
+              </a:defRPr>
+            </a:lvl3pPr>
+            <a:lvl4pPr marL="1371600" algn="l" defTabSz="914400" rtl="0" eaLnBrk="1" latinLnBrk="0" hangingPunct="1">
+              <a:defRPr sz="1800" kern="1200">
+                <a:solidFill>
+                  <a:schemeClr val="lt1"/>
+                </a:solidFill>
+                <a:latin typeface="+mn-lt"/>
+                <a:ea typeface="+mn-ea"/>
+                <a:cs typeface="+mn-cs"/>
+              </a:defRPr>
+            </a:lvl4pPr>
+            <a:lvl5pPr marL="1828800" algn="l" defTabSz="914400" rtl="0" eaLnBrk="1" latinLnBrk="0" hangingPunct="1">
+              <a:defRPr sz="1800" kern="1200">
+                <a:solidFill>
+                  <a:schemeClr val="lt1"/>
+                </a:solidFill>
+                <a:latin typeface="+mn-lt"/>
+                <a:ea typeface="+mn-ea"/>
+                <a:cs typeface="+mn-cs"/>
+              </a:defRPr>
+            </a:lvl5pPr>
+            <a:lvl6pPr marL="2286000" algn="l" defTabSz="914400" rtl="0" eaLnBrk="1" latinLnBrk="0" hangingPunct="1">
+              <a:defRPr sz="1800" kern="1200">
+                <a:solidFill>
+                  <a:schemeClr val="lt1"/>
+                </a:solidFill>
+                <a:latin typeface="+mn-lt"/>
+                <a:ea typeface="+mn-ea"/>
+                <a:cs typeface="+mn-cs"/>
+              </a:defRPr>
+            </a:lvl6pPr>
+            <a:lvl7pPr marL="2743200" algn="l" defTabSz="914400" rtl="0" eaLnBrk="1" latinLnBrk="0" hangingPunct="1">
+              <a:defRPr sz="1800" kern="1200">
+                <a:solidFill>
+                  <a:schemeClr val="lt1"/>
+                </a:solidFill>
+                <a:latin typeface="+mn-lt"/>
+                <a:ea typeface="+mn-ea"/>
+                <a:cs typeface="+mn-cs"/>
+              </a:defRPr>
+            </a:lvl7pPr>
+            <a:lvl8pPr marL="3200400" algn="l" defTabSz="914400" rtl="0" eaLnBrk="1" latinLnBrk="0" hangingPunct="1">
+              <a:defRPr sz="1800" kern="1200">
+                <a:solidFill>
+                  <a:schemeClr val="lt1"/>
+                </a:solidFill>
+                <a:latin typeface="+mn-lt"/>
+                <a:ea typeface="+mn-ea"/>
+                <a:cs typeface="+mn-cs"/>
+              </a:defRPr>
+            </a:lvl8pPr>
+            <a:lvl9pPr marL="3657600" algn="l" defTabSz="914400" rtl="0" eaLnBrk="1" latinLnBrk="0" hangingPunct="1">
+              <a:defRPr sz="1800" kern="1200">
+                <a:solidFill>
+                  <a:schemeClr val="lt1"/>
+                </a:solidFill>
+                <a:latin typeface="+mn-lt"/>
+                <a:ea typeface="+mn-ea"/>
+                <a:cs typeface="+mn-cs"/>
+              </a:defRPr>
+            </a:lvl9pPr>
+          </a:lstStyle>
+          <a:p>
+            <a:pPr algn="ctr"/>
+            <a:r>
+              <a:rPr lang="en-US" sz="1200" dirty="0"/>
+              <a:t>What are Web Services? Architecture, Types, Example</a:t>
+            </a:r>
+          </a:p>
+        </p:txBody>
+      </p:sp>
+      <p:sp>
+        <p:nvSpPr>
+          <p:cNvPr id="21" name="TextBox 20"/>
+          <p:cNvSpPr txBox="1"/>
+          <p:nvPr/>
+        </p:nvSpPr>
+        <p:spPr>
+          <a:xfrm>
+            <a:off x="1082920" y="2776036"/>
+            <a:ext cx="543931" cy="276999"/>
+          </a:xfrm>
+          <a:prstGeom prst="rect">
+            <a:avLst/>
+          </a:prstGeom>
+        </p:spPr>
+        <p:style>
+          <a:lnRef idx="1">
+            <a:schemeClr val="accent2"/>
+          </a:lnRef>
+          <a:fillRef idx="3">
+            <a:schemeClr val="accent2"/>
+          </a:fillRef>
+          <a:effectRef idx="2">
+            <a:schemeClr val="accent2"/>
+          </a:effectRef>
+          <a:fontRef idx="minor">
+            <a:schemeClr val="lt1"/>
+          </a:fontRef>
+        </p:style>
+        <p:txBody>
+          <a:bodyPr wrap="none" rtlCol="0">
+            <a:spAutoFit/>
+          </a:bodyPr>
+          <a:lstStyle/>
+          <a:p>
+            <a:r>
+              <a:rPr lang="en-US" sz="1200" dirty="0" smtClean="0"/>
+              <a:t>Client</a:t>
+            </a:r>
+            <a:endParaRPr lang="en-US" sz="1200" dirty="0"/>
+          </a:p>
+        </p:txBody>
+      </p:sp>
+      <p:sp>
+        <p:nvSpPr>
+          <p:cNvPr id="22" name="TextBox 21"/>
+          <p:cNvSpPr txBox="1"/>
+          <p:nvPr/>
+        </p:nvSpPr>
+        <p:spPr>
+          <a:xfrm>
+            <a:off x="7368502" y="2590028"/>
+            <a:ext cx="583750" cy="276999"/>
+          </a:xfrm>
+          <a:prstGeom prst="rect">
+            <a:avLst/>
+          </a:prstGeom>
+        </p:spPr>
+        <p:style>
+          <a:lnRef idx="1">
+            <a:schemeClr val="accent2"/>
+          </a:lnRef>
+          <a:fillRef idx="3">
+            <a:schemeClr val="accent2"/>
+          </a:fillRef>
+          <a:effectRef idx="2">
+            <a:schemeClr val="accent2"/>
+          </a:effectRef>
+          <a:fontRef idx="minor">
+            <a:schemeClr val="lt1"/>
+          </a:fontRef>
+        </p:style>
+        <p:txBody>
+          <a:bodyPr wrap="none" rtlCol="0">
+            <a:spAutoFit/>
+          </a:bodyPr>
+          <a:lstStyle/>
+          <a:p>
+            <a:r>
+              <a:rPr lang="en-US" sz="1200" dirty="0" smtClean="0"/>
+              <a:t>Server</a:t>
+            </a:r>
+            <a:endParaRPr lang="en-US" sz="1200" dirty="0"/>
+          </a:p>
+        </p:txBody>
+      </p:sp>
     </p:spTree>
     <p:extLst>
       <p:ext uri="{BB962C8B-B14F-4D97-AF65-F5344CB8AC3E}">
@@ -10347,142 +10650,6 @@
       </p:sp>
       <p:sp>
         <p:nvSpPr>
-          <p:cNvPr id="9" name="Rectangle 8"/>
-          <p:cNvSpPr/>
-          <p:nvPr/>
-        </p:nvSpPr>
-        <p:spPr>
-          <a:xfrm>
-            <a:off x="2895600" y="23853"/>
-            <a:ext cx="3657600" cy="276999"/>
-          </a:xfrm>
-          <a:prstGeom prst="rect">
-            <a:avLst/>
-          </a:prstGeom>
-        </p:spPr>
-        <p:style>
-          <a:lnRef idx="1">
-            <a:schemeClr val="accent4"/>
-          </a:lnRef>
-          <a:fillRef idx="3">
-            <a:schemeClr val="accent4"/>
-          </a:fillRef>
-          <a:effectRef idx="2">
-            <a:schemeClr val="accent4"/>
-          </a:effectRef>
-          <a:fontRef idx="minor">
-            <a:schemeClr val="lt1"/>
-          </a:fontRef>
-        </p:style>
-        <p:txBody>
-          <a:bodyPr wrap="square">
-            <a:spAutoFit/>
-          </a:bodyPr>
-          <a:lstStyle>
-            <a:defPPr>
-              <a:defRPr lang="en-US"/>
-            </a:defPPr>
-            <a:lvl1pPr marL="0" algn="l" defTabSz="914400" rtl="0" eaLnBrk="1" latinLnBrk="0" hangingPunct="1">
-              <a:defRPr sz="1800" kern="1200">
-                <a:solidFill>
-                  <a:schemeClr val="lt1"/>
-                </a:solidFill>
-                <a:latin typeface="+mn-lt"/>
-                <a:ea typeface="+mn-ea"/>
-                <a:cs typeface="+mn-cs"/>
-              </a:defRPr>
-            </a:lvl1pPr>
-            <a:lvl2pPr marL="457200" algn="l" defTabSz="914400" rtl="0" eaLnBrk="1" latinLnBrk="0" hangingPunct="1">
-              <a:defRPr sz="1800" kern="1200">
-                <a:solidFill>
-                  <a:schemeClr val="lt1"/>
-                </a:solidFill>
-                <a:latin typeface="+mn-lt"/>
-                <a:ea typeface="+mn-ea"/>
-                <a:cs typeface="+mn-cs"/>
-              </a:defRPr>
-            </a:lvl2pPr>
-            <a:lvl3pPr marL="914400" algn="l" defTabSz="914400" rtl="0" eaLnBrk="1" latinLnBrk="0" hangingPunct="1">
-              <a:defRPr sz="1800" kern="1200">
-                <a:solidFill>
-                  <a:schemeClr val="lt1"/>
-                </a:solidFill>
-                <a:latin typeface="+mn-lt"/>
-                <a:ea typeface="+mn-ea"/>
-                <a:cs typeface="+mn-cs"/>
-              </a:defRPr>
-            </a:lvl3pPr>
-            <a:lvl4pPr marL="1371600" algn="l" defTabSz="914400" rtl="0" eaLnBrk="1" latinLnBrk="0" hangingPunct="1">
-              <a:defRPr sz="1800" kern="1200">
-                <a:solidFill>
-                  <a:schemeClr val="lt1"/>
-                </a:solidFill>
-                <a:latin typeface="+mn-lt"/>
-                <a:ea typeface="+mn-ea"/>
-                <a:cs typeface="+mn-cs"/>
-              </a:defRPr>
-            </a:lvl4pPr>
-            <a:lvl5pPr marL="1828800" algn="l" defTabSz="914400" rtl="0" eaLnBrk="1" latinLnBrk="0" hangingPunct="1">
-              <a:defRPr sz="1800" kern="1200">
-                <a:solidFill>
-                  <a:schemeClr val="lt1"/>
-                </a:solidFill>
-                <a:latin typeface="+mn-lt"/>
-                <a:ea typeface="+mn-ea"/>
-                <a:cs typeface="+mn-cs"/>
-              </a:defRPr>
-            </a:lvl5pPr>
-            <a:lvl6pPr marL="2286000" algn="l" defTabSz="914400" rtl="0" eaLnBrk="1" latinLnBrk="0" hangingPunct="1">
-              <a:defRPr sz="1800" kern="1200">
-                <a:solidFill>
-                  <a:schemeClr val="lt1"/>
-                </a:solidFill>
-                <a:latin typeface="+mn-lt"/>
-                <a:ea typeface="+mn-ea"/>
-                <a:cs typeface="+mn-cs"/>
-              </a:defRPr>
-            </a:lvl6pPr>
-            <a:lvl7pPr marL="2743200" algn="l" defTabSz="914400" rtl="0" eaLnBrk="1" latinLnBrk="0" hangingPunct="1">
-              <a:defRPr sz="1800" kern="1200">
-                <a:solidFill>
-                  <a:schemeClr val="lt1"/>
-                </a:solidFill>
-                <a:latin typeface="+mn-lt"/>
-                <a:ea typeface="+mn-ea"/>
-                <a:cs typeface="+mn-cs"/>
-              </a:defRPr>
-            </a:lvl7pPr>
-            <a:lvl8pPr marL="3200400" algn="l" defTabSz="914400" rtl="0" eaLnBrk="1" latinLnBrk="0" hangingPunct="1">
-              <a:defRPr sz="1800" kern="1200">
-                <a:solidFill>
-                  <a:schemeClr val="lt1"/>
-                </a:solidFill>
-                <a:latin typeface="+mn-lt"/>
-                <a:ea typeface="+mn-ea"/>
-                <a:cs typeface="+mn-cs"/>
-              </a:defRPr>
-            </a:lvl8pPr>
-            <a:lvl9pPr marL="3657600" algn="l" defTabSz="914400" rtl="0" eaLnBrk="1" latinLnBrk="0" hangingPunct="1">
-              <a:defRPr sz="1800" kern="1200">
-                <a:solidFill>
-                  <a:schemeClr val="lt1"/>
-                </a:solidFill>
-                <a:latin typeface="+mn-lt"/>
-                <a:ea typeface="+mn-ea"/>
-                <a:cs typeface="+mn-cs"/>
-              </a:defRPr>
-            </a:lvl9pPr>
-          </a:lstStyle>
-          <a:p>
-            <a:r>
-              <a:rPr lang="en-US" sz="1200" b="1" dirty="0"/>
-              <a:t>What are Web Services? Architecture, Types, Example</a:t>
-            </a:r>
-          </a:p>
-        </p:txBody>
-      </p:sp>
-      <p:sp>
-        <p:nvSpPr>
           <p:cNvPr id="6" name="AutoShape 4" descr="Image result for xml symbol"/>
           <p:cNvSpPr>
             <a:spLocks noChangeAspect="1" noChangeArrowheads="1"/>
@@ -10776,6 +10943,143 @@
           </a:graphicData>
         </a:graphic>
       </p:graphicFrame>
+      <p:sp>
+        <p:nvSpPr>
+          <p:cNvPr id="11" name="Rectangle 10"/>
+          <p:cNvSpPr/>
+          <p:nvPr/>
+        </p:nvSpPr>
+        <p:spPr>
+          <a:xfrm>
+            <a:off x="2895600" y="23853"/>
+            <a:ext cx="3657600" cy="276999"/>
+          </a:xfrm>
+          <a:prstGeom prst="rect">
+            <a:avLst/>
+          </a:prstGeom>
+        </p:spPr>
+        <p:style>
+          <a:lnRef idx="1">
+            <a:schemeClr val="accent4"/>
+          </a:lnRef>
+          <a:fillRef idx="3">
+            <a:schemeClr val="accent4"/>
+          </a:fillRef>
+          <a:effectRef idx="2">
+            <a:schemeClr val="accent4"/>
+          </a:effectRef>
+          <a:fontRef idx="minor">
+            <a:schemeClr val="lt1"/>
+          </a:fontRef>
+        </p:style>
+        <p:txBody>
+          <a:bodyPr wrap="square">
+            <a:spAutoFit/>
+          </a:bodyPr>
+          <a:lstStyle>
+            <a:defPPr>
+              <a:defRPr lang="en-US"/>
+            </a:defPPr>
+            <a:lvl1pPr marL="0" algn="l" defTabSz="914400" rtl="0" eaLnBrk="1" latinLnBrk="0" hangingPunct="1">
+              <a:defRPr sz="1800" kern="1200">
+                <a:solidFill>
+                  <a:schemeClr val="lt1"/>
+                </a:solidFill>
+                <a:latin typeface="+mn-lt"/>
+                <a:ea typeface="+mn-ea"/>
+                <a:cs typeface="+mn-cs"/>
+              </a:defRPr>
+            </a:lvl1pPr>
+            <a:lvl2pPr marL="457200" algn="l" defTabSz="914400" rtl="0" eaLnBrk="1" latinLnBrk="0" hangingPunct="1">
+              <a:defRPr sz="1800" kern="1200">
+                <a:solidFill>
+                  <a:schemeClr val="lt1"/>
+                </a:solidFill>
+                <a:latin typeface="+mn-lt"/>
+                <a:ea typeface="+mn-ea"/>
+                <a:cs typeface="+mn-cs"/>
+              </a:defRPr>
+            </a:lvl2pPr>
+            <a:lvl3pPr marL="914400" algn="l" defTabSz="914400" rtl="0" eaLnBrk="1" latinLnBrk="0" hangingPunct="1">
+              <a:defRPr sz="1800" kern="1200">
+                <a:solidFill>
+                  <a:schemeClr val="lt1"/>
+                </a:solidFill>
+                <a:latin typeface="+mn-lt"/>
+                <a:ea typeface="+mn-ea"/>
+                <a:cs typeface="+mn-cs"/>
+              </a:defRPr>
+            </a:lvl3pPr>
+            <a:lvl4pPr marL="1371600" algn="l" defTabSz="914400" rtl="0" eaLnBrk="1" latinLnBrk="0" hangingPunct="1">
+              <a:defRPr sz="1800" kern="1200">
+                <a:solidFill>
+                  <a:schemeClr val="lt1"/>
+                </a:solidFill>
+                <a:latin typeface="+mn-lt"/>
+                <a:ea typeface="+mn-ea"/>
+                <a:cs typeface="+mn-cs"/>
+              </a:defRPr>
+            </a:lvl4pPr>
+            <a:lvl5pPr marL="1828800" algn="l" defTabSz="914400" rtl="0" eaLnBrk="1" latinLnBrk="0" hangingPunct="1">
+              <a:defRPr sz="1800" kern="1200">
+                <a:solidFill>
+                  <a:schemeClr val="lt1"/>
+                </a:solidFill>
+                <a:latin typeface="+mn-lt"/>
+                <a:ea typeface="+mn-ea"/>
+                <a:cs typeface="+mn-cs"/>
+              </a:defRPr>
+            </a:lvl5pPr>
+            <a:lvl6pPr marL="2286000" algn="l" defTabSz="914400" rtl="0" eaLnBrk="1" latinLnBrk="0" hangingPunct="1">
+              <a:defRPr sz="1800" kern="1200">
+                <a:solidFill>
+                  <a:schemeClr val="lt1"/>
+                </a:solidFill>
+                <a:latin typeface="+mn-lt"/>
+                <a:ea typeface="+mn-ea"/>
+                <a:cs typeface="+mn-cs"/>
+              </a:defRPr>
+            </a:lvl6pPr>
+            <a:lvl7pPr marL="2743200" algn="l" defTabSz="914400" rtl="0" eaLnBrk="1" latinLnBrk="0" hangingPunct="1">
+              <a:defRPr sz="1800" kern="1200">
+                <a:solidFill>
+                  <a:schemeClr val="lt1"/>
+                </a:solidFill>
+                <a:latin typeface="+mn-lt"/>
+                <a:ea typeface="+mn-ea"/>
+                <a:cs typeface="+mn-cs"/>
+              </a:defRPr>
+            </a:lvl7pPr>
+            <a:lvl8pPr marL="3200400" algn="l" defTabSz="914400" rtl="0" eaLnBrk="1" latinLnBrk="0" hangingPunct="1">
+              <a:defRPr sz="1800" kern="1200">
+                <a:solidFill>
+                  <a:schemeClr val="lt1"/>
+                </a:solidFill>
+                <a:latin typeface="+mn-lt"/>
+                <a:ea typeface="+mn-ea"/>
+                <a:cs typeface="+mn-cs"/>
+              </a:defRPr>
+            </a:lvl8pPr>
+            <a:lvl9pPr marL="3657600" algn="l" defTabSz="914400" rtl="0" eaLnBrk="1" latinLnBrk="0" hangingPunct="1">
+              <a:defRPr sz="1800" kern="1200">
+                <a:solidFill>
+                  <a:schemeClr val="lt1"/>
+                </a:solidFill>
+                <a:latin typeface="+mn-lt"/>
+                <a:ea typeface="+mn-ea"/>
+                <a:cs typeface="+mn-cs"/>
+              </a:defRPr>
+            </a:lvl9pPr>
+          </a:lstStyle>
+          <a:p>
+            <a:pPr algn="ctr"/>
+            <a:r>
+              <a:rPr lang="en-US" sz="1200" dirty="0"/>
+              <a:t>What are Web Services? Architecture, Types, Example</a:t>
+            </a:r>
+          </a:p>
+        </p:txBody>
+      </p:sp>
     </p:spTree>
     <p:extLst>
       <p:ext uri="{BB962C8B-B14F-4D97-AF65-F5344CB8AC3E}">
@@ -10901,142 +11205,6 @@
       </p:sp>
       <p:sp>
         <p:nvSpPr>
-          <p:cNvPr id="9" name="Rectangle 8"/>
-          <p:cNvSpPr/>
-          <p:nvPr/>
-        </p:nvSpPr>
-        <p:spPr>
-          <a:xfrm>
-            <a:off x="2895600" y="23853"/>
-            <a:ext cx="3657600" cy="276999"/>
-          </a:xfrm>
-          <a:prstGeom prst="rect">
-            <a:avLst/>
-          </a:prstGeom>
-        </p:spPr>
-        <p:style>
-          <a:lnRef idx="1">
-            <a:schemeClr val="accent4"/>
-          </a:lnRef>
-          <a:fillRef idx="3">
-            <a:schemeClr val="accent4"/>
-          </a:fillRef>
-          <a:effectRef idx="2">
-            <a:schemeClr val="accent4"/>
-          </a:effectRef>
-          <a:fontRef idx="minor">
-            <a:schemeClr val="lt1"/>
-          </a:fontRef>
-        </p:style>
-        <p:txBody>
-          <a:bodyPr wrap="square">
-            <a:spAutoFit/>
-          </a:bodyPr>
-          <a:lstStyle>
-            <a:defPPr>
-              <a:defRPr lang="en-US"/>
-            </a:defPPr>
-            <a:lvl1pPr marL="0" algn="l" defTabSz="914400" rtl="0" eaLnBrk="1" latinLnBrk="0" hangingPunct="1">
-              <a:defRPr sz="1800" kern="1200">
-                <a:solidFill>
-                  <a:schemeClr val="lt1"/>
-                </a:solidFill>
-                <a:latin typeface="+mn-lt"/>
-                <a:ea typeface="+mn-ea"/>
-                <a:cs typeface="+mn-cs"/>
-              </a:defRPr>
-            </a:lvl1pPr>
-            <a:lvl2pPr marL="457200" algn="l" defTabSz="914400" rtl="0" eaLnBrk="1" latinLnBrk="0" hangingPunct="1">
-              <a:defRPr sz="1800" kern="1200">
-                <a:solidFill>
-                  <a:schemeClr val="lt1"/>
-                </a:solidFill>
-                <a:latin typeface="+mn-lt"/>
-                <a:ea typeface="+mn-ea"/>
-                <a:cs typeface="+mn-cs"/>
-              </a:defRPr>
-            </a:lvl2pPr>
-            <a:lvl3pPr marL="914400" algn="l" defTabSz="914400" rtl="0" eaLnBrk="1" latinLnBrk="0" hangingPunct="1">
-              <a:defRPr sz="1800" kern="1200">
-                <a:solidFill>
-                  <a:schemeClr val="lt1"/>
-                </a:solidFill>
-                <a:latin typeface="+mn-lt"/>
-                <a:ea typeface="+mn-ea"/>
-                <a:cs typeface="+mn-cs"/>
-              </a:defRPr>
-            </a:lvl3pPr>
-            <a:lvl4pPr marL="1371600" algn="l" defTabSz="914400" rtl="0" eaLnBrk="1" latinLnBrk="0" hangingPunct="1">
-              <a:defRPr sz="1800" kern="1200">
-                <a:solidFill>
-                  <a:schemeClr val="lt1"/>
-                </a:solidFill>
-                <a:latin typeface="+mn-lt"/>
-                <a:ea typeface="+mn-ea"/>
-                <a:cs typeface="+mn-cs"/>
-              </a:defRPr>
-            </a:lvl4pPr>
-            <a:lvl5pPr marL="1828800" algn="l" defTabSz="914400" rtl="0" eaLnBrk="1" latinLnBrk="0" hangingPunct="1">
-              <a:defRPr sz="1800" kern="1200">
-                <a:solidFill>
-                  <a:schemeClr val="lt1"/>
-                </a:solidFill>
-                <a:latin typeface="+mn-lt"/>
-                <a:ea typeface="+mn-ea"/>
-                <a:cs typeface="+mn-cs"/>
-              </a:defRPr>
-            </a:lvl5pPr>
-            <a:lvl6pPr marL="2286000" algn="l" defTabSz="914400" rtl="0" eaLnBrk="1" latinLnBrk="0" hangingPunct="1">
-              <a:defRPr sz="1800" kern="1200">
-                <a:solidFill>
-                  <a:schemeClr val="lt1"/>
-                </a:solidFill>
-                <a:latin typeface="+mn-lt"/>
-                <a:ea typeface="+mn-ea"/>
-                <a:cs typeface="+mn-cs"/>
-              </a:defRPr>
-            </a:lvl6pPr>
-            <a:lvl7pPr marL="2743200" algn="l" defTabSz="914400" rtl="0" eaLnBrk="1" latinLnBrk="0" hangingPunct="1">
-              <a:defRPr sz="1800" kern="1200">
-                <a:solidFill>
-                  <a:schemeClr val="lt1"/>
-                </a:solidFill>
-                <a:latin typeface="+mn-lt"/>
-                <a:ea typeface="+mn-ea"/>
-                <a:cs typeface="+mn-cs"/>
-              </a:defRPr>
-            </a:lvl7pPr>
-            <a:lvl8pPr marL="3200400" algn="l" defTabSz="914400" rtl="0" eaLnBrk="1" latinLnBrk="0" hangingPunct="1">
-              <a:defRPr sz="1800" kern="1200">
-                <a:solidFill>
-                  <a:schemeClr val="lt1"/>
-                </a:solidFill>
-                <a:latin typeface="+mn-lt"/>
-                <a:ea typeface="+mn-ea"/>
-                <a:cs typeface="+mn-cs"/>
-              </a:defRPr>
-            </a:lvl8pPr>
-            <a:lvl9pPr marL="3657600" algn="l" defTabSz="914400" rtl="0" eaLnBrk="1" latinLnBrk="0" hangingPunct="1">
-              <a:defRPr sz="1800" kern="1200">
-                <a:solidFill>
-                  <a:schemeClr val="lt1"/>
-                </a:solidFill>
-                <a:latin typeface="+mn-lt"/>
-                <a:ea typeface="+mn-ea"/>
-                <a:cs typeface="+mn-cs"/>
-              </a:defRPr>
-            </a:lvl9pPr>
-          </a:lstStyle>
-          <a:p>
-            <a:r>
-              <a:rPr lang="en-US" sz="1200" b="1" dirty="0"/>
-              <a:t>What are Web Services? Architecture, Types, Example</a:t>
-            </a:r>
-          </a:p>
-        </p:txBody>
-      </p:sp>
-      <p:sp>
-        <p:nvSpPr>
           <p:cNvPr id="6" name="AutoShape 4" descr="Image result for xml symbol"/>
           <p:cNvSpPr>
             <a:spLocks noChangeAspect="1" noChangeArrowheads="1"/>
@@ -11315,6 +11483,143 @@
             <a:r>
               <a:rPr lang="en-US" sz="1400" b="1" dirty="0"/>
               <a:t>Web Services Advantages</a:t>
+            </a:r>
+          </a:p>
+        </p:txBody>
+      </p:sp>
+      <p:sp>
+        <p:nvSpPr>
+          <p:cNvPr id="11" name="Rectangle 10"/>
+          <p:cNvSpPr/>
+          <p:nvPr/>
+        </p:nvSpPr>
+        <p:spPr>
+          <a:xfrm>
+            <a:off x="2895600" y="23853"/>
+            <a:ext cx="3657600" cy="276999"/>
+          </a:xfrm>
+          <a:prstGeom prst="rect">
+            <a:avLst/>
+          </a:prstGeom>
+        </p:spPr>
+        <p:style>
+          <a:lnRef idx="1">
+            <a:schemeClr val="accent4"/>
+          </a:lnRef>
+          <a:fillRef idx="3">
+            <a:schemeClr val="accent4"/>
+          </a:fillRef>
+          <a:effectRef idx="2">
+            <a:schemeClr val="accent4"/>
+          </a:effectRef>
+          <a:fontRef idx="minor">
+            <a:schemeClr val="lt1"/>
+          </a:fontRef>
+        </p:style>
+        <p:txBody>
+          <a:bodyPr wrap="square">
+            <a:spAutoFit/>
+          </a:bodyPr>
+          <a:lstStyle>
+            <a:defPPr>
+              <a:defRPr lang="en-US"/>
+            </a:defPPr>
+            <a:lvl1pPr marL="0" algn="l" defTabSz="914400" rtl="0" eaLnBrk="1" latinLnBrk="0" hangingPunct="1">
+              <a:defRPr sz="1800" kern="1200">
+                <a:solidFill>
+                  <a:schemeClr val="lt1"/>
+                </a:solidFill>
+                <a:latin typeface="+mn-lt"/>
+                <a:ea typeface="+mn-ea"/>
+                <a:cs typeface="+mn-cs"/>
+              </a:defRPr>
+            </a:lvl1pPr>
+            <a:lvl2pPr marL="457200" algn="l" defTabSz="914400" rtl="0" eaLnBrk="1" latinLnBrk="0" hangingPunct="1">
+              <a:defRPr sz="1800" kern="1200">
+                <a:solidFill>
+                  <a:schemeClr val="lt1"/>
+                </a:solidFill>
+                <a:latin typeface="+mn-lt"/>
+                <a:ea typeface="+mn-ea"/>
+                <a:cs typeface="+mn-cs"/>
+              </a:defRPr>
+            </a:lvl2pPr>
+            <a:lvl3pPr marL="914400" algn="l" defTabSz="914400" rtl="0" eaLnBrk="1" latinLnBrk="0" hangingPunct="1">
+              <a:defRPr sz="1800" kern="1200">
+                <a:solidFill>
+                  <a:schemeClr val="lt1"/>
+                </a:solidFill>
+                <a:latin typeface="+mn-lt"/>
+                <a:ea typeface="+mn-ea"/>
+                <a:cs typeface="+mn-cs"/>
+              </a:defRPr>
+            </a:lvl3pPr>
+            <a:lvl4pPr marL="1371600" algn="l" defTabSz="914400" rtl="0" eaLnBrk="1" latinLnBrk="0" hangingPunct="1">
+              <a:defRPr sz="1800" kern="1200">
+                <a:solidFill>
+                  <a:schemeClr val="lt1"/>
+                </a:solidFill>
+                <a:latin typeface="+mn-lt"/>
+                <a:ea typeface="+mn-ea"/>
+                <a:cs typeface="+mn-cs"/>
+              </a:defRPr>
+            </a:lvl4pPr>
+            <a:lvl5pPr marL="1828800" algn="l" defTabSz="914400" rtl="0" eaLnBrk="1" latinLnBrk="0" hangingPunct="1">
+              <a:defRPr sz="1800" kern="1200">
+                <a:solidFill>
+                  <a:schemeClr val="lt1"/>
+                </a:solidFill>
+                <a:latin typeface="+mn-lt"/>
+                <a:ea typeface="+mn-ea"/>
+                <a:cs typeface="+mn-cs"/>
+              </a:defRPr>
+            </a:lvl5pPr>
+            <a:lvl6pPr marL="2286000" algn="l" defTabSz="914400" rtl="0" eaLnBrk="1" latinLnBrk="0" hangingPunct="1">
+              <a:defRPr sz="1800" kern="1200">
+                <a:solidFill>
+                  <a:schemeClr val="lt1"/>
+                </a:solidFill>
+                <a:latin typeface="+mn-lt"/>
+                <a:ea typeface="+mn-ea"/>
+                <a:cs typeface="+mn-cs"/>
+              </a:defRPr>
+            </a:lvl6pPr>
+            <a:lvl7pPr marL="2743200" algn="l" defTabSz="914400" rtl="0" eaLnBrk="1" latinLnBrk="0" hangingPunct="1">
+              <a:defRPr sz="1800" kern="1200">
+                <a:solidFill>
+                  <a:schemeClr val="lt1"/>
+                </a:solidFill>
+                <a:latin typeface="+mn-lt"/>
+                <a:ea typeface="+mn-ea"/>
+                <a:cs typeface="+mn-cs"/>
+              </a:defRPr>
+            </a:lvl7pPr>
+            <a:lvl8pPr marL="3200400" algn="l" defTabSz="914400" rtl="0" eaLnBrk="1" latinLnBrk="0" hangingPunct="1">
+              <a:defRPr sz="1800" kern="1200">
+                <a:solidFill>
+                  <a:schemeClr val="lt1"/>
+                </a:solidFill>
+                <a:latin typeface="+mn-lt"/>
+                <a:ea typeface="+mn-ea"/>
+                <a:cs typeface="+mn-cs"/>
+              </a:defRPr>
+            </a:lvl8pPr>
+            <a:lvl9pPr marL="3657600" algn="l" defTabSz="914400" rtl="0" eaLnBrk="1" latinLnBrk="0" hangingPunct="1">
+              <a:defRPr sz="1800" kern="1200">
+                <a:solidFill>
+                  <a:schemeClr val="lt1"/>
+                </a:solidFill>
+                <a:latin typeface="+mn-lt"/>
+                <a:ea typeface="+mn-ea"/>
+                <a:cs typeface="+mn-cs"/>
+              </a:defRPr>
+            </a:lvl9pPr>
+          </a:lstStyle>
+          <a:p>
+            <a:pPr algn="ctr"/>
+            <a:r>
+              <a:rPr lang="en-US" sz="1200" dirty="0"/>
+              <a:t>What are Web Services? Architecture, Types, Example</a:t>
             </a:r>
           </a:p>
         </p:txBody>
@@ -11444,142 +11749,6 @@
       </p:sp>
       <p:sp>
         <p:nvSpPr>
-          <p:cNvPr id="9" name="Rectangle 8"/>
-          <p:cNvSpPr/>
-          <p:nvPr/>
-        </p:nvSpPr>
-        <p:spPr>
-          <a:xfrm>
-            <a:off x="2895600" y="23853"/>
-            <a:ext cx="3657600" cy="276999"/>
-          </a:xfrm>
-          <a:prstGeom prst="rect">
-            <a:avLst/>
-          </a:prstGeom>
-        </p:spPr>
-        <p:style>
-          <a:lnRef idx="1">
-            <a:schemeClr val="accent4"/>
-          </a:lnRef>
-          <a:fillRef idx="3">
-            <a:schemeClr val="accent4"/>
-          </a:fillRef>
-          <a:effectRef idx="2">
-            <a:schemeClr val="accent4"/>
-          </a:effectRef>
-          <a:fontRef idx="minor">
-            <a:schemeClr val="lt1"/>
-          </a:fontRef>
-        </p:style>
-        <p:txBody>
-          <a:bodyPr wrap="square">
-            <a:spAutoFit/>
-          </a:bodyPr>
-          <a:lstStyle>
-            <a:defPPr>
-              <a:defRPr lang="en-US"/>
-            </a:defPPr>
-            <a:lvl1pPr marL="0" algn="l" defTabSz="914400" rtl="0" eaLnBrk="1" latinLnBrk="0" hangingPunct="1">
-              <a:defRPr sz="1800" kern="1200">
-                <a:solidFill>
-                  <a:schemeClr val="lt1"/>
-                </a:solidFill>
-                <a:latin typeface="+mn-lt"/>
-                <a:ea typeface="+mn-ea"/>
-                <a:cs typeface="+mn-cs"/>
-              </a:defRPr>
-            </a:lvl1pPr>
-            <a:lvl2pPr marL="457200" algn="l" defTabSz="914400" rtl="0" eaLnBrk="1" latinLnBrk="0" hangingPunct="1">
-              <a:defRPr sz="1800" kern="1200">
-                <a:solidFill>
-                  <a:schemeClr val="lt1"/>
-                </a:solidFill>
-                <a:latin typeface="+mn-lt"/>
-                <a:ea typeface="+mn-ea"/>
-                <a:cs typeface="+mn-cs"/>
-              </a:defRPr>
-            </a:lvl2pPr>
-            <a:lvl3pPr marL="914400" algn="l" defTabSz="914400" rtl="0" eaLnBrk="1" latinLnBrk="0" hangingPunct="1">
-              <a:defRPr sz="1800" kern="1200">
-                <a:solidFill>
-                  <a:schemeClr val="lt1"/>
-                </a:solidFill>
-                <a:latin typeface="+mn-lt"/>
-                <a:ea typeface="+mn-ea"/>
-                <a:cs typeface="+mn-cs"/>
-              </a:defRPr>
-            </a:lvl3pPr>
-            <a:lvl4pPr marL="1371600" algn="l" defTabSz="914400" rtl="0" eaLnBrk="1" latinLnBrk="0" hangingPunct="1">
-              <a:defRPr sz="1800" kern="1200">
-                <a:solidFill>
-                  <a:schemeClr val="lt1"/>
-                </a:solidFill>
-                <a:latin typeface="+mn-lt"/>
-                <a:ea typeface="+mn-ea"/>
-                <a:cs typeface="+mn-cs"/>
-              </a:defRPr>
-            </a:lvl4pPr>
-            <a:lvl5pPr marL="1828800" algn="l" defTabSz="914400" rtl="0" eaLnBrk="1" latinLnBrk="0" hangingPunct="1">
-              <a:defRPr sz="1800" kern="1200">
-                <a:solidFill>
-                  <a:schemeClr val="lt1"/>
-                </a:solidFill>
-                <a:latin typeface="+mn-lt"/>
-                <a:ea typeface="+mn-ea"/>
-                <a:cs typeface="+mn-cs"/>
-              </a:defRPr>
-            </a:lvl5pPr>
-            <a:lvl6pPr marL="2286000" algn="l" defTabSz="914400" rtl="0" eaLnBrk="1" latinLnBrk="0" hangingPunct="1">
-              <a:defRPr sz="1800" kern="1200">
-                <a:solidFill>
-                  <a:schemeClr val="lt1"/>
-                </a:solidFill>
-                <a:latin typeface="+mn-lt"/>
-                <a:ea typeface="+mn-ea"/>
-                <a:cs typeface="+mn-cs"/>
-              </a:defRPr>
-            </a:lvl6pPr>
-            <a:lvl7pPr marL="2743200" algn="l" defTabSz="914400" rtl="0" eaLnBrk="1" latinLnBrk="0" hangingPunct="1">
-              <a:defRPr sz="1800" kern="1200">
-                <a:solidFill>
-                  <a:schemeClr val="lt1"/>
-                </a:solidFill>
-                <a:latin typeface="+mn-lt"/>
-                <a:ea typeface="+mn-ea"/>
-                <a:cs typeface="+mn-cs"/>
-              </a:defRPr>
-            </a:lvl7pPr>
-            <a:lvl8pPr marL="3200400" algn="l" defTabSz="914400" rtl="0" eaLnBrk="1" latinLnBrk="0" hangingPunct="1">
-              <a:defRPr sz="1800" kern="1200">
-                <a:solidFill>
-                  <a:schemeClr val="lt1"/>
-                </a:solidFill>
-                <a:latin typeface="+mn-lt"/>
-                <a:ea typeface="+mn-ea"/>
-                <a:cs typeface="+mn-cs"/>
-              </a:defRPr>
-            </a:lvl8pPr>
-            <a:lvl9pPr marL="3657600" algn="l" defTabSz="914400" rtl="0" eaLnBrk="1" latinLnBrk="0" hangingPunct="1">
-              <a:defRPr sz="1800" kern="1200">
-                <a:solidFill>
-                  <a:schemeClr val="lt1"/>
-                </a:solidFill>
-                <a:latin typeface="+mn-lt"/>
-                <a:ea typeface="+mn-ea"/>
-                <a:cs typeface="+mn-cs"/>
-              </a:defRPr>
-            </a:lvl9pPr>
-          </a:lstStyle>
-          <a:p>
-            <a:r>
-              <a:rPr lang="en-US" sz="1200" b="1" dirty="0"/>
-              <a:t>What are Web Services? Architecture, Types, Example</a:t>
-            </a:r>
-          </a:p>
-        </p:txBody>
-      </p:sp>
-      <p:sp>
-        <p:nvSpPr>
           <p:cNvPr id="6" name="AutoShape 4" descr="Image result for xml symbol"/>
           <p:cNvSpPr>
             <a:spLocks noChangeAspect="1" noChangeArrowheads="1"/>
@@ -11890,6 +12059,143 @@
             <a:r>
               <a:rPr lang="en-US" sz="1400" b="1" dirty="0"/>
               <a:t>Web service Characteristics</a:t>
+            </a:r>
+          </a:p>
+        </p:txBody>
+      </p:sp>
+      <p:sp>
+        <p:nvSpPr>
+          <p:cNvPr id="11" name="Rectangle 10"/>
+          <p:cNvSpPr/>
+          <p:nvPr/>
+        </p:nvSpPr>
+        <p:spPr>
+          <a:xfrm>
+            <a:off x="2895600" y="23853"/>
+            <a:ext cx="3657600" cy="276999"/>
+          </a:xfrm>
+          <a:prstGeom prst="rect">
+            <a:avLst/>
+          </a:prstGeom>
+        </p:spPr>
+        <p:style>
+          <a:lnRef idx="1">
+            <a:schemeClr val="accent4"/>
+          </a:lnRef>
+          <a:fillRef idx="3">
+            <a:schemeClr val="accent4"/>
+          </a:fillRef>
+          <a:effectRef idx="2">
+            <a:schemeClr val="accent4"/>
+          </a:effectRef>
+          <a:fontRef idx="minor">
+            <a:schemeClr val="lt1"/>
+          </a:fontRef>
+        </p:style>
+        <p:txBody>
+          <a:bodyPr wrap="square">
+            <a:spAutoFit/>
+          </a:bodyPr>
+          <a:lstStyle>
+            <a:defPPr>
+              <a:defRPr lang="en-US"/>
+            </a:defPPr>
+            <a:lvl1pPr marL="0" algn="l" defTabSz="914400" rtl="0" eaLnBrk="1" latinLnBrk="0" hangingPunct="1">
+              <a:defRPr sz="1800" kern="1200">
+                <a:solidFill>
+                  <a:schemeClr val="lt1"/>
+                </a:solidFill>
+                <a:latin typeface="+mn-lt"/>
+                <a:ea typeface="+mn-ea"/>
+                <a:cs typeface="+mn-cs"/>
+              </a:defRPr>
+            </a:lvl1pPr>
+            <a:lvl2pPr marL="457200" algn="l" defTabSz="914400" rtl="0" eaLnBrk="1" latinLnBrk="0" hangingPunct="1">
+              <a:defRPr sz="1800" kern="1200">
+                <a:solidFill>
+                  <a:schemeClr val="lt1"/>
+                </a:solidFill>
+                <a:latin typeface="+mn-lt"/>
+                <a:ea typeface="+mn-ea"/>
+                <a:cs typeface="+mn-cs"/>
+              </a:defRPr>
+            </a:lvl2pPr>
+            <a:lvl3pPr marL="914400" algn="l" defTabSz="914400" rtl="0" eaLnBrk="1" latinLnBrk="0" hangingPunct="1">
+              <a:defRPr sz="1800" kern="1200">
+                <a:solidFill>
+                  <a:schemeClr val="lt1"/>
+                </a:solidFill>
+                <a:latin typeface="+mn-lt"/>
+                <a:ea typeface="+mn-ea"/>
+                <a:cs typeface="+mn-cs"/>
+              </a:defRPr>
+            </a:lvl3pPr>
+            <a:lvl4pPr marL="1371600" algn="l" defTabSz="914400" rtl="0" eaLnBrk="1" latinLnBrk="0" hangingPunct="1">
+              <a:defRPr sz="1800" kern="1200">
+                <a:solidFill>
+                  <a:schemeClr val="lt1"/>
+                </a:solidFill>
+                <a:latin typeface="+mn-lt"/>
+                <a:ea typeface="+mn-ea"/>
+                <a:cs typeface="+mn-cs"/>
+              </a:defRPr>
+            </a:lvl4pPr>
+            <a:lvl5pPr marL="1828800" algn="l" defTabSz="914400" rtl="0" eaLnBrk="1" latinLnBrk="0" hangingPunct="1">
+              <a:defRPr sz="1800" kern="1200">
+                <a:solidFill>
+                  <a:schemeClr val="lt1"/>
+                </a:solidFill>
+                <a:latin typeface="+mn-lt"/>
+                <a:ea typeface="+mn-ea"/>
+                <a:cs typeface="+mn-cs"/>
+              </a:defRPr>
+            </a:lvl5pPr>
+            <a:lvl6pPr marL="2286000" algn="l" defTabSz="914400" rtl="0" eaLnBrk="1" latinLnBrk="0" hangingPunct="1">
+              <a:defRPr sz="1800" kern="1200">
+                <a:solidFill>
+                  <a:schemeClr val="lt1"/>
+                </a:solidFill>
+                <a:latin typeface="+mn-lt"/>
+                <a:ea typeface="+mn-ea"/>
+                <a:cs typeface="+mn-cs"/>
+              </a:defRPr>
+            </a:lvl6pPr>
+            <a:lvl7pPr marL="2743200" algn="l" defTabSz="914400" rtl="0" eaLnBrk="1" latinLnBrk="0" hangingPunct="1">
+              <a:defRPr sz="1800" kern="1200">
+                <a:solidFill>
+                  <a:schemeClr val="lt1"/>
+                </a:solidFill>
+                <a:latin typeface="+mn-lt"/>
+                <a:ea typeface="+mn-ea"/>
+                <a:cs typeface="+mn-cs"/>
+              </a:defRPr>
+            </a:lvl7pPr>
+            <a:lvl8pPr marL="3200400" algn="l" defTabSz="914400" rtl="0" eaLnBrk="1" latinLnBrk="0" hangingPunct="1">
+              <a:defRPr sz="1800" kern="1200">
+                <a:solidFill>
+                  <a:schemeClr val="lt1"/>
+                </a:solidFill>
+                <a:latin typeface="+mn-lt"/>
+                <a:ea typeface="+mn-ea"/>
+                <a:cs typeface="+mn-cs"/>
+              </a:defRPr>
+            </a:lvl8pPr>
+            <a:lvl9pPr marL="3657600" algn="l" defTabSz="914400" rtl="0" eaLnBrk="1" latinLnBrk="0" hangingPunct="1">
+              <a:defRPr sz="1800" kern="1200">
+                <a:solidFill>
+                  <a:schemeClr val="lt1"/>
+                </a:solidFill>
+                <a:latin typeface="+mn-lt"/>
+                <a:ea typeface="+mn-ea"/>
+                <a:cs typeface="+mn-cs"/>
+              </a:defRPr>
+            </a:lvl9pPr>
+          </a:lstStyle>
+          <a:p>
+            <a:pPr algn="ctr"/>
+            <a:r>
+              <a:rPr lang="en-US" sz="1200" dirty="0"/>
+              <a:t>What are Web Services? Architecture, Types, Example</a:t>
             </a:r>
           </a:p>
         </p:txBody>

--- a/Later/Java_Later/API/5/What are Webservices.pptx
+++ b/Later/Java_Later/API/5/What are Webservices.pptx
@@ -114,7 +114,7 @@
   </p:defaultTextStyle>
   <p:extLst>
     <p:ext uri="{EFAFB233-063F-42B5-8137-9DF3F51BA10A}">
-      <p15:sldGuideLst xmlns:p15="http://schemas.microsoft.com/office/powerpoint/2012/main">
+      <p15:sldGuideLst xmlns:p15="http://schemas.microsoft.com/office/powerpoint/2012/main" xmlns="">
         <p15:guide id="1" orient="horz" pos="1585">
           <p15:clr>
             <a:srgbClr val="A4A3A4"/>
@@ -128,7 +128,7 @@
       </p15:sldGuideLst>
     </p:ext>
     <p:ext uri="{2D200454-40CA-4A62-9FC3-DE9A4176ACB9}">
-      <p15:notesGuideLst xmlns:p15="http://schemas.microsoft.com/office/powerpoint/2012/main">
+      <p15:notesGuideLst xmlns:p15="http://schemas.microsoft.com/office/powerpoint/2012/main" xmlns="">
         <p15:guide id="1" orient="horz" pos="2880">
           <p15:clr>
             <a:srgbClr val="A4A3A4"/>
@@ -3902,7 +3902,7 @@
           <a:p>
             <a:fld id="{62274EC6-3890-417B-9308-14EFBD00FA63}" type="datetimeFigureOut">
               <a:rPr lang="en-US" smtClean="0"/>
-              <a:t>6/16/2020</a:t>
+              <a:t>6/17/2020</a:t>
             </a:fld>
             <a:endParaRPr lang="en-US" dirty="0"/>
           </a:p>
@@ -4886,7 +4886,7 @@
             <a:fld id="{1D8BD707-D9CF-40AE-B4C6-C98DA3205C09}" type="datetimeFigureOut">
               <a:rPr lang="en-US" smtClean="0"/>
               <a:pPr/>
-              <a:t>6/16/2020</a:t>
+              <a:t>6/17/2020</a:t>
             </a:fld>
             <a:endParaRPr lang="en-US" dirty="0"/>
           </a:p>
@@ -5058,7 +5058,7 @@
             <a:fld id="{1D8BD707-D9CF-40AE-B4C6-C98DA3205C09}" type="datetimeFigureOut">
               <a:rPr lang="en-US" smtClean="0"/>
               <a:pPr/>
-              <a:t>6/16/2020</a:t>
+              <a:t>6/17/2020</a:t>
             </a:fld>
             <a:endParaRPr lang="en-US" dirty="0"/>
           </a:p>
@@ -5240,7 +5240,7 @@
             <a:fld id="{1D8BD707-D9CF-40AE-B4C6-C98DA3205C09}" type="datetimeFigureOut">
               <a:rPr lang="en-US" smtClean="0"/>
               <a:pPr/>
-              <a:t>6/16/2020</a:t>
+              <a:t>6/17/2020</a:t>
             </a:fld>
             <a:endParaRPr lang="en-US" dirty="0"/>
           </a:p>
@@ -5412,7 +5412,7 @@
             <a:fld id="{1D8BD707-D9CF-40AE-B4C6-C98DA3205C09}" type="datetimeFigureOut">
               <a:rPr lang="en-US" smtClean="0"/>
               <a:pPr/>
-              <a:t>6/16/2020</a:t>
+              <a:t>6/17/2020</a:t>
             </a:fld>
             <a:endParaRPr lang="en-US" dirty="0"/>
           </a:p>
@@ -5660,7 +5660,7 @@
             <a:fld id="{1D8BD707-D9CF-40AE-B4C6-C98DA3205C09}" type="datetimeFigureOut">
               <a:rPr lang="en-US" smtClean="0"/>
               <a:pPr/>
-              <a:t>6/16/2020</a:t>
+              <a:t>6/17/2020</a:t>
             </a:fld>
             <a:endParaRPr lang="en-US" dirty="0"/>
           </a:p>
@@ -5950,7 +5950,7 @@
             <a:fld id="{1D8BD707-D9CF-40AE-B4C6-C98DA3205C09}" type="datetimeFigureOut">
               <a:rPr lang="en-US" smtClean="0"/>
               <a:pPr/>
-              <a:t>6/16/2020</a:t>
+              <a:t>6/17/2020</a:t>
             </a:fld>
             <a:endParaRPr lang="en-US" dirty="0"/>
           </a:p>
@@ -6379,7 +6379,7 @@
             <a:fld id="{1D8BD707-D9CF-40AE-B4C6-C98DA3205C09}" type="datetimeFigureOut">
               <a:rPr lang="en-US" smtClean="0"/>
               <a:pPr/>
-              <a:t>6/16/2020</a:t>
+              <a:t>6/17/2020</a:t>
             </a:fld>
             <a:endParaRPr lang="en-US" dirty="0"/>
           </a:p>
@@ -6499,7 +6499,7 @@
             <a:fld id="{1D8BD707-D9CF-40AE-B4C6-C98DA3205C09}" type="datetimeFigureOut">
               <a:rPr lang="en-US" smtClean="0"/>
               <a:pPr/>
-              <a:t>6/16/2020</a:t>
+              <a:t>6/17/2020</a:t>
             </a:fld>
             <a:endParaRPr lang="en-US" dirty="0"/>
           </a:p>
@@ -6596,7 +6596,7 @@
             <a:fld id="{1D8BD707-D9CF-40AE-B4C6-C98DA3205C09}" type="datetimeFigureOut">
               <a:rPr lang="en-US" smtClean="0"/>
               <a:pPr/>
-              <a:t>6/16/2020</a:t>
+              <a:t>6/17/2020</a:t>
             </a:fld>
             <a:endParaRPr lang="en-US" dirty="0"/>
           </a:p>
@@ -6875,7 +6875,7 @@
             <a:fld id="{1D8BD707-D9CF-40AE-B4C6-C98DA3205C09}" type="datetimeFigureOut">
               <a:rPr lang="en-US" smtClean="0"/>
               <a:pPr/>
-              <a:t>6/16/2020</a:t>
+              <a:t>6/17/2020</a:t>
             </a:fld>
             <a:endParaRPr lang="en-US" dirty="0"/>
           </a:p>
@@ -7130,7 +7130,7 @@
             <a:fld id="{1D8BD707-D9CF-40AE-B4C6-C98DA3205C09}" type="datetimeFigureOut">
               <a:rPr lang="en-US" smtClean="0"/>
               <a:pPr/>
-              <a:t>6/16/2020</a:t>
+              <a:t>6/17/2020</a:t>
             </a:fld>
             <a:endParaRPr lang="en-US" dirty="0"/>
           </a:p>
@@ -7345,7 +7345,7 @@
             <a:fld id="{1D8BD707-D9CF-40AE-B4C6-C98DA3205C09}" type="datetimeFigureOut">
               <a:rPr lang="en-US" smtClean="0"/>
               <a:pPr/>
-              <a:t>6/16/2020</a:t>
+              <a:t>6/17/2020</a:t>
             </a:fld>
             <a:endParaRPr lang="en-US" dirty="0"/>
           </a:p>
